--- a/Présentation.pptx
+++ b/Présentation.pptx
@@ -29,10 +29,17 @@
     <p:sldId id="288" r:id="rId23"/>
     <p:sldId id="280" r:id="rId24"/>
     <p:sldId id="282" r:id="rId25"/>
-    <p:sldId id="283" r:id="rId26"/>
-    <p:sldId id="284" r:id="rId27"/>
-    <p:sldId id="285" r:id="rId28"/>
-    <p:sldId id="286" r:id="rId29"/>
+    <p:sldId id="290" r:id="rId26"/>
+    <p:sldId id="291" r:id="rId27"/>
+    <p:sldId id="292" r:id="rId28"/>
+    <p:sldId id="284" r:id="rId29"/>
+    <p:sldId id="293" r:id="rId30"/>
+    <p:sldId id="285" r:id="rId31"/>
+    <p:sldId id="294" r:id="rId32"/>
+    <p:sldId id="295" r:id="rId33"/>
+    <p:sldId id="286" r:id="rId34"/>
+    <p:sldId id="296" r:id="rId35"/>
+    <p:sldId id="283" r:id="rId36"/>
   </p:sldIdLst>
   <p:sldSz cx="12192000" cy="6858000"/>
   <p:notesSz cx="6858000" cy="9144000"/>
@@ -142,7 +149,7 @@
 <file path=ppt/revisionInfo.xml><?xml version="1.0" encoding="utf-8"?>
 <p1510:revInfo xmlns:a="http://schemas.openxmlformats.org/drawingml/2006/main" xmlns:r="http://schemas.openxmlformats.org/officeDocument/2006/relationships" xmlns:p1510="http://schemas.microsoft.com/office/powerpoint/2015/10/main">
   <p1510:revLst>
-    <p1510:client id="{0F624654-607C-43C4-AB29-4881F8C15CC7}" v="523" dt="2019-10-19T14:10:30.274"/>
+    <p1510:client id="{0F624654-607C-43C4-AB29-4881F8C15CC7}" v="4369" dt="2019-10-21T20:07:36.216"/>
   </p1510:revLst>
 </p1510:revInfo>
 </file>
@@ -151,8 +158,8 @@
 <pc:chgInfo xmlns:a="http://schemas.openxmlformats.org/drawingml/2006/main" xmlns:r="http://schemas.openxmlformats.org/officeDocument/2006/relationships" xmlns:ac="http://schemas.microsoft.com/office/drawing/2013/main/command" xmlns:pc="http://schemas.microsoft.com/office/powerpoint/2013/main/command">
   <pc:docChgLst>
     <pc:chgData name="Dimitri Sauvage" userId="18a3cfcc7167ed82" providerId="LiveId" clId="{0F624654-607C-43C4-AB29-4881F8C15CC7}"/>
-    <pc:docChg chg="undo custSel addSld delSld modSld">
-      <pc:chgData name="Dimitri Sauvage" userId="18a3cfcc7167ed82" providerId="LiveId" clId="{0F624654-607C-43C4-AB29-4881F8C15CC7}" dt="2019-10-19T14:10:30.274" v="574" actId="113"/>
+    <pc:docChg chg="undo redo custSel mod addSld delSld modSld sldOrd">
+      <pc:chgData name="Dimitri Sauvage" userId="18a3cfcc7167ed82" providerId="LiveId" clId="{0F624654-607C-43C4-AB29-4881F8C15CC7}" dt="2019-10-21T20:07:36.216" v="4977"/>
       <pc:docMkLst>
         <pc:docMk/>
       </pc:docMkLst>
@@ -168,6 +175,28 @@
             <pc:docMk/>
             <pc:sldMk cId="2092486652" sldId="272"/>
             <ac:spMk id="8" creationId="{B7FE4CA4-B8BB-434B-AB1D-8A9D7E65FA5E}"/>
+          </ac:spMkLst>
+        </pc:spChg>
+      </pc:sldChg>
+      <pc:sldChg chg="ord">
+        <pc:chgData name="Dimitri Sauvage" userId="18a3cfcc7167ed82" providerId="LiveId" clId="{0F624654-607C-43C4-AB29-4881F8C15CC7}" dt="2019-10-21T19:18:15.141" v="2703"/>
+        <pc:sldMkLst>
+          <pc:docMk/>
+          <pc:sldMk cId="1675989257" sldId="283"/>
+        </pc:sldMkLst>
+      </pc:sldChg>
+      <pc:sldChg chg="modSp">
+        <pc:chgData name="Dimitri Sauvage" userId="18a3cfcc7167ed82" providerId="LiveId" clId="{0F624654-607C-43C4-AB29-4881F8C15CC7}" dt="2019-10-21T19:19:26.691" v="2732" actId="20577"/>
+        <pc:sldMkLst>
+          <pc:docMk/>
+          <pc:sldMk cId="4221099147" sldId="284"/>
+        </pc:sldMkLst>
+        <pc:spChg chg="mod">
+          <ac:chgData name="Dimitri Sauvage" userId="18a3cfcc7167ed82" providerId="LiveId" clId="{0F624654-607C-43C4-AB29-4881F8C15CC7}" dt="2019-10-21T19:19:26.691" v="2732" actId="20577"/>
+          <ac:spMkLst>
+            <pc:docMk/>
+            <pc:sldMk cId="4221099147" sldId="284"/>
+            <ac:spMk id="2" creationId="{9C9018E5-536D-4459-8F66-50C173765663}"/>
           </ac:spMkLst>
         </pc:spChg>
       </pc:sldChg>
@@ -232,6 +261,399 @@
           <pc:docMk/>
           <pc:sldMk cId="3278120148" sldId="290"/>
         </pc:sldMkLst>
+      </pc:sldChg>
+      <pc:sldChg chg="delSp modSp add setBg delAnim modAnim delDesignElem">
+        <pc:chgData name="Dimitri Sauvage" userId="18a3cfcc7167ed82" providerId="LiveId" clId="{0F624654-607C-43C4-AB29-4881F8C15CC7}" dt="2019-10-21T19:17:57.732" v="2701"/>
+        <pc:sldMkLst>
+          <pc:docMk/>
+          <pc:sldMk cId="3702036020" sldId="290"/>
+        </pc:sldMkLst>
+        <pc:spChg chg="mod">
+          <ac:chgData name="Dimitri Sauvage" userId="18a3cfcc7167ed82" providerId="LiveId" clId="{0F624654-607C-43C4-AB29-4881F8C15CC7}" dt="2019-10-21T18:31:10.951" v="649" actId="20577"/>
+          <ac:spMkLst>
+            <pc:docMk/>
+            <pc:sldMk cId="3702036020" sldId="290"/>
+            <ac:spMk id="2" creationId="{FB827C1C-0F3A-431C-A32A-718F083EF2BF}"/>
+          </ac:spMkLst>
+        </pc:spChg>
+        <pc:spChg chg="mod">
+          <ac:chgData name="Dimitri Sauvage" userId="18a3cfcc7167ed82" providerId="LiveId" clId="{0F624654-607C-43C4-AB29-4881F8C15CC7}" dt="2019-10-21T18:36:07.960" v="1212" actId="14"/>
+          <ac:spMkLst>
+            <pc:docMk/>
+            <pc:sldMk cId="3702036020" sldId="290"/>
+            <ac:spMk id="3" creationId="{39787187-24FB-4A40-9DAC-0C87D14BE1FC}"/>
+          </ac:spMkLst>
+        </pc:spChg>
+        <pc:spChg chg="del">
+          <ac:chgData name="Dimitri Sauvage" userId="18a3cfcc7167ed82" providerId="LiveId" clId="{0F624654-607C-43C4-AB29-4881F8C15CC7}" dt="2019-10-21T18:28:24.678" v="576"/>
+          <ac:spMkLst>
+            <pc:docMk/>
+            <pc:sldMk cId="3702036020" sldId="290"/>
+            <ac:spMk id="9" creationId="{B9F89C22-0475-4427-B7C8-0269AD40E3EC}"/>
+          </ac:spMkLst>
+        </pc:spChg>
+        <pc:picChg chg="del">
+          <ac:chgData name="Dimitri Sauvage" userId="18a3cfcc7167ed82" providerId="LiveId" clId="{0F624654-607C-43C4-AB29-4881F8C15CC7}" dt="2019-10-21T18:31:20.289" v="700" actId="478"/>
+          <ac:picMkLst>
+            <pc:docMk/>
+            <pc:sldMk cId="3702036020" sldId="290"/>
+            <ac:picMk id="4" creationId="{26644B2B-7E5B-49DD-BC82-F489FC3A5DD0}"/>
+          </ac:picMkLst>
+        </pc:picChg>
+      </pc:sldChg>
+      <pc:sldChg chg="addSp modSp add modAnim">
+        <pc:chgData name="Dimitri Sauvage" userId="18a3cfcc7167ed82" providerId="LiveId" clId="{0F624654-607C-43C4-AB29-4881F8C15CC7}" dt="2019-10-21T19:36:54.989" v="3167" actId="1076"/>
+        <pc:sldMkLst>
+          <pc:docMk/>
+          <pc:sldMk cId="3632828782" sldId="291"/>
+        </pc:sldMkLst>
+        <pc:spChg chg="mod">
+          <ac:chgData name="Dimitri Sauvage" userId="18a3cfcc7167ed82" providerId="LiveId" clId="{0F624654-607C-43C4-AB29-4881F8C15CC7}" dt="2019-10-21T18:36:27.212" v="1240" actId="20577"/>
+          <ac:spMkLst>
+            <pc:docMk/>
+            <pc:sldMk cId="3632828782" sldId="291"/>
+            <ac:spMk id="2" creationId="{FB827C1C-0F3A-431C-A32A-718F083EF2BF}"/>
+          </ac:spMkLst>
+        </pc:spChg>
+        <pc:spChg chg="mod">
+          <ac:chgData name="Dimitri Sauvage" userId="18a3cfcc7167ed82" providerId="LiveId" clId="{0F624654-607C-43C4-AB29-4881F8C15CC7}" dt="2019-10-21T18:37:42.325" v="1380" actId="14100"/>
+          <ac:spMkLst>
+            <pc:docMk/>
+            <pc:sldMk cId="3632828782" sldId="291"/>
+            <ac:spMk id="3" creationId="{39787187-24FB-4A40-9DAC-0C87D14BE1FC}"/>
+          </ac:spMkLst>
+        </pc:spChg>
+        <pc:spChg chg="add mod">
+          <ac:chgData name="Dimitri Sauvage" userId="18a3cfcc7167ed82" providerId="LiveId" clId="{0F624654-607C-43C4-AB29-4881F8C15CC7}" dt="2019-10-21T19:36:54.989" v="3167" actId="1076"/>
+          <ac:spMkLst>
+            <pc:docMk/>
+            <pc:sldMk cId="3632828782" sldId="291"/>
+            <ac:spMk id="5" creationId="{E378DD29-4C39-44B3-A990-A2D358088A89}"/>
+          </ac:spMkLst>
+        </pc:spChg>
+        <pc:spChg chg="add mod">
+          <ac:chgData name="Dimitri Sauvage" userId="18a3cfcc7167ed82" providerId="LiveId" clId="{0F624654-607C-43C4-AB29-4881F8C15CC7}" dt="2019-10-21T19:36:54.989" v="3167" actId="1076"/>
+          <ac:spMkLst>
+            <pc:docMk/>
+            <pc:sldMk cId="3632828782" sldId="291"/>
+            <ac:spMk id="6" creationId="{3BF78C06-94FB-46B5-96F9-5BF889E873D1}"/>
+          </ac:spMkLst>
+        </pc:spChg>
+        <pc:spChg chg="add mod">
+          <ac:chgData name="Dimitri Sauvage" userId="18a3cfcc7167ed82" providerId="LiveId" clId="{0F624654-607C-43C4-AB29-4881F8C15CC7}" dt="2019-10-21T19:36:39.631" v="3164" actId="14100"/>
+          <ac:spMkLst>
+            <pc:docMk/>
+            <pc:sldMk cId="3632828782" sldId="291"/>
+            <ac:spMk id="7" creationId="{1D600606-BBE4-4114-92EF-A29C6C0812AF}"/>
+          </ac:spMkLst>
+        </pc:spChg>
+        <pc:picChg chg="add mod">
+          <ac:chgData name="Dimitri Sauvage" userId="18a3cfcc7167ed82" providerId="LiveId" clId="{0F624654-607C-43C4-AB29-4881F8C15CC7}" dt="2019-10-21T19:36:49.183" v="3166" actId="1076"/>
+          <ac:picMkLst>
+            <pc:docMk/>
+            <pc:sldMk cId="3632828782" sldId="291"/>
+            <ac:picMk id="4" creationId="{370B7791-7A88-4E73-8766-864D069A8069}"/>
+          </ac:picMkLst>
+        </pc:picChg>
+      </pc:sldChg>
+      <pc:sldChg chg="addSp delSp modSp add delAnim modAnim">
+        <pc:chgData name="Dimitri Sauvage" userId="18a3cfcc7167ed82" providerId="LiveId" clId="{0F624654-607C-43C4-AB29-4881F8C15CC7}" dt="2019-10-21T19:18:06.560" v="2702"/>
+        <pc:sldMkLst>
+          <pc:docMk/>
+          <pc:sldMk cId="1111236269" sldId="292"/>
+        </pc:sldMkLst>
+        <pc:spChg chg="mod">
+          <ac:chgData name="Dimitri Sauvage" userId="18a3cfcc7167ed82" providerId="LiveId" clId="{0F624654-607C-43C4-AB29-4881F8C15CC7}" dt="2019-10-21T18:43:26.593" v="2091" actId="20577"/>
+          <ac:spMkLst>
+            <pc:docMk/>
+            <pc:sldMk cId="1111236269" sldId="292"/>
+            <ac:spMk id="2" creationId="{FB827C1C-0F3A-431C-A32A-718F083EF2BF}"/>
+          </ac:spMkLst>
+        </pc:spChg>
+        <pc:spChg chg="mod">
+          <ac:chgData name="Dimitri Sauvage" userId="18a3cfcc7167ed82" providerId="LiveId" clId="{0F624654-607C-43C4-AB29-4881F8C15CC7}" dt="2019-10-21T19:17:20.283" v="2693" actId="313"/>
+          <ac:spMkLst>
+            <pc:docMk/>
+            <pc:sldMk cId="1111236269" sldId="292"/>
+            <ac:spMk id="3" creationId="{39787187-24FB-4A40-9DAC-0C87D14BE1FC}"/>
+          </ac:spMkLst>
+        </pc:spChg>
+        <pc:spChg chg="del">
+          <ac:chgData name="Dimitri Sauvage" userId="18a3cfcc7167ed82" providerId="LiveId" clId="{0F624654-607C-43C4-AB29-4881F8C15CC7}" dt="2019-10-21T18:44:17.711" v="2173" actId="478"/>
+          <ac:spMkLst>
+            <pc:docMk/>
+            <pc:sldMk cId="1111236269" sldId="292"/>
+            <ac:spMk id="5" creationId="{E378DD29-4C39-44B3-A990-A2D358088A89}"/>
+          </ac:spMkLst>
+        </pc:spChg>
+        <pc:spChg chg="del">
+          <ac:chgData name="Dimitri Sauvage" userId="18a3cfcc7167ed82" providerId="LiveId" clId="{0F624654-607C-43C4-AB29-4881F8C15CC7}" dt="2019-10-21T18:44:18.804" v="2174" actId="478"/>
+          <ac:spMkLst>
+            <pc:docMk/>
+            <pc:sldMk cId="1111236269" sldId="292"/>
+            <ac:spMk id="6" creationId="{3BF78C06-94FB-46B5-96F9-5BF889E873D1}"/>
+          </ac:spMkLst>
+        </pc:spChg>
+        <pc:spChg chg="del">
+          <ac:chgData name="Dimitri Sauvage" userId="18a3cfcc7167ed82" providerId="LiveId" clId="{0F624654-607C-43C4-AB29-4881F8C15CC7}" dt="2019-10-21T18:44:19.725" v="2175" actId="478"/>
+          <ac:spMkLst>
+            <pc:docMk/>
+            <pc:sldMk cId="1111236269" sldId="292"/>
+            <ac:spMk id="7" creationId="{1D600606-BBE4-4114-92EF-A29C6C0812AF}"/>
+          </ac:spMkLst>
+        </pc:spChg>
+        <pc:picChg chg="del">
+          <ac:chgData name="Dimitri Sauvage" userId="18a3cfcc7167ed82" providerId="LiveId" clId="{0F624654-607C-43C4-AB29-4881F8C15CC7}" dt="2019-10-21T18:46:45.955" v="2473" actId="478"/>
+          <ac:picMkLst>
+            <pc:docMk/>
+            <pc:sldMk cId="1111236269" sldId="292"/>
+            <ac:picMk id="4" creationId="{370B7791-7A88-4E73-8766-864D069A8069}"/>
+          </ac:picMkLst>
+        </pc:picChg>
+        <pc:picChg chg="add del mod">
+          <ac:chgData name="Dimitri Sauvage" userId="18a3cfcc7167ed82" providerId="LiveId" clId="{0F624654-607C-43C4-AB29-4881F8C15CC7}" dt="2019-10-21T19:15:54.242" v="2476" actId="478"/>
+          <ac:picMkLst>
+            <pc:docMk/>
+            <pc:sldMk cId="1111236269" sldId="292"/>
+            <ac:picMk id="8" creationId="{87C48B8D-4522-4C32-89D6-6EAFD76C58E0}"/>
+          </ac:picMkLst>
+        </pc:picChg>
+        <pc:picChg chg="add mod">
+          <ac:chgData name="Dimitri Sauvage" userId="18a3cfcc7167ed82" providerId="LiveId" clId="{0F624654-607C-43C4-AB29-4881F8C15CC7}" dt="2019-10-21T19:16:25.749" v="2486" actId="1076"/>
+          <ac:picMkLst>
+            <pc:docMk/>
+            <pc:sldMk cId="1111236269" sldId="292"/>
+            <ac:picMk id="9" creationId="{01407BDB-ECB9-460D-8155-7209C18AE578}"/>
+          </ac:picMkLst>
+        </pc:picChg>
+      </pc:sldChg>
+      <pc:sldChg chg="addSp delSp modSp add delAnim modAnim">
+        <pc:chgData name="Dimitri Sauvage" userId="18a3cfcc7167ed82" providerId="LiveId" clId="{0F624654-607C-43C4-AB29-4881F8C15CC7}" dt="2019-10-21T19:36:32.102" v="3163" actId="20577"/>
+        <pc:sldMkLst>
+          <pc:docMk/>
+          <pc:sldMk cId="2930532341" sldId="293"/>
+        </pc:sldMkLst>
+        <pc:spChg chg="mod">
+          <ac:chgData name="Dimitri Sauvage" userId="18a3cfcc7167ed82" providerId="LiveId" clId="{0F624654-607C-43C4-AB29-4881F8C15CC7}" dt="2019-10-21T19:19:58.301" v="2744" actId="20577"/>
+          <ac:spMkLst>
+            <pc:docMk/>
+            <pc:sldMk cId="2930532341" sldId="293"/>
+            <ac:spMk id="2" creationId="{FB827C1C-0F3A-431C-A32A-718F083EF2BF}"/>
+          </ac:spMkLst>
+        </pc:spChg>
+        <pc:spChg chg="mod">
+          <ac:chgData name="Dimitri Sauvage" userId="18a3cfcc7167ed82" providerId="LiveId" clId="{0F624654-607C-43C4-AB29-4881F8C15CC7}" dt="2019-10-21T19:36:32.102" v="3163" actId="20577"/>
+          <ac:spMkLst>
+            <pc:docMk/>
+            <pc:sldMk cId="2930532341" sldId="293"/>
+            <ac:spMk id="3" creationId="{39787187-24FB-4A40-9DAC-0C87D14BE1FC}"/>
+          </ac:spMkLst>
+        </pc:spChg>
+        <pc:picChg chg="add mod">
+          <ac:chgData name="Dimitri Sauvage" userId="18a3cfcc7167ed82" providerId="LiveId" clId="{0F624654-607C-43C4-AB29-4881F8C15CC7}" dt="2019-10-21T19:36:00.923" v="3150" actId="1076"/>
+          <ac:picMkLst>
+            <pc:docMk/>
+            <pc:sldMk cId="2930532341" sldId="293"/>
+            <ac:picMk id="4" creationId="{0235B9C5-3107-47AC-B069-B67CB292ACA5}"/>
+          </ac:picMkLst>
+        </pc:picChg>
+        <pc:picChg chg="add mod">
+          <ac:chgData name="Dimitri Sauvage" userId="18a3cfcc7167ed82" providerId="LiveId" clId="{0F624654-607C-43C4-AB29-4881F8C15CC7}" dt="2019-10-21T19:36:00.923" v="3150" actId="1076"/>
+          <ac:picMkLst>
+            <pc:docMk/>
+            <pc:sldMk cId="2930532341" sldId="293"/>
+            <ac:picMk id="5" creationId="{7696E534-FD81-4654-8BC6-7C7A772B8876}"/>
+          </ac:picMkLst>
+        </pc:picChg>
+        <pc:picChg chg="add mod">
+          <ac:chgData name="Dimitri Sauvage" userId="18a3cfcc7167ed82" providerId="LiveId" clId="{0F624654-607C-43C4-AB29-4881F8C15CC7}" dt="2019-10-21T19:36:00.923" v="3150" actId="1076"/>
+          <ac:picMkLst>
+            <pc:docMk/>
+            <pc:sldMk cId="2930532341" sldId="293"/>
+            <ac:picMk id="6" creationId="{223F1B86-8B27-4D41-AEDC-9B8504EFB0DB}"/>
+          </ac:picMkLst>
+        </pc:picChg>
+        <pc:picChg chg="del">
+          <ac:chgData name="Dimitri Sauvage" userId="18a3cfcc7167ed82" providerId="LiveId" clId="{0F624654-607C-43C4-AB29-4881F8C15CC7}" dt="2019-10-21T19:20:16.488" v="2797" actId="478"/>
+          <ac:picMkLst>
+            <pc:docMk/>
+            <pc:sldMk cId="2930532341" sldId="293"/>
+            <ac:picMk id="9" creationId="{01407BDB-ECB9-460D-8155-7209C18AE578}"/>
+          </ac:picMkLst>
+        </pc:picChg>
+      </pc:sldChg>
+      <pc:sldChg chg="addSp delSp modSp add delAnim modAnim">
+        <pc:chgData name="Dimitri Sauvage" userId="18a3cfcc7167ed82" providerId="LiveId" clId="{0F624654-607C-43C4-AB29-4881F8C15CC7}" dt="2019-10-21T19:57:16.215" v="3945"/>
+        <pc:sldMkLst>
+          <pc:docMk/>
+          <pc:sldMk cId="2750275744" sldId="294"/>
+        </pc:sldMkLst>
+        <pc:spChg chg="mod">
+          <ac:chgData name="Dimitri Sauvage" userId="18a3cfcc7167ed82" providerId="LiveId" clId="{0F624654-607C-43C4-AB29-4881F8C15CC7}" dt="2019-10-21T19:51:51.128" v="3558" actId="14100"/>
+          <ac:spMkLst>
+            <pc:docMk/>
+            <pc:sldMk cId="2750275744" sldId="294"/>
+            <ac:spMk id="3" creationId="{39787187-24FB-4A40-9DAC-0C87D14BE1FC}"/>
+          </ac:spMkLst>
+        </pc:spChg>
+        <pc:picChg chg="del">
+          <ac:chgData name="Dimitri Sauvage" userId="18a3cfcc7167ed82" providerId="LiveId" clId="{0F624654-607C-43C4-AB29-4881F8C15CC7}" dt="2019-10-21T19:49:51.298" v="3170" actId="478"/>
+          <ac:picMkLst>
+            <pc:docMk/>
+            <pc:sldMk cId="2750275744" sldId="294"/>
+            <ac:picMk id="4" creationId="{0235B9C5-3107-47AC-B069-B67CB292ACA5}"/>
+          </ac:picMkLst>
+        </pc:picChg>
+        <pc:picChg chg="del">
+          <ac:chgData name="Dimitri Sauvage" userId="18a3cfcc7167ed82" providerId="LiveId" clId="{0F624654-607C-43C4-AB29-4881F8C15CC7}" dt="2019-10-21T19:49:50.975" v="3169" actId="478"/>
+          <ac:picMkLst>
+            <pc:docMk/>
+            <pc:sldMk cId="2750275744" sldId="294"/>
+            <ac:picMk id="5" creationId="{7696E534-FD81-4654-8BC6-7C7A772B8876}"/>
+          </ac:picMkLst>
+        </pc:picChg>
+        <pc:picChg chg="del">
+          <ac:chgData name="Dimitri Sauvage" userId="18a3cfcc7167ed82" providerId="LiveId" clId="{0F624654-607C-43C4-AB29-4881F8C15CC7}" dt="2019-10-21T19:49:51.749" v="3171" actId="478"/>
+          <ac:picMkLst>
+            <pc:docMk/>
+            <pc:sldMk cId="2750275744" sldId="294"/>
+            <ac:picMk id="6" creationId="{223F1B86-8B27-4D41-AEDC-9B8504EFB0DB}"/>
+          </ac:picMkLst>
+        </pc:picChg>
+        <pc:picChg chg="add mod">
+          <ac:chgData name="Dimitri Sauvage" userId="18a3cfcc7167ed82" providerId="LiveId" clId="{0F624654-607C-43C4-AB29-4881F8C15CC7}" dt="2019-10-21T19:57:12.461" v="3943" actId="1076"/>
+          <ac:picMkLst>
+            <pc:docMk/>
+            <pc:sldMk cId="2750275744" sldId="294"/>
+            <ac:picMk id="7" creationId="{297FBEB3-E520-4FE2-9A4F-FC08F5D66085}"/>
+          </ac:picMkLst>
+        </pc:picChg>
+      </pc:sldChg>
+      <pc:sldChg chg="addSp modSp add modAnim">
+        <pc:chgData name="Dimitri Sauvage" userId="18a3cfcc7167ed82" providerId="LiveId" clId="{0F624654-607C-43C4-AB29-4881F8C15CC7}" dt="2019-10-21T19:56:33.954" v="3941"/>
+        <pc:sldMkLst>
+          <pc:docMk/>
+          <pc:sldMk cId="2711100723" sldId="295"/>
+        </pc:sldMkLst>
+        <pc:spChg chg="mod">
+          <ac:chgData name="Dimitri Sauvage" userId="18a3cfcc7167ed82" providerId="LiveId" clId="{0F624654-607C-43C4-AB29-4881F8C15CC7}" dt="2019-10-21T19:52:12.678" v="3584" actId="20577"/>
+          <ac:spMkLst>
+            <pc:docMk/>
+            <pc:sldMk cId="2711100723" sldId="295"/>
+            <ac:spMk id="2" creationId="{FB827C1C-0F3A-431C-A32A-718F083EF2BF}"/>
+          </ac:spMkLst>
+        </pc:spChg>
+        <pc:spChg chg="mod">
+          <ac:chgData name="Dimitri Sauvage" userId="18a3cfcc7167ed82" providerId="LiveId" clId="{0F624654-607C-43C4-AB29-4881F8C15CC7}" dt="2019-10-21T19:54:47.939" v="3920" actId="20577"/>
+          <ac:spMkLst>
+            <pc:docMk/>
+            <pc:sldMk cId="2711100723" sldId="295"/>
+            <ac:spMk id="3" creationId="{39787187-24FB-4A40-9DAC-0C87D14BE1FC}"/>
+          </ac:spMkLst>
+        </pc:spChg>
+        <pc:picChg chg="add mod">
+          <ac:chgData name="Dimitri Sauvage" userId="18a3cfcc7167ed82" providerId="LiveId" clId="{0F624654-607C-43C4-AB29-4881F8C15CC7}" dt="2019-10-21T19:56:04.247" v="3932" actId="1076"/>
+          <ac:picMkLst>
+            <pc:docMk/>
+            <pc:sldMk cId="2711100723" sldId="295"/>
+            <ac:picMk id="4" creationId="{B3A95339-1B76-4712-B2A3-DB2CCF7A800F}"/>
+          </ac:picMkLst>
+        </pc:picChg>
+        <pc:picChg chg="add mod">
+          <ac:chgData name="Dimitri Sauvage" userId="18a3cfcc7167ed82" providerId="LiveId" clId="{0F624654-607C-43C4-AB29-4881F8C15CC7}" dt="2019-10-21T19:55:58.889" v="3931" actId="14100"/>
+          <ac:picMkLst>
+            <pc:docMk/>
+            <pc:sldMk cId="2711100723" sldId="295"/>
+            <ac:picMk id="5" creationId="{1EE987AD-7629-4D9E-9741-38C6914EDBD1}"/>
+          </ac:picMkLst>
+        </pc:picChg>
+        <pc:picChg chg="add mod">
+          <ac:chgData name="Dimitri Sauvage" userId="18a3cfcc7167ed82" providerId="LiveId" clId="{0F624654-607C-43C4-AB29-4881F8C15CC7}" dt="2019-10-21T19:55:50.460" v="3927" actId="1076"/>
+          <ac:picMkLst>
+            <pc:docMk/>
+            <pc:sldMk cId="2711100723" sldId="295"/>
+            <ac:picMk id="6" creationId="{89AC8DD7-B1D0-46D2-B1D8-A42864406C0F}"/>
+          </ac:picMkLst>
+        </pc:picChg>
+      </pc:sldChg>
+      <pc:sldChg chg="addSp delSp modSp add mod setBg delAnim modAnim">
+        <pc:chgData name="Dimitri Sauvage" userId="18a3cfcc7167ed82" providerId="LiveId" clId="{0F624654-607C-43C4-AB29-4881F8C15CC7}" dt="2019-10-21T20:07:36.216" v="4977"/>
+        <pc:sldMkLst>
+          <pc:docMk/>
+          <pc:sldMk cId="752153947" sldId="296"/>
+        </pc:sldMkLst>
+        <pc:spChg chg="mod">
+          <ac:chgData name="Dimitri Sauvage" userId="18a3cfcc7167ed82" providerId="LiveId" clId="{0F624654-607C-43C4-AB29-4881F8C15CC7}" dt="2019-10-21T20:06:53.992" v="4966" actId="26606"/>
+          <ac:spMkLst>
+            <pc:docMk/>
+            <pc:sldMk cId="752153947" sldId="296"/>
+            <ac:spMk id="2" creationId="{FB827C1C-0F3A-431C-A32A-718F083EF2BF}"/>
+          </ac:spMkLst>
+        </pc:spChg>
+        <pc:spChg chg="mod">
+          <ac:chgData name="Dimitri Sauvage" userId="18a3cfcc7167ed82" providerId="LiveId" clId="{0F624654-607C-43C4-AB29-4881F8C15CC7}" dt="2019-10-21T20:07:02.015" v="4970" actId="403"/>
+          <ac:spMkLst>
+            <pc:docMk/>
+            <pc:sldMk cId="752153947" sldId="296"/>
+            <ac:spMk id="3" creationId="{39787187-24FB-4A40-9DAC-0C87D14BE1FC}"/>
+          </ac:spMkLst>
+        </pc:spChg>
+        <pc:spChg chg="add del">
+          <ac:chgData name="Dimitri Sauvage" userId="18a3cfcc7167ed82" providerId="LiveId" clId="{0F624654-607C-43C4-AB29-4881F8C15CC7}" dt="2019-10-21T20:06:53.992" v="4966" actId="26606"/>
+          <ac:spMkLst>
+            <pc:docMk/>
+            <pc:sldMk cId="752153947" sldId="296"/>
+            <ac:spMk id="6" creationId="{B9F89C22-0475-4427-B7C8-0269AD40E3EC}"/>
+          </ac:spMkLst>
+        </pc:spChg>
+        <pc:spChg chg="add del">
+          <ac:chgData name="Dimitri Sauvage" userId="18a3cfcc7167ed82" providerId="LiveId" clId="{0F624654-607C-43C4-AB29-4881F8C15CC7}" dt="2019-10-21T20:05:31.823" v="4937" actId="26606"/>
+          <ac:spMkLst>
+            <pc:docMk/>
+            <pc:sldMk cId="752153947" sldId="296"/>
+            <ac:spMk id="9" creationId="{B9F89C22-0475-4427-B7C8-0269AD40E3EC}"/>
+          </ac:spMkLst>
+        </pc:spChg>
+        <pc:spChg chg="add del">
+          <ac:chgData name="Dimitri Sauvage" userId="18a3cfcc7167ed82" providerId="LiveId" clId="{0F624654-607C-43C4-AB29-4881F8C15CC7}" dt="2019-10-21T20:06:43.711" v="4957" actId="26606"/>
+          <ac:spMkLst>
+            <pc:docMk/>
+            <pc:sldMk cId="752153947" sldId="296"/>
+            <ac:spMk id="11" creationId="{8E2B8A2D-F46F-4DA5-8AFF-BC57461C281A}"/>
+          </ac:spMkLst>
+        </pc:spChg>
+        <pc:spChg chg="add del">
+          <ac:chgData name="Dimitri Sauvage" userId="18a3cfcc7167ed82" providerId="LiveId" clId="{0F624654-607C-43C4-AB29-4881F8C15CC7}" dt="2019-10-21T20:06:43.711" v="4957" actId="26606"/>
+          <ac:spMkLst>
+            <pc:docMk/>
+            <pc:sldMk cId="752153947" sldId="296"/>
+            <ac:spMk id="13" creationId="{292BAD85-00E4-4D0A-993C-8372E78E1ADD}"/>
+          </ac:spMkLst>
+        </pc:spChg>
+        <pc:picChg chg="add mod ord">
+          <ac:chgData name="Dimitri Sauvage" userId="18a3cfcc7167ed82" providerId="LiveId" clId="{0F624654-607C-43C4-AB29-4881F8C15CC7}" dt="2019-10-21T20:07:04.585" v="4971" actId="1076"/>
+          <ac:picMkLst>
+            <pc:docMk/>
+            <pc:sldMk cId="752153947" sldId="296"/>
+            <ac:picMk id="4" creationId="{864B503F-97B7-48F0-9056-6152619341BD}"/>
+          </ac:picMkLst>
+        </pc:picChg>
+        <pc:picChg chg="add mod">
+          <ac:chgData name="Dimitri Sauvage" userId="18a3cfcc7167ed82" providerId="LiveId" clId="{0F624654-607C-43C4-AB29-4881F8C15CC7}" dt="2019-10-21T20:07:04.585" v="4971" actId="1076"/>
+          <ac:picMkLst>
+            <pc:docMk/>
+            <pc:sldMk cId="752153947" sldId="296"/>
+            <ac:picMk id="5" creationId="{9DEA0B6F-76DE-4488-ADFE-BB1C81E84E5B}"/>
+          </ac:picMkLst>
+        </pc:picChg>
+        <pc:picChg chg="del">
+          <ac:chgData name="Dimitri Sauvage" userId="18a3cfcc7167ed82" providerId="LiveId" clId="{0F624654-607C-43C4-AB29-4881F8C15CC7}" dt="2019-10-21T20:00:09.721" v="4543" actId="478"/>
+          <ac:picMkLst>
+            <pc:docMk/>
+            <pc:sldMk cId="752153947" sldId="296"/>
+            <ac:picMk id="7" creationId="{297FBEB3-E520-4FE2-9A4F-FC08F5D66085}"/>
+          </ac:picMkLst>
+        </pc:picChg>
       </pc:sldChg>
     </pc:docChg>
   </pc:docChgLst>
@@ -4789,7 +5211,7 @@
             <a:fld id="{87DE6118-2437-4B30-8E3C-4D2BE6020583}" type="datetimeFigureOut">
               <a:rPr lang="en-US" dirty="0"/>
               <a:pPr/>
-              <a:t>10/19/2019</a:t>
+              <a:t>10/21/2019</a:t>
             </a:fld>
             <a:endParaRPr lang="en-US" dirty="0"/>
           </a:p>
@@ -5115,7 +5537,7 @@
           <a:p>
             <a:fld id="{87DE6118-2437-4B30-8E3C-4D2BE6020583}" type="datetimeFigureOut">
               <a:rPr lang="en-US" dirty="0"/>
-              <a:t>10/19/2019</a:t>
+              <a:t>10/21/2019</a:t>
             </a:fld>
             <a:endParaRPr lang="en-US" dirty="0"/>
           </a:p>
@@ -5290,7 +5712,7 @@
           <a:p>
             <a:fld id="{87DE6118-2437-4B30-8E3C-4D2BE6020583}" type="datetimeFigureOut">
               <a:rPr lang="en-US" dirty="0"/>
-              <a:t>10/19/2019</a:t>
+              <a:t>10/21/2019</a:t>
             </a:fld>
             <a:endParaRPr lang="en-US" dirty="0"/>
           </a:p>
@@ -5419,7 +5841,7 @@
           <a:p>
             <a:fld id="{1D8BD707-D9CF-40AE-B4C6-C98DA3205C09}" type="datetimeFigureOut">
               <a:rPr lang="en-US"/>
-              <a:t>10/19/2019</a:t>
+              <a:t>10/21/2019</a:t>
             </a:fld>
             <a:endParaRPr lang="en-US" dirty="0"/>
           </a:p>
@@ -5590,7 +6012,7 @@
           <a:p>
             <a:fld id="{87DE6118-2437-4B30-8E3C-4D2BE6020583}" type="datetimeFigureOut">
               <a:rPr lang="en-US" dirty="0"/>
-              <a:t>10/19/2019</a:t>
+              <a:t>10/21/2019</a:t>
             </a:fld>
             <a:endParaRPr lang="en-US" dirty="0"/>
           </a:p>
@@ -5863,7 +6285,7 @@
             <a:fld id="{87DE6118-2437-4B30-8E3C-4D2BE6020583}" type="datetimeFigureOut">
               <a:rPr lang="en-US" dirty="0"/>
               <a:pPr/>
-              <a:t>10/19/2019</a:t>
+              <a:t>10/21/2019</a:t>
             </a:fld>
             <a:endParaRPr lang="en-US" dirty="0"/>
           </a:p>
@@ -6253,7 +6675,7 @@
           <a:p>
             <a:fld id="{87DE6118-2437-4B30-8E3C-4D2BE6020583}" type="datetimeFigureOut">
               <a:rPr lang="en-US" dirty="0"/>
-              <a:t>10/19/2019</a:t>
+              <a:t>10/21/2019</a:t>
             </a:fld>
             <a:endParaRPr lang="en-US" dirty="0"/>
           </a:p>
@@ -6725,7 +7147,7 @@
           <a:p>
             <a:fld id="{87DE6118-2437-4B30-8E3C-4D2BE6020583}" type="datetimeFigureOut">
               <a:rPr lang="en-US" dirty="0"/>
-              <a:t>10/19/2019</a:t>
+              <a:t>10/21/2019</a:t>
             </a:fld>
             <a:endParaRPr lang="en-US" dirty="0"/>
           </a:p>
@@ -6838,7 +7260,7 @@
           <a:p>
             <a:fld id="{87DE6118-2437-4B30-8E3C-4D2BE6020583}" type="datetimeFigureOut">
               <a:rPr lang="en-US" dirty="0"/>
-              <a:t>10/19/2019</a:t>
+              <a:t>10/21/2019</a:t>
             </a:fld>
             <a:endParaRPr lang="en-US" dirty="0"/>
           </a:p>
@@ -6928,7 +7350,7 @@
           <a:p>
             <a:fld id="{87DE6118-2437-4B30-8E3C-4D2BE6020583}" type="datetimeFigureOut">
               <a:rPr lang="en-US" dirty="0"/>
-              <a:t>10/19/2019</a:t>
+              <a:t>10/21/2019</a:t>
             </a:fld>
             <a:endParaRPr lang="en-US" dirty="0"/>
           </a:p>
@@ -7270,7 +7692,7 @@
             <a:fld id="{87DE6118-2437-4B30-8E3C-4D2BE6020583}" type="datetimeFigureOut">
               <a:rPr lang="en-US" dirty="0"/>
               <a:pPr/>
-              <a:t>10/19/2019</a:t>
+              <a:t>10/21/2019</a:t>
             </a:fld>
             <a:endParaRPr lang="en-US" dirty="0"/>
           </a:p>
@@ -7655,7 +8077,7 @@
             <a:fld id="{87DE6118-2437-4B30-8E3C-4D2BE6020583}" type="datetimeFigureOut">
               <a:rPr lang="en-US" dirty="0"/>
               <a:pPr/>
-              <a:t>10/19/2019</a:t>
+              <a:t>10/21/2019</a:t>
             </a:fld>
             <a:endParaRPr lang="en-US" dirty="0"/>
           </a:p>
@@ -7930,7 +8352,7 @@
             <a:fld id="{87DE6118-2437-4B30-8E3C-4D2BE6020583}" type="datetimeFigureOut">
               <a:rPr lang="en-US" dirty="0"/>
               <a:pPr/>
-              <a:t>10/19/2019</a:t>
+              <a:t>10/21/2019</a:t>
             </a:fld>
             <a:endParaRPr lang="en-US" dirty="0"/>
           </a:p>
@@ -18543,7 +18965,7 @@
           <p:cNvPr id="2" name="Titre 1">
             <a:extLst>
               <a:ext uri="{FF2B5EF4-FFF2-40B4-BE49-F238E27FC236}">
-                <a16:creationId xmlns:a16="http://schemas.microsoft.com/office/drawing/2014/main" id="{9C9018E5-536D-4459-8F66-50C173765663}"/>
+                <a16:creationId xmlns:a16="http://schemas.microsoft.com/office/drawing/2014/main" id="{FB827C1C-0F3A-431C-A32A-718F083EF2BF}"/>
               </a:ext>
             </a:extLst>
           </p:cNvPr>
@@ -18551,41 +18973,572 @@
             <a:spLocks noGrp="1"/>
           </p:cNvSpPr>
           <p:nvPr>
-            <p:ph type="ctrTitle"/>
+            <p:ph type="title"/>
           </p:nvPr>
         </p:nvSpPr>
         <p:spPr>
           <a:xfrm>
-            <a:off x="2509284" y="2721934"/>
-            <a:ext cx="7767073" cy="1164745"/>
+            <a:off x="1023562" y="685800"/>
+            <a:ext cx="10493524" cy="947057"/>
           </a:xfrm>
         </p:spPr>
         <p:txBody>
-          <a:bodyPr/>
+          <a:bodyPr>
+            <a:normAutofit/>
+          </a:bodyPr>
           <a:lstStyle/>
           <a:p>
             <a:r>
-              <a:rPr lang="fr-FR" sz="6000" dirty="0"/>
-              <a:t>Entity </a:t>
-            </a:r>
-            <a:r>
-              <a:rPr lang="fr-FR" sz="6000" dirty="0" err="1"/>
-              <a:t>framework</a:t>
-            </a:r>
-            <a:endParaRPr lang="fr-FR" sz="6000" dirty="0"/>
+              <a:rPr lang="fr-FR" dirty="0"/>
+              <a:t>Introduction</a:t>
+            </a:r>
+            <a:endParaRPr lang="fr-FR" sz="4400" dirty="0"/>
+          </a:p>
+        </p:txBody>
+      </p:sp>
+      <p:sp>
+        <p:nvSpPr>
+          <p:cNvPr id="3" name="Espace réservé du contenu 2">
+            <a:extLst>
+              <a:ext uri="{FF2B5EF4-FFF2-40B4-BE49-F238E27FC236}">
+                <a16:creationId xmlns:a16="http://schemas.microsoft.com/office/drawing/2014/main" id="{39787187-24FB-4A40-9DAC-0C87D14BE1FC}"/>
+              </a:ext>
+            </a:extLst>
+          </p:cNvPr>
+          <p:cNvSpPr>
+            <a:spLocks noGrp="1"/>
+          </p:cNvSpPr>
+          <p:nvPr>
+            <p:ph idx="1"/>
+          </p:nvPr>
+        </p:nvSpPr>
+        <p:spPr>
+          <a:xfrm>
+            <a:off x="1023562" y="1923394"/>
+            <a:ext cx="10493524" cy="3576862"/>
+          </a:xfrm>
+        </p:spPr>
+        <p:txBody>
+          <a:bodyPr>
+            <a:normAutofit/>
+          </a:bodyPr>
+          <a:lstStyle/>
+          <a:p>
+            <a:r>
+              <a:rPr lang="fr-FR" sz="1800" dirty="0"/>
+              <a:t>Mise en place de l’inversion de contrôle (Ioc)</a:t>
+            </a:r>
+          </a:p>
+          <a:p>
+            <a:r>
+              <a:rPr lang="fr-FR" sz="1800" dirty="0"/>
+              <a:t>Permet de rendre plus modulaire son application</a:t>
+            </a:r>
+          </a:p>
+          <a:p>
+            <a:pPr lvl="1"/>
+            <a:r>
+              <a:rPr lang="fr-FR" sz="1800" dirty="0"/>
+              <a:t>Moins de dépendances directes entre les projets</a:t>
+            </a:r>
+          </a:p>
+          <a:p>
+            <a:pPr lvl="1"/>
+            <a:r>
+              <a:rPr lang="fr-FR" sz="1800" dirty="0"/>
+              <a:t>Dépendances uniquement entre le projet contenant les interfaces, mais pas avec les implémentations</a:t>
+            </a:r>
+          </a:p>
+          <a:p>
+            <a:pPr lvl="1"/>
+            <a:r>
+              <a:rPr lang="fr-FR" sz="1800" dirty="0"/>
+              <a:t>Réutilisabilité du code</a:t>
+            </a:r>
+          </a:p>
+          <a:p>
+            <a:pPr lvl="1"/>
+            <a:r>
+              <a:rPr lang="fr-FR" sz="1800" dirty="0"/>
+              <a:t>Peu d’impacts en cas d’implémentation sous une autre forme</a:t>
+            </a:r>
+          </a:p>
+          <a:p>
+            <a:r>
+              <a:rPr lang="fr-FR" sz="1800" dirty="0"/>
+              <a:t>Facilité dans l’utilisation</a:t>
+            </a:r>
+          </a:p>
+          <a:p>
+            <a:r>
+              <a:rPr lang="fr-FR" sz="1800" dirty="0"/>
+              <a:t>Très utile dans les APIs, ou les Controllers notamment sont instanciés par le Framework</a:t>
+            </a:r>
+          </a:p>
+          <a:p>
+            <a:endParaRPr lang="fr-FR" sz="1800" dirty="0"/>
           </a:p>
         </p:txBody>
       </p:sp>
     </p:spTree>
     <p:extLst>
       <p:ext uri="{BB962C8B-B14F-4D97-AF65-F5344CB8AC3E}">
-        <p14:creationId xmlns:p14="http://schemas.microsoft.com/office/powerpoint/2010/main" val="1675989257"/>
+        <p14:creationId xmlns:p14="http://schemas.microsoft.com/office/powerpoint/2010/main" val="3702036020"/>
       </p:ext>
     </p:extLst>
   </p:cSld>
   <p:clrMapOvr>
     <a:masterClrMapping/>
   </p:clrMapOvr>
+  <p:timing>
+    <p:tnLst>
+      <p:par>
+        <p:cTn id="1" dur="indefinite" restart="never" nodeType="tmRoot">
+          <p:childTnLst>
+            <p:seq concurrent="1" nextAc="seek">
+              <p:cTn id="2" dur="indefinite" nodeType="mainSeq">
+                <p:childTnLst>
+                  <p:par>
+                    <p:cTn id="3" fill="hold">
+                      <p:stCondLst>
+                        <p:cond delay="indefinite"/>
+                        <p:cond evt="onBegin" delay="0">
+                          <p:tn val="2"/>
+                        </p:cond>
+                      </p:stCondLst>
+                      <p:childTnLst>
+                        <p:par>
+                          <p:cTn id="4" fill="hold">
+                            <p:stCondLst>
+                              <p:cond delay="0"/>
+                            </p:stCondLst>
+                            <p:childTnLst>
+                              <p:par>
+                                <p:cTn id="5" presetID="10" presetClass="entr" presetSubtype="0" fill="hold" nodeType="withEffect">
+                                  <p:stCondLst>
+                                    <p:cond delay="0"/>
+                                  </p:stCondLst>
+                                  <p:childTnLst>
+                                    <p:set>
+                                      <p:cBhvr>
+                                        <p:cTn id="6" dur="1" fill="hold">
+                                          <p:stCondLst>
+                                            <p:cond delay="0"/>
+                                          </p:stCondLst>
+                                        </p:cTn>
+                                        <p:tgtEl>
+                                          <p:spTgt spid="3">
+                                            <p:txEl>
+                                              <p:pRg st="0" end="0"/>
+                                            </p:txEl>
+                                          </p:spTgt>
+                                        </p:tgtEl>
+                                        <p:attrNameLst>
+                                          <p:attrName>style.visibility</p:attrName>
+                                        </p:attrNameLst>
+                                      </p:cBhvr>
+                                      <p:to>
+                                        <p:strVal val="visible"/>
+                                      </p:to>
+                                    </p:set>
+                                    <p:animEffect transition="in" filter="fade">
+                                      <p:cBhvr>
+                                        <p:cTn id="7" dur="500"/>
+                                        <p:tgtEl>
+                                          <p:spTgt spid="3">
+                                            <p:txEl>
+                                              <p:pRg st="0" end="0"/>
+                                            </p:txEl>
+                                          </p:spTgt>
+                                        </p:tgtEl>
+                                      </p:cBhvr>
+                                    </p:animEffect>
+                                  </p:childTnLst>
+                                </p:cTn>
+                              </p:par>
+                            </p:childTnLst>
+                          </p:cTn>
+                        </p:par>
+                      </p:childTnLst>
+                    </p:cTn>
+                  </p:par>
+                  <p:par>
+                    <p:cTn id="8" fill="hold">
+                      <p:stCondLst>
+                        <p:cond delay="indefinite"/>
+                      </p:stCondLst>
+                      <p:childTnLst>
+                        <p:par>
+                          <p:cTn id="9" fill="hold">
+                            <p:stCondLst>
+                              <p:cond delay="0"/>
+                            </p:stCondLst>
+                            <p:childTnLst>
+                              <p:par>
+                                <p:cTn id="10" presetID="10" presetClass="entr" presetSubtype="0" fill="hold" nodeType="clickEffect">
+                                  <p:stCondLst>
+                                    <p:cond delay="0"/>
+                                  </p:stCondLst>
+                                  <p:childTnLst>
+                                    <p:set>
+                                      <p:cBhvr>
+                                        <p:cTn id="11" dur="1" fill="hold">
+                                          <p:stCondLst>
+                                            <p:cond delay="0"/>
+                                          </p:stCondLst>
+                                        </p:cTn>
+                                        <p:tgtEl>
+                                          <p:spTgt spid="3">
+                                            <p:txEl>
+                                              <p:pRg st="1" end="1"/>
+                                            </p:txEl>
+                                          </p:spTgt>
+                                        </p:tgtEl>
+                                        <p:attrNameLst>
+                                          <p:attrName>style.visibility</p:attrName>
+                                        </p:attrNameLst>
+                                      </p:cBhvr>
+                                      <p:to>
+                                        <p:strVal val="visible"/>
+                                      </p:to>
+                                    </p:set>
+                                    <p:animEffect transition="in" filter="fade">
+                                      <p:cBhvr>
+                                        <p:cTn id="12" dur="500"/>
+                                        <p:tgtEl>
+                                          <p:spTgt spid="3">
+                                            <p:txEl>
+                                              <p:pRg st="1" end="1"/>
+                                            </p:txEl>
+                                          </p:spTgt>
+                                        </p:tgtEl>
+                                      </p:cBhvr>
+                                    </p:animEffect>
+                                  </p:childTnLst>
+                                </p:cTn>
+                              </p:par>
+                              <p:par>
+                                <p:cTn id="13" presetID="10" presetClass="entr" presetSubtype="0" fill="hold" nodeType="withEffect">
+                                  <p:stCondLst>
+                                    <p:cond delay="0"/>
+                                  </p:stCondLst>
+                                  <p:childTnLst>
+                                    <p:set>
+                                      <p:cBhvr>
+                                        <p:cTn id="14" dur="1" fill="hold">
+                                          <p:stCondLst>
+                                            <p:cond delay="0"/>
+                                          </p:stCondLst>
+                                        </p:cTn>
+                                        <p:tgtEl>
+                                          <p:spTgt spid="3">
+                                            <p:txEl>
+                                              <p:pRg st="2" end="2"/>
+                                            </p:txEl>
+                                          </p:spTgt>
+                                        </p:tgtEl>
+                                        <p:attrNameLst>
+                                          <p:attrName>style.visibility</p:attrName>
+                                        </p:attrNameLst>
+                                      </p:cBhvr>
+                                      <p:to>
+                                        <p:strVal val="visible"/>
+                                      </p:to>
+                                    </p:set>
+                                    <p:animEffect transition="in" filter="fade">
+                                      <p:cBhvr>
+                                        <p:cTn id="15" dur="500"/>
+                                        <p:tgtEl>
+                                          <p:spTgt spid="3">
+                                            <p:txEl>
+                                              <p:pRg st="2" end="2"/>
+                                            </p:txEl>
+                                          </p:spTgt>
+                                        </p:tgtEl>
+                                      </p:cBhvr>
+                                    </p:animEffect>
+                                  </p:childTnLst>
+                                </p:cTn>
+                              </p:par>
+                              <p:par>
+                                <p:cTn id="16" presetID="10" presetClass="entr" presetSubtype="0" fill="hold" nodeType="withEffect">
+                                  <p:stCondLst>
+                                    <p:cond delay="0"/>
+                                  </p:stCondLst>
+                                  <p:childTnLst>
+                                    <p:set>
+                                      <p:cBhvr>
+                                        <p:cTn id="17" dur="1" fill="hold">
+                                          <p:stCondLst>
+                                            <p:cond delay="0"/>
+                                          </p:stCondLst>
+                                        </p:cTn>
+                                        <p:tgtEl>
+                                          <p:spTgt spid="3">
+                                            <p:txEl>
+                                              <p:pRg st="3" end="3"/>
+                                            </p:txEl>
+                                          </p:spTgt>
+                                        </p:tgtEl>
+                                        <p:attrNameLst>
+                                          <p:attrName>style.visibility</p:attrName>
+                                        </p:attrNameLst>
+                                      </p:cBhvr>
+                                      <p:to>
+                                        <p:strVal val="visible"/>
+                                      </p:to>
+                                    </p:set>
+                                    <p:animEffect transition="in" filter="fade">
+                                      <p:cBhvr>
+                                        <p:cTn id="18" dur="500"/>
+                                        <p:tgtEl>
+                                          <p:spTgt spid="3">
+                                            <p:txEl>
+                                              <p:pRg st="3" end="3"/>
+                                            </p:txEl>
+                                          </p:spTgt>
+                                        </p:tgtEl>
+                                      </p:cBhvr>
+                                    </p:animEffect>
+                                  </p:childTnLst>
+                                </p:cTn>
+                              </p:par>
+                              <p:par>
+                                <p:cTn id="19" presetID="10" presetClass="entr" presetSubtype="0" fill="hold" nodeType="withEffect">
+                                  <p:stCondLst>
+                                    <p:cond delay="0"/>
+                                  </p:stCondLst>
+                                  <p:childTnLst>
+                                    <p:set>
+                                      <p:cBhvr>
+                                        <p:cTn id="20" dur="1" fill="hold">
+                                          <p:stCondLst>
+                                            <p:cond delay="0"/>
+                                          </p:stCondLst>
+                                        </p:cTn>
+                                        <p:tgtEl>
+                                          <p:spTgt spid="3">
+                                            <p:txEl>
+                                              <p:pRg st="4" end="4"/>
+                                            </p:txEl>
+                                          </p:spTgt>
+                                        </p:tgtEl>
+                                        <p:attrNameLst>
+                                          <p:attrName>style.visibility</p:attrName>
+                                        </p:attrNameLst>
+                                      </p:cBhvr>
+                                      <p:to>
+                                        <p:strVal val="visible"/>
+                                      </p:to>
+                                    </p:set>
+                                    <p:animEffect transition="in" filter="fade">
+                                      <p:cBhvr>
+                                        <p:cTn id="21" dur="500"/>
+                                        <p:tgtEl>
+                                          <p:spTgt spid="3">
+                                            <p:txEl>
+                                              <p:pRg st="4" end="4"/>
+                                            </p:txEl>
+                                          </p:spTgt>
+                                        </p:tgtEl>
+                                      </p:cBhvr>
+                                    </p:animEffect>
+                                  </p:childTnLst>
+                                </p:cTn>
+                              </p:par>
+                              <p:par>
+                                <p:cTn id="22" presetID="10" presetClass="entr" presetSubtype="0" fill="hold" nodeType="withEffect">
+                                  <p:stCondLst>
+                                    <p:cond delay="0"/>
+                                  </p:stCondLst>
+                                  <p:childTnLst>
+                                    <p:set>
+                                      <p:cBhvr>
+                                        <p:cTn id="23" dur="1" fill="hold">
+                                          <p:stCondLst>
+                                            <p:cond delay="0"/>
+                                          </p:stCondLst>
+                                        </p:cTn>
+                                        <p:tgtEl>
+                                          <p:spTgt spid="3">
+                                            <p:txEl>
+                                              <p:pRg st="5" end="5"/>
+                                            </p:txEl>
+                                          </p:spTgt>
+                                        </p:tgtEl>
+                                        <p:attrNameLst>
+                                          <p:attrName>style.visibility</p:attrName>
+                                        </p:attrNameLst>
+                                      </p:cBhvr>
+                                      <p:to>
+                                        <p:strVal val="visible"/>
+                                      </p:to>
+                                    </p:set>
+                                    <p:animEffect transition="in" filter="fade">
+                                      <p:cBhvr>
+                                        <p:cTn id="24" dur="500"/>
+                                        <p:tgtEl>
+                                          <p:spTgt spid="3">
+                                            <p:txEl>
+                                              <p:pRg st="5" end="5"/>
+                                            </p:txEl>
+                                          </p:spTgt>
+                                        </p:tgtEl>
+                                      </p:cBhvr>
+                                    </p:animEffect>
+                                  </p:childTnLst>
+                                </p:cTn>
+                              </p:par>
+                            </p:childTnLst>
+                          </p:cTn>
+                        </p:par>
+                      </p:childTnLst>
+                    </p:cTn>
+                  </p:par>
+                  <p:par>
+                    <p:cTn id="25" fill="hold">
+                      <p:stCondLst>
+                        <p:cond delay="indefinite"/>
+                      </p:stCondLst>
+                      <p:childTnLst>
+                        <p:par>
+                          <p:cTn id="26" fill="hold">
+                            <p:stCondLst>
+                              <p:cond delay="0"/>
+                            </p:stCondLst>
+                            <p:childTnLst>
+                              <p:par>
+                                <p:cTn id="27" presetID="10" presetClass="entr" presetSubtype="0" fill="hold" nodeType="clickEffect">
+                                  <p:stCondLst>
+                                    <p:cond delay="0"/>
+                                  </p:stCondLst>
+                                  <p:childTnLst>
+                                    <p:set>
+                                      <p:cBhvr>
+                                        <p:cTn id="28" dur="1" fill="hold">
+                                          <p:stCondLst>
+                                            <p:cond delay="0"/>
+                                          </p:stCondLst>
+                                        </p:cTn>
+                                        <p:tgtEl>
+                                          <p:spTgt spid="3">
+                                            <p:txEl>
+                                              <p:pRg st="6" end="6"/>
+                                            </p:txEl>
+                                          </p:spTgt>
+                                        </p:tgtEl>
+                                        <p:attrNameLst>
+                                          <p:attrName>style.visibility</p:attrName>
+                                        </p:attrNameLst>
+                                      </p:cBhvr>
+                                      <p:to>
+                                        <p:strVal val="visible"/>
+                                      </p:to>
+                                    </p:set>
+                                    <p:animEffect transition="in" filter="fade">
+                                      <p:cBhvr>
+                                        <p:cTn id="29" dur="500"/>
+                                        <p:tgtEl>
+                                          <p:spTgt spid="3">
+                                            <p:txEl>
+                                              <p:pRg st="6" end="6"/>
+                                            </p:txEl>
+                                          </p:spTgt>
+                                        </p:tgtEl>
+                                      </p:cBhvr>
+                                    </p:animEffect>
+                                  </p:childTnLst>
+                                </p:cTn>
+                              </p:par>
+                            </p:childTnLst>
+                          </p:cTn>
+                        </p:par>
+                      </p:childTnLst>
+                    </p:cTn>
+                  </p:par>
+                  <p:par>
+                    <p:cTn id="30" fill="hold">
+                      <p:stCondLst>
+                        <p:cond delay="indefinite"/>
+                      </p:stCondLst>
+                      <p:childTnLst>
+                        <p:par>
+                          <p:cTn id="31" fill="hold">
+                            <p:stCondLst>
+                              <p:cond delay="0"/>
+                            </p:stCondLst>
+                            <p:childTnLst>
+                              <p:par>
+                                <p:cTn id="32" presetID="10" presetClass="entr" presetSubtype="0" fill="hold" nodeType="clickEffect">
+                                  <p:stCondLst>
+                                    <p:cond delay="0"/>
+                                  </p:stCondLst>
+                                  <p:childTnLst>
+                                    <p:set>
+                                      <p:cBhvr>
+                                        <p:cTn id="33" dur="1" fill="hold">
+                                          <p:stCondLst>
+                                            <p:cond delay="0"/>
+                                          </p:stCondLst>
+                                        </p:cTn>
+                                        <p:tgtEl>
+                                          <p:spTgt spid="3">
+                                            <p:txEl>
+                                              <p:pRg st="7" end="7"/>
+                                            </p:txEl>
+                                          </p:spTgt>
+                                        </p:tgtEl>
+                                        <p:attrNameLst>
+                                          <p:attrName>style.visibility</p:attrName>
+                                        </p:attrNameLst>
+                                      </p:cBhvr>
+                                      <p:to>
+                                        <p:strVal val="visible"/>
+                                      </p:to>
+                                    </p:set>
+                                    <p:animEffect transition="in" filter="fade">
+                                      <p:cBhvr>
+                                        <p:cTn id="34" dur="500"/>
+                                        <p:tgtEl>
+                                          <p:spTgt spid="3">
+                                            <p:txEl>
+                                              <p:pRg st="7" end="7"/>
+                                            </p:txEl>
+                                          </p:spTgt>
+                                        </p:tgtEl>
+                                      </p:cBhvr>
+                                    </p:animEffect>
+                                  </p:childTnLst>
+                                </p:cTn>
+                              </p:par>
+                            </p:childTnLst>
+                          </p:cTn>
+                        </p:par>
+                      </p:childTnLst>
+                    </p:cTn>
+                  </p:par>
+                </p:childTnLst>
+              </p:cTn>
+              <p:prevCondLst>
+                <p:cond evt="onPrev" delay="0">
+                  <p:tgtEl>
+                    <p:sldTgt/>
+                  </p:tgtEl>
+                </p:cond>
+              </p:prevCondLst>
+              <p:nextCondLst>
+                <p:cond evt="onNext" delay="0">
+                  <p:tgtEl>
+                    <p:sldTgt/>
+                  </p:tgtEl>
+                </p:cond>
+              </p:nextCondLst>
+            </p:seq>
+          </p:childTnLst>
+        </p:cTn>
+      </p:par>
+    </p:tnLst>
+  </p:timing>
 </p:sld>
 </file>
 
@@ -18611,7 +19564,7 @@
           <p:cNvPr id="2" name="Titre 1">
             <a:extLst>
               <a:ext uri="{FF2B5EF4-FFF2-40B4-BE49-F238E27FC236}">
-                <a16:creationId xmlns:a16="http://schemas.microsoft.com/office/drawing/2014/main" id="{9C9018E5-536D-4459-8F66-50C173765663}"/>
+                <a16:creationId xmlns:a16="http://schemas.microsoft.com/office/drawing/2014/main" id="{FB827C1C-0F3A-431C-A32A-718F083EF2BF}"/>
               </a:ext>
             </a:extLst>
           </p:cNvPr>
@@ -18619,41 +19572,780 @@
             <a:spLocks noGrp="1"/>
           </p:cNvSpPr>
           <p:nvPr>
-            <p:ph type="ctrTitle"/>
+            <p:ph type="title"/>
           </p:nvPr>
         </p:nvSpPr>
         <p:spPr>
           <a:xfrm>
-            <a:off x="2509284" y="2721934"/>
-            <a:ext cx="7767073" cy="1164745"/>
+            <a:off x="1023562" y="685800"/>
+            <a:ext cx="10493524" cy="947057"/>
           </a:xfrm>
         </p:spPr>
         <p:txBody>
-          <a:bodyPr/>
+          <a:bodyPr>
+            <a:normAutofit/>
+          </a:bodyPr>
           <a:lstStyle/>
           <a:p>
             <a:r>
-              <a:rPr lang="fr-FR" sz="6000" dirty="0"/>
-              <a:t>Fichiers .</a:t>
-            </a:r>
-            <a:r>
-              <a:rPr lang="fr-FR" sz="6000" dirty="0" err="1"/>
-              <a:t>CSHtml</a:t>
-            </a:r>
-            <a:endParaRPr lang="fr-FR" sz="6000" dirty="0"/>
+              <a:rPr lang="fr-FR" dirty="0"/>
+              <a:t>Déclarations des dépendances</a:t>
+            </a:r>
+            <a:endParaRPr lang="fr-FR" sz="4400" dirty="0"/>
+          </a:p>
+        </p:txBody>
+      </p:sp>
+      <p:sp>
+        <p:nvSpPr>
+          <p:cNvPr id="3" name="Espace réservé du contenu 2">
+            <a:extLst>
+              <a:ext uri="{FF2B5EF4-FFF2-40B4-BE49-F238E27FC236}">
+                <a16:creationId xmlns:a16="http://schemas.microsoft.com/office/drawing/2014/main" id="{39787187-24FB-4A40-9DAC-0C87D14BE1FC}"/>
+              </a:ext>
+            </a:extLst>
+          </p:cNvPr>
+          <p:cNvSpPr>
+            <a:spLocks noGrp="1"/>
+          </p:cNvSpPr>
+          <p:nvPr>
+            <p:ph idx="1"/>
+          </p:nvPr>
+        </p:nvSpPr>
+        <p:spPr>
+          <a:xfrm>
+            <a:off x="1023562" y="1923394"/>
+            <a:ext cx="10919622" cy="530557"/>
+          </a:xfrm>
+        </p:spPr>
+        <p:txBody>
+          <a:bodyPr>
+            <a:normAutofit/>
+          </a:bodyPr>
+          <a:lstStyle/>
+          <a:p>
+            <a:r>
+              <a:rPr lang="fr-FR" sz="1800" dirty="0"/>
+              <a:t>Se fait au démarrage de l’application, dans la méthode « </a:t>
+            </a:r>
+            <a:r>
+              <a:rPr lang="fr-FR" dirty="0"/>
+              <a:t>ConfigureServices » de la classe</a:t>
+            </a:r>
+            <a:r>
+              <a:rPr lang="fr-FR" sz="1800" dirty="0"/>
+              <a:t> « Startup ».</a:t>
+            </a:r>
+          </a:p>
+        </p:txBody>
+      </p:sp>
+      <p:pic>
+        <p:nvPicPr>
+          <p:cNvPr id="4" name="Image 3">
+            <a:extLst>
+              <a:ext uri="{FF2B5EF4-FFF2-40B4-BE49-F238E27FC236}">
+                <a16:creationId xmlns:a16="http://schemas.microsoft.com/office/drawing/2014/main" id="{370B7791-7A88-4E73-8766-864D069A8069}"/>
+              </a:ext>
+            </a:extLst>
+          </p:cNvPr>
+          <p:cNvPicPr>
+            <a:picLocks noChangeAspect="1"/>
+          </p:cNvPicPr>
+          <p:nvPr/>
+        </p:nvPicPr>
+        <p:blipFill>
+          <a:blip r:embed="rId2"/>
+          <a:stretch>
+            <a:fillRect/>
+          </a:stretch>
+        </p:blipFill>
+        <p:spPr>
+          <a:xfrm>
+            <a:off x="1023562" y="5439658"/>
+            <a:ext cx="5353050" cy="438150"/>
+          </a:xfrm>
+          <a:prstGeom prst="rect">
+            <a:avLst/>
+          </a:prstGeom>
+        </p:spPr>
+      </p:pic>
+      <p:sp>
+        <p:nvSpPr>
+          <p:cNvPr id="5" name="Espace réservé du contenu 2">
+            <a:extLst>
+              <a:ext uri="{FF2B5EF4-FFF2-40B4-BE49-F238E27FC236}">
+                <a16:creationId xmlns:a16="http://schemas.microsoft.com/office/drawing/2014/main" id="{E378DD29-4C39-44B3-A990-A2D358088A89}"/>
+              </a:ext>
+            </a:extLst>
+          </p:cNvPr>
+          <p:cNvSpPr txBox="1">
+            <a:spLocks/>
+          </p:cNvSpPr>
+          <p:nvPr/>
+        </p:nvSpPr>
+        <p:spPr>
+          <a:xfrm>
+            <a:off x="1023562" y="2636690"/>
+            <a:ext cx="10919622" cy="1035600"/>
+          </a:xfrm>
+          <a:prstGeom prst="rect">
+            <a:avLst/>
+          </a:prstGeom>
+        </p:spPr>
+        <p:txBody>
+          <a:bodyPr vert="horz" lIns="91440" tIns="45720" rIns="91440" bIns="45720" rtlCol="0">
+            <a:normAutofit/>
+          </a:bodyPr>
+          <a:lstStyle>
+            <a:lvl1pPr marL="384048" indent="-384048" algn="l" defTabSz="914400" rtl="0" eaLnBrk="1" latinLnBrk="0" hangingPunct="1">
+              <a:lnSpc>
+                <a:spcPct val="94000"/>
+              </a:lnSpc>
+              <a:spcBef>
+                <a:spcPts val="1000"/>
+              </a:spcBef>
+              <a:spcAft>
+                <a:spcPts val="200"/>
+              </a:spcAft>
+              <a:buFont typeface="Franklin Gothic Book" panose="020B0503020102020204" pitchFamily="34" charset="0"/>
+              <a:buChar char="■"/>
+              <a:defRPr sz="2000" kern="1200" baseline="0">
+                <a:solidFill>
+                  <a:schemeClr val="tx2"/>
+                </a:solidFill>
+                <a:latin typeface="+mn-lt"/>
+                <a:ea typeface="+mn-ea"/>
+                <a:cs typeface="+mn-cs"/>
+              </a:defRPr>
+            </a:lvl1pPr>
+            <a:lvl2pPr marL="914400" indent="-384048" algn="l" defTabSz="914400" rtl="0" eaLnBrk="1" latinLnBrk="0" hangingPunct="1">
+              <a:lnSpc>
+                <a:spcPct val="94000"/>
+              </a:lnSpc>
+              <a:spcBef>
+                <a:spcPts val="500"/>
+              </a:spcBef>
+              <a:spcAft>
+                <a:spcPts val="200"/>
+              </a:spcAft>
+              <a:buFont typeface="Franklin Gothic Book" panose="020B0503020102020204" pitchFamily="34" charset="0"/>
+              <a:buChar char="–"/>
+              <a:defRPr sz="2000" i="1" kern="1200" baseline="0">
+                <a:solidFill>
+                  <a:schemeClr val="tx2"/>
+                </a:solidFill>
+                <a:latin typeface="+mn-lt"/>
+                <a:ea typeface="+mn-ea"/>
+                <a:cs typeface="+mn-cs"/>
+              </a:defRPr>
+            </a:lvl2pPr>
+            <a:lvl3pPr marL="1371600" indent="-384048" algn="l" defTabSz="914400" rtl="0" eaLnBrk="1" latinLnBrk="0" hangingPunct="1">
+              <a:lnSpc>
+                <a:spcPct val="94000"/>
+              </a:lnSpc>
+              <a:spcBef>
+                <a:spcPts val="500"/>
+              </a:spcBef>
+              <a:spcAft>
+                <a:spcPts val="200"/>
+              </a:spcAft>
+              <a:buFont typeface="Franklin Gothic Book" panose="020B0503020102020204" pitchFamily="34" charset="0"/>
+              <a:buChar char="■"/>
+              <a:defRPr sz="1800" kern="1200" baseline="0">
+                <a:solidFill>
+                  <a:schemeClr val="tx2"/>
+                </a:solidFill>
+                <a:latin typeface="+mn-lt"/>
+                <a:ea typeface="+mn-ea"/>
+                <a:cs typeface="+mn-cs"/>
+              </a:defRPr>
+            </a:lvl3pPr>
+            <a:lvl4pPr marL="1828800" indent="-384048" algn="l" defTabSz="914400" rtl="0" eaLnBrk="1" latinLnBrk="0" hangingPunct="1">
+              <a:lnSpc>
+                <a:spcPct val="94000"/>
+              </a:lnSpc>
+              <a:spcBef>
+                <a:spcPts val="500"/>
+              </a:spcBef>
+              <a:spcAft>
+                <a:spcPts val="200"/>
+              </a:spcAft>
+              <a:buFont typeface="Franklin Gothic Book" panose="020B0503020102020204" pitchFamily="34" charset="0"/>
+              <a:buChar char="–"/>
+              <a:defRPr sz="1800" i="1" kern="1200" baseline="0">
+                <a:solidFill>
+                  <a:schemeClr val="tx2"/>
+                </a:solidFill>
+                <a:latin typeface="+mn-lt"/>
+                <a:ea typeface="+mn-ea"/>
+                <a:cs typeface="+mn-cs"/>
+              </a:defRPr>
+            </a:lvl4pPr>
+            <a:lvl5pPr marL="2286000" indent="-384048" algn="l" defTabSz="914400" rtl="0" eaLnBrk="1" latinLnBrk="0" hangingPunct="1">
+              <a:lnSpc>
+                <a:spcPct val="94000"/>
+              </a:lnSpc>
+              <a:spcBef>
+                <a:spcPts val="500"/>
+              </a:spcBef>
+              <a:spcAft>
+                <a:spcPts val="200"/>
+              </a:spcAft>
+              <a:buFont typeface="Franklin Gothic Book" panose="020B0503020102020204" pitchFamily="34" charset="0"/>
+              <a:buChar char="■"/>
+              <a:defRPr sz="1600" kern="1200" baseline="0">
+                <a:solidFill>
+                  <a:schemeClr val="tx2"/>
+                </a:solidFill>
+                <a:latin typeface="+mn-lt"/>
+                <a:ea typeface="+mn-ea"/>
+                <a:cs typeface="+mn-cs"/>
+              </a:defRPr>
+            </a:lvl5pPr>
+            <a:lvl6pPr marL="2743200" indent="-384048" algn="l" defTabSz="914400" rtl="0" eaLnBrk="1" latinLnBrk="0" hangingPunct="1">
+              <a:lnSpc>
+                <a:spcPct val="94000"/>
+              </a:lnSpc>
+              <a:spcBef>
+                <a:spcPts val="500"/>
+              </a:spcBef>
+              <a:spcAft>
+                <a:spcPts val="200"/>
+              </a:spcAft>
+              <a:buFont typeface="Franklin Gothic Book" panose="020B0503020102020204" pitchFamily="34" charset="0"/>
+              <a:buChar char="–"/>
+              <a:defRPr sz="1600" i="1" kern="1200" baseline="0">
+                <a:solidFill>
+                  <a:schemeClr val="tx2"/>
+                </a:solidFill>
+                <a:latin typeface="+mn-lt"/>
+                <a:ea typeface="+mn-ea"/>
+                <a:cs typeface="+mn-cs"/>
+              </a:defRPr>
+            </a:lvl6pPr>
+            <a:lvl7pPr marL="3200400" indent="-384048" algn="l" defTabSz="914400" rtl="0" eaLnBrk="1" latinLnBrk="0" hangingPunct="1">
+              <a:lnSpc>
+                <a:spcPct val="94000"/>
+              </a:lnSpc>
+              <a:spcBef>
+                <a:spcPts val="500"/>
+              </a:spcBef>
+              <a:spcAft>
+                <a:spcPts val="200"/>
+              </a:spcAft>
+              <a:buFont typeface="Franklin Gothic Book" panose="020B0503020102020204" pitchFamily="34" charset="0"/>
+              <a:buChar char="■"/>
+              <a:defRPr sz="1400" kern="1200" baseline="0">
+                <a:solidFill>
+                  <a:schemeClr val="tx2"/>
+                </a:solidFill>
+                <a:latin typeface="+mn-lt"/>
+                <a:ea typeface="+mn-ea"/>
+                <a:cs typeface="+mn-cs"/>
+              </a:defRPr>
+            </a:lvl7pPr>
+            <a:lvl8pPr marL="3657600" indent="-384048" algn="l" defTabSz="914400" rtl="0" eaLnBrk="1" latinLnBrk="0" hangingPunct="1">
+              <a:lnSpc>
+                <a:spcPct val="94000"/>
+              </a:lnSpc>
+              <a:spcBef>
+                <a:spcPts val="500"/>
+              </a:spcBef>
+              <a:spcAft>
+                <a:spcPts val="200"/>
+              </a:spcAft>
+              <a:buFont typeface="Franklin Gothic Book" panose="020B0503020102020204" pitchFamily="34" charset="0"/>
+              <a:buChar char="–"/>
+              <a:defRPr sz="1400" i="1" kern="1200" baseline="0">
+                <a:solidFill>
+                  <a:schemeClr val="tx2"/>
+                </a:solidFill>
+                <a:latin typeface="+mn-lt"/>
+                <a:ea typeface="+mn-ea"/>
+                <a:cs typeface="+mn-cs"/>
+              </a:defRPr>
+            </a:lvl8pPr>
+            <a:lvl9pPr marL="4114800" indent="-384048" algn="l" defTabSz="914400" rtl="0" eaLnBrk="1" latinLnBrk="0" hangingPunct="1">
+              <a:lnSpc>
+                <a:spcPct val="94000"/>
+              </a:lnSpc>
+              <a:spcBef>
+                <a:spcPts val="500"/>
+              </a:spcBef>
+              <a:spcAft>
+                <a:spcPts val="200"/>
+              </a:spcAft>
+              <a:buFont typeface="Franklin Gothic Book" panose="020B0503020102020204" pitchFamily="34" charset="0"/>
+              <a:buChar char="■"/>
+              <a:defRPr sz="1400" kern="1200" baseline="0">
+                <a:solidFill>
+                  <a:schemeClr val="tx2"/>
+                </a:solidFill>
+                <a:latin typeface="+mn-lt"/>
+                <a:ea typeface="+mn-ea"/>
+                <a:cs typeface="+mn-cs"/>
+              </a:defRPr>
+            </a:lvl9pPr>
+          </a:lstStyle>
+          <a:p>
+            <a:pPr marL="0" indent="0">
+              <a:buNone/>
+            </a:pPr>
+            <a:r>
+              <a:rPr lang="fr-FR" sz="1800" u="sng" dirty="0"/>
+              <a:t>Exemple :</a:t>
+            </a:r>
+          </a:p>
+          <a:p>
+            <a:pPr marL="0" indent="0">
+              <a:buNone/>
+            </a:pPr>
+            <a:r>
+              <a:rPr lang="fr-FR" sz="1800" dirty="0"/>
+              <a:t>Réalisations d’une architecture en DDD, permettant d’avoir la logique métier dans une couche « Application », contenant les services.</a:t>
+            </a:r>
+          </a:p>
+        </p:txBody>
+      </p:sp>
+      <p:sp>
+        <p:nvSpPr>
+          <p:cNvPr id="6" name="ZoneTexte 5">
+            <a:extLst>
+              <a:ext uri="{FF2B5EF4-FFF2-40B4-BE49-F238E27FC236}">
+                <a16:creationId xmlns:a16="http://schemas.microsoft.com/office/drawing/2014/main" id="{3BF78C06-94FB-46B5-96F9-5BF889E873D1}"/>
+              </a:ext>
+            </a:extLst>
+          </p:cNvPr>
+          <p:cNvSpPr txBox="1"/>
+          <p:nvPr/>
+        </p:nvSpPr>
+        <p:spPr>
+          <a:xfrm>
+            <a:off x="1023562" y="3779591"/>
+            <a:ext cx="4982383" cy="1477328"/>
+          </a:xfrm>
+          <a:prstGeom prst="rect">
+            <a:avLst/>
+          </a:prstGeom>
+          <a:noFill/>
+        </p:spPr>
+        <p:txBody>
+          <a:bodyPr wrap="square" rtlCol="0">
+            <a:spAutoFit/>
+          </a:bodyPr>
+          <a:lstStyle/>
+          <a:p>
+            <a:pPr marL="285750" indent="-285750">
+              <a:buFont typeface="Wingdings" panose="05000000000000000000" pitchFamily="2" charset="2"/>
+              <a:buChar char="Ø"/>
+            </a:pPr>
+            <a:r>
+              <a:rPr lang="fr-FR" dirty="0"/>
+              <a:t>Première couche « Présentation », avec les Controllers.</a:t>
+            </a:r>
+          </a:p>
+          <a:p>
+            <a:pPr marL="285750" indent="-285750">
+              <a:buFont typeface="Wingdings" panose="05000000000000000000" pitchFamily="2" charset="2"/>
+              <a:buChar char="Ø"/>
+            </a:pPr>
+            <a:r>
+              <a:rPr lang="fr-FR" dirty="0"/>
+              <a:t>Deuxième couche « Application » avec la logique métier.</a:t>
+            </a:r>
+          </a:p>
+          <a:p>
+            <a:endParaRPr lang="fr-FR" dirty="0"/>
+          </a:p>
+        </p:txBody>
+      </p:sp>
+      <p:sp>
+        <p:nvSpPr>
+          <p:cNvPr id="7" name="ZoneTexte 6">
+            <a:extLst>
+              <a:ext uri="{FF2B5EF4-FFF2-40B4-BE49-F238E27FC236}">
+                <a16:creationId xmlns:a16="http://schemas.microsoft.com/office/drawing/2014/main" id="{1D600606-BBE4-4114-92EF-A29C6C0812AF}"/>
+              </a:ext>
+            </a:extLst>
+          </p:cNvPr>
+          <p:cNvSpPr txBox="1"/>
+          <p:nvPr/>
+        </p:nvSpPr>
+        <p:spPr>
+          <a:xfrm>
+            <a:off x="6650182" y="3536302"/>
+            <a:ext cx="5209338" cy="1477328"/>
+          </a:xfrm>
+          <a:prstGeom prst="rect">
+            <a:avLst/>
+          </a:prstGeom>
+          <a:noFill/>
+        </p:spPr>
+        <p:txBody>
+          <a:bodyPr wrap="square" rtlCol="0">
+            <a:spAutoFit/>
+          </a:bodyPr>
+          <a:lstStyle/>
+          <a:p>
+            <a:pPr marL="285750" indent="-285750">
+              <a:buFont typeface="Wingdings" panose="05000000000000000000" pitchFamily="2" charset="2"/>
+              <a:buChar char="Ø"/>
+            </a:pPr>
+            <a:r>
+              <a:rPr lang="fr-FR" dirty="0"/>
+              <a:t>Troisième couche « Repository », contenant les interactions avec les données.</a:t>
+            </a:r>
+          </a:p>
+          <a:p>
+            <a:pPr marL="285750" indent="-285750">
+              <a:buFont typeface="Wingdings" panose="05000000000000000000" pitchFamily="2" charset="2"/>
+              <a:buChar char="Ø"/>
+            </a:pPr>
+            <a:r>
+              <a:rPr lang="fr-FR" dirty="0"/>
+              <a:t>Quatrième couche « Model » contenant les objets métiers, sans logique.</a:t>
+            </a:r>
+          </a:p>
+          <a:p>
+            <a:endParaRPr lang="fr-FR" dirty="0"/>
           </a:p>
         </p:txBody>
       </p:sp>
     </p:spTree>
     <p:extLst>
       <p:ext uri="{BB962C8B-B14F-4D97-AF65-F5344CB8AC3E}">
-        <p14:creationId xmlns:p14="http://schemas.microsoft.com/office/powerpoint/2010/main" val="4221099147"/>
+        <p14:creationId xmlns:p14="http://schemas.microsoft.com/office/powerpoint/2010/main" val="3632828782"/>
       </p:ext>
     </p:extLst>
   </p:cSld>
   <p:clrMapOvr>
     <a:masterClrMapping/>
   </p:clrMapOvr>
+  <p:timing>
+    <p:tnLst>
+      <p:par>
+        <p:cTn id="1" dur="indefinite" restart="never" nodeType="tmRoot">
+          <p:childTnLst>
+            <p:seq concurrent="1" nextAc="seek">
+              <p:cTn id="2" dur="indefinite" nodeType="mainSeq">
+                <p:childTnLst>
+                  <p:par>
+                    <p:cTn id="3" fill="hold">
+                      <p:stCondLst>
+                        <p:cond delay="indefinite"/>
+                        <p:cond evt="onBegin" delay="0">
+                          <p:tn val="2"/>
+                        </p:cond>
+                      </p:stCondLst>
+                      <p:childTnLst>
+                        <p:par>
+                          <p:cTn id="4" fill="hold">
+                            <p:stCondLst>
+                              <p:cond delay="0"/>
+                            </p:stCondLst>
+                            <p:childTnLst>
+                              <p:par>
+                                <p:cTn id="5" presetID="10" presetClass="entr" presetSubtype="0" fill="hold" grpId="0" nodeType="withEffect">
+                                  <p:stCondLst>
+                                    <p:cond delay="0"/>
+                                  </p:stCondLst>
+                                  <p:childTnLst>
+                                    <p:set>
+                                      <p:cBhvr>
+                                        <p:cTn id="6" dur="1" fill="hold">
+                                          <p:stCondLst>
+                                            <p:cond delay="0"/>
+                                          </p:stCondLst>
+                                        </p:cTn>
+                                        <p:tgtEl>
+                                          <p:spTgt spid="3">
+                                            <p:txEl>
+                                              <p:pRg st="0" end="0"/>
+                                            </p:txEl>
+                                          </p:spTgt>
+                                        </p:tgtEl>
+                                        <p:attrNameLst>
+                                          <p:attrName>style.visibility</p:attrName>
+                                        </p:attrNameLst>
+                                      </p:cBhvr>
+                                      <p:to>
+                                        <p:strVal val="visible"/>
+                                      </p:to>
+                                    </p:set>
+                                    <p:animEffect transition="in" filter="fade">
+                                      <p:cBhvr>
+                                        <p:cTn id="7" dur="500"/>
+                                        <p:tgtEl>
+                                          <p:spTgt spid="3">
+                                            <p:txEl>
+                                              <p:pRg st="0" end="0"/>
+                                            </p:txEl>
+                                          </p:spTgt>
+                                        </p:tgtEl>
+                                      </p:cBhvr>
+                                    </p:animEffect>
+                                  </p:childTnLst>
+                                </p:cTn>
+                              </p:par>
+                            </p:childTnLst>
+                          </p:cTn>
+                        </p:par>
+                      </p:childTnLst>
+                    </p:cTn>
+                  </p:par>
+                  <p:par>
+                    <p:cTn id="8" fill="hold">
+                      <p:stCondLst>
+                        <p:cond delay="indefinite"/>
+                      </p:stCondLst>
+                      <p:childTnLst>
+                        <p:par>
+                          <p:cTn id="9" fill="hold">
+                            <p:stCondLst>
+                              <p:cond delay="0"/>
+                            </p:stCondLst>
+                            <p:childTnLst>
+                              <p:par>
+                                <p:cTn id="10" presetID="10" presetClass="entr" presetSubtype="0" fill="hold" nodeType="clickEffect">
+                                  <p:stCondLst>
+                                    <p:cond delay="0"/>
+                                  </p:stCondLst>
+                                  <p:childTnLst>
+                                    <p:set>
+                                      <p:cBhvr>
+                                        <p:cTn id="11" dur="1" fill="hold">
+                                          <p:stCondLst>
+                                            <p:cond delay="0"/>
+                                          </p:stCondLst>
+                                        </p:cTn>
+                                        <p:tgtEl>
+                                          <p:spTgt spid="5">
+                                            <p:txEl>
+                                              <p:pRg st="0" end="0"/>
+                                            </p:txEl>
+                                          </p:spTgt>
+                                        </p:tgtEl>
+                                        <p:attrNameLst>
+                                          <p:attrName>style.visibility</p:attrName>
+                                        </p:attrNameLst>
+                                      </p:cBhvr>
+                                      <p:to>
+                                        <p:strVal val="visible"/>
+                                      </p:to>
+                                    </p:set>
+                                    <p:animEffect transition="in" filter="fade">
+                                      <p:cBhvr>
+                                        <p:cTn id="12" dur="500"/>
+                                        <p:tgtEl>
+                                          <p:spTgt spid="5">
+                                            <p:txEl>
+                                              <p:pRg st="0" end="0"/>
+                                            </p:txEl>
+                                          </p:spTgt>
+                                        </p:tgtEl>
+                                      </p:cBhvr>
+                                    </p:animEffect>
+                                  </p:childTnLst>
+                                </p:cTn>
+                              </p:par>
+                              <p:par>
+                                <p:cTn id="13" presetID="10" presetClass="entr" presetSubtype="0" fill="hold" nodeType="withEffect">
+                                  <p:stCondLst>
+                                    <p:cond delay="0"/>
+                                  </p:stCondLst>
+                                  <p:childTnLst>
+                                    <p:set>
+                                      <p:cBhvr>
+                                        <p:cTn id="14" dur="1" fill="hold">
+                                          <p:stCondLst>
+                                            <p:cond delay="0"/>
+                                          </p:stCondLst>
+                                        </p:cTn>
+                                        <p:tgtEl>
+                                          <p:spTgt spid="5">
+                                            <p:txEl>
+                                              <p:pRg st="1" end="1"/>
+                                            </p:txEl>
+                                          </p:spTgt>
+                                        </p:tgtEl>
+                                        <p:attrNameLst>
+                                          <p:attrName>style.visibility</p:attrName>
+                                        </p:attrNameLst>
+                                      </p:cBhvr>
+                                      <p:to>
+                                        <p:strVal val="visible"/>
+                                      </p:to>
+                                    </p:set>
+                                    <p:animEffect transition="in" filter="fade">
+                                      <p:cBhvr>
+                                        <p:cTn id="15" dur="500"/>
+                                        <p:tgtEl>
+                                          <p:spTgt spid="5">
+                                            <p:txEl>
+                                              <p:pRg st="1" end="1"/>
+                                            </p:txEl>
+                                          </p:spTgt>
+                                        </p:tgtEl>
+                                      </p:cBhvr>
+                                    </p:animEffect>
+                                  </p:childTnLst>
+                                </p:cTn>
+                              </p:par>
+                            </p:childTnLst>
+                          </p:cTn>
+                        </p:par>
+                      </p:childTnLst>
+                    </p:cTn>
+                  </p:par>
+                  <p:par>
+                    <p:cTn id="16" fill="hold">
+                      <p:stCondLst>
+                        <p:cond delay="indefinite"/>
+                      </p:stCondLst>
+                      <p:childTnLst>
+                        <p:par>
+                          <p:cTn id="17" fill="hold">
+                            <p:stCondLst>
+                              <p:cond delay="0"/>
+                            </p:stCondLst>
+                            <p:childTnLst>
+                              <p:par>
+                                <p:cTn id="18" presetID="10" presetClass="entr" presetSubtype="0" fill="hold" grpId="0" nodeType="clickEffect">
+                                  <p:stCondLst>
+                                    <p:cond delay="0"/>
+                                  </p:stCondLst>
+                                  <p:childTnLst>
+                                    <p:set>
+                                      <p:cBhvr>
+                                        <p:cTn id="19" dur="1" fill="hold">
+                                          <p:stCondLst>
+                                            <p:cond delay="0"/>
+                                          </p:stCondLst>
+                                        </p:cTn>
+                                        <p:tgtEl>
+                                          <p:spTgt spid="7"/>
+                                        </p:tgtEl>
+                                        <p:attrNameLst>
+                                          <p:attrName>style.visibility</p:attrName>
+                                        </p:attrNameLst>
+                                      </p:cBhvr>
+                                      <p:to>
+                                        <p:strVal val="visible"/>
+                                      </p:to>
+                                    </p:set>
+                                    <p:animEffect transition="in" filter="fade">
+                                      <p:cBhvr>
+                                        <p:cTn id="20" dur="500"/>
+                                        <p:tgtEl>
+                                          <p:spTgt spid="7"/>
+                                        </p:tgtEl>
+                                      </p:cBhvr>
+                                    </p:animEffect>
+                                  </p:childTnLst>
+                                </p:cTn>
+                              </p:par>
+                              <p:par>
+                                <p:cTn id="21" presetID="10" presetClass="entr" presetSubtype="0" fill="hold" nodeType="withEffect">
+                                  <p:stCondLst>
+                                    <p:cond delay="0"/>
+                                  </p:stCondLst>
+                                  <p:childTnLst>
+                                    <p:set>
+                                      <p:cBhvr>
+                                        <p:cTn id="22" dur="1" fill="hold">
+                                          <p:stCondLst>
+                                            <p:cond delay="0"/>
+                                          </p:stCondLst>
+                                        </p:cTn>
+                                        <p:tgtEl>
+                                          <p:spTgt spid="4"/>
+                                        </p:tgtEl>
+                                        <p:attrNameLst>
+                                          <p:attrName>style.visibility</p:attrName>
+                                        </p:attrNameLst>
+                                      </p:cBhvr>
+                                      <p:to>
+                                        <p:strVal val="visible"/>
+                                      </p:to>
+                                    </p:set>
+                                    <p:animEffect transition="in" filter="fade">
+                                      <p:cBhvr>
+                                        <p:cTn id="23" dur="500"/>
+                                        <p:tgtEl>
+                                          <p:spTgt spid="4"/>
+                                        </p:tgtEl>
+                                      </p:cBhvr>
+                                    </p:animEffect>
+                                  </p:childTnLst>
+                                </p:cTn>
+                              </p:par>
+                              <p:par>
+                                <p:cTn id="24" presetID="10" presetClass="entr" presetSubtype="0" fill="hold" grpId="0" nodeType="withEffect">
+                                  <p:stCondLst>
+                                    <p:cond delay="0"/>
+                                  </p:stCondLst>
+                                  <p:childTnLst>
+                                    <p:set>
+                                      <p:cBhvr>
+                                        <p:cTn id="25" dur="1" fill="hold">
+                                          <p:stCondLst>
+                                            <p:cond delay="0"/>
+                                          </p:stCondLst>
+                                        </p:cTn>
+                                        <p:tgtEl>
+                                          <p:spTgt spid="6"/>
+                                        </p:tgtEl>
+                                        <p:attrNameLst>
+                                          <p:attrName>style.visibility</p:attrName>
+                                        </p:attrNameLst>
+                                      </p:cBhvr>
+                                      <p:to>
+                                        <p:strVal val="visible"/>
+                                      </p:to>
+                                    </p:set>
+                                    <p:animEffect transition="in" filter="fade">
+                                      <p:cBhvr>
+                                        <p:cTn id="26" dur="500"/>
+                                        <p:tgtEl>
+                                          <p:spTgt spid="6"/>
+                                        </p:tgtEl>
+                                      </p:cBhvr>
+                                    </p:animEffect>
+                                  </p:childTnLst>
+                                </p:cTn>
+                              </p:par>
+                            </p:childTnLst>
+                          </p:cTn>
+                        </p:par>
+                      </p:childTnLst>
+                    </p:cTn>
+                  </p:par>
+                </p:childTnLst>
+              </p:cTn>
+              <p:prevCondLst>
+                <p:cond evt="onPrev" delay="0">
+                  <p:tgtEl>
+                    <p:sldTgt/>
+                  </p:tgtEl>
+                </p:cond>
+              </p:prevCondLst>
+              <p:nextCondLst>
+                <p:cond evt="onNext" delay="0">
+                  <p:tgtEl>
+                    <p:sldTgt/>
+                  </p:tgtEl>
+                </p:cond>
+              </p:nextCondLst>
+            </p:seq>
+          </p:childTnLst>
+        </p:cTn>
+      </p:par>
+    </p:tnLst>
+    <p:bldLst>
+      <p:bldP spid="3" grpId="0" build="p"/>
+      <p:bldP spid="6" grpId="0"/>
+      <p:bldP spid="7" grpId="0"/>
+    </p:bldLst>
+  </p:timing>
 </p:sld>
 </file>
 
@@ -18679,7 +20371,7 @@
           <p:cNvPr id="2" name="Titre 1">
             <a:extLst>
               <a:ext uri="{FF2B5EF4-FFF2-40B4-BE49-F238E27FC236}">
-                <a16:creationId xmlns:a16="http://schemas.microsoft.com/office/drawing/2014/main" id="{9C9018E5-536D-4459-8F66-50C173765663}"/>
+                <a16:creationId xmlns:a16="http://schemas.microsoft.com/office/drawing/2014/main" id="{FB827C1C-0F3A-431C-A32A-718F083EF2BF}"/>
               </a:ext>
             </a:extLst>
           </p:cNvPr>
@@ -18687,36 +20379,456 @@
             <a:spLocks noGrp="1"/>
           </p:cNvSpPr>
           <p:nvPr>
-            <p:ph type="ctrTitle"/>
+            <p:ph type="title"/>
           </p:nvPr>
         </p:nvSpPr>
         <p:spPr>
           <a:xfrm>
-            <a:off x="2509284" y="2721934"/>
-            <a:ext cx="7767073" cy="1164745"/>
+            <a:off x="1023562" y="685800"/>
+            <a:ext cx="10493524" cy="947057"/>
           </a:xfrm>
         </p:spPr>
         <p:txBody>
-          <a:bodyPr/>
+          <a:bodyPr>
+            <a:normAutofit/>
+          </a:bodyPr>
           <a:lstStyle/>
           <a:p>
             <a:r>
-              <a:rPr lang="fr-FR" sz="6000" dirty="0"/>
-              <a:t>Logique de composants</a:t>
-            </a:r>
+              <a:rPr lang="fr-FR" dirty="0"/>
+              <a:t>Utilisation de l’injection de dépendances</a:t>
+            </a:r>
+            <a:endParaRPr lang="fr-FR" sz="4400" dirty="0"/>
           </a:p>
         </p:txBody>
       </p:sp>
+      <p:sp>
+        <p:nvSpPr>
+          <p:cNvPr id="3" name="Espace réservé du contenu 2">
+            <a:extLst>
+              <a:ext uri="{FF2B5EF4-FFF2-40B4-BE49-F238E27FC236}">
+                <a16:creationId xmlns:a16="http://schemas.microsoft.com/office/drawing/2014/main" id="{39787187-24FB-4A40-9DAC-0C87D14BE1FC}"/>
+              </a:ext>
+            </a:extLst>
+          </p:cNvPr>
+          <p:cNvSpPr>
+            <a:spLocks noGrp="1"/>
+          </p:cNvSpPr>
+          <p:nvPr>
+            <p:ph idx="1"/>
+          </p:nvPr>
+        </p:nvSpPr>
+        <p:spPr>
+          <a:xfrm>
+            <a:off x="1023562" y="1923394"/>
+            <a:ext cx="6370296" cy="3798980"/>
+          </a:xfrm>
+        </p:spPr>
+        <p:txBody>
+          <a:bodyPr>
+            <a:normAutofit/>
+          </a:bodyPr>
+          <a:lstStyle/>
+          <a:p>
+            <a:r>
+              <a:rPr lang="fr-FR" sz="1800" dirty="0"/>
+              <a:t>Le Controller aura une dépendance vers l’interface du service.</a:t>
+            </a:r>
+          </a:p>
+          <a:p>
+            <a:r>
+              <a:rPr lang="fr-FR" sz="1800" dirty="0"/>
+              <a:t>Le service aura une dépendance vers l’interface du repository.</a:t>
+            </a:r>
+          </a:p>
+          <a:p>
+            <a:r>
+              <a:rPr lang="fr-FR" sz="1800" dirty="0"/>
+              <a:t>Le repository aura une dépendance vers le modèle de données.</a:t>
+            </a:r>
+          </a:p>
+          <a:p>
+            <a:r>
+              <a:rPr lang="fr-FR" sz="1800" dirty="0"/>
+              <a:t>Une couche ne peut avoir de dépendances avec une couche parente.</a:t>
+            </a:r>
+          </a:p>
+          <a:p>
+            <a:endParaRPr lang="fr-FR" sz="1800" dirty="0"/>
+          </a:p>
+          <a:p>
+            <a:pPr marL="0" indent="0">
+              <a:buNone/>
+            </a:pPr>
+            <a:r>
+              <a:rPr lang="fr-FR" sz="1800" dirty="0"/>
+              <a:t>L’injection se fait dans le Controller. Nous pouvons ensuite utiliser le service, sans se soucier de l’implémentation.</a:t>
+            </a:r>
+          </a:p>
+        </p:txBody>
+      </p:sp>
+      <p:pic>
+        <p:nvPicPr>
+          <p:cNvPr id="9" name="Image 8">
+            <a:extLst>
+              <a:ext uri="{FF2B5EF4-FFF2-40B4-BE49-F238E27FC236}">
+                <a16:creationId xmlns:a16="http://schemas.microsoft.com/office/drawing/2014/main" id="{01407BDB-ECB9-460D-8155-7209C18AE578}"/>
+              </a:ext>
+            </a:extLst>
+          </p:cNvPr>
+          <p:cNvPicPr>
+            <a:picLocks noChangeAspect="1"/>
+          </p:cNvPicPr>
+          <p:nvPr/>
+        </p:nvPicPr>
+        <p:blipFill>
+          <a:blip r:embed="rId2"/>
+          <a:stretch>
+            <a:fillRect/>
+          </a:stretch>
+        </p:blipFill>
+        <p:spPr>
+          <a:xfrm>
+            <a:off x="7541341" y="2163352"/>
+            <a:ext cx="4241618" cy="2931589"/>
+          </a:xfrm>
+          <a:prstGeom prst="rect">
+            <a:avLst/>
+          </a:prstGeom>
+        </p:spPr>
+      </p:pic>
     </p:spTree>
     <p:extLst>
       <p:ext uri="{BB962C8B-B14F-4D97-AF65-F5344CB8AC3E}">
-        <p14:creationId xmlns:p14="http://schemas.microsoft.com/office/powerpoint/2010/main" val="1760020557"/>
+        <p14:creationId xmlns:p14="http://schemas.microsoft.com/office/powerpoint/2010/main" val="1111236269"/>
       </p:ext>
     </p:extLst>
   </p:cSld>
   <p:clrMapOvr>
     <a:masterClrMapping/>
   </p:clrMapOvr>
+  <p:timing>
+    <p:tnLst>
+      <p:par>
+        <p:cTn id="1" dur="indefinite" restart="never" nodeType="tmRoot">
+          <p:childTnLst>
+            <p:seq concurrent="1" nextAc="seek">
+              <p:cTn id="2" dur="indefinite" nodeType="mainSeq">
+                <p:childTnLst>
+                  <p:par>
+                    <p:cTn id="3" fill="hold">
+                      <p:stCondLst>
+                        <p:cond delay="indefinite"/>
+                        <p:cond evt="onBegin" delay="0">
+                          <p:tn val="2"/>
+                        </p:cond>
+                      </p:stCondLst>
+                      <p:childTnLst>
+                        <p:par>
+                          <p:cTn id="4" fill="hold">
+                            <p:stCondLst>
+                              <p:cond delay="0"/>
+                            </p:stCondLst>
+                            <p:childTnLst>
+                              <p:par>
+                                <p:cTn id="5" presetID="10" presetClass="entr" presetSubtype="0" fill="hold" grpId="0" nodeType="withEffect">
+                                  <p:stCondLst>
+                                    <p:cond delay="0"/>
+                                  </p:stCondLst>
+                                  <p:childTnLst>
+                                    <p:set>
+                                      <p:cBhvr>
+                                        <p:cTn id="6" dur="1" fill="hold">
+                                          <p:stCondLst>
+                                            <p:cond delay="0"/>
+                                          </p:stCondLst>
+                                        </p:cTn>
+                                        <p:tgtEl>
+                                          <p:spTgt spid="3">
+                                            <p:txEl>
+                                              <p:pRg st="0" end="0"/>
+                                            </p:txEl>
+                                          </p:spTgt>
+                                        </p:tgtEl>
+                                        <p:attrNameLst>
+                                          <p:attrName>style.visibility</p:attrName>
+                                        </p:attrNameLst>
+                                      </p:cBhvr>
+                                      <p:to>
+                                        <p:strVal val="visible"/>
+                                      </p:to>
+                                    </p:set>
+                                    <p:animEffect transition="in" filter="fade">
+                                      <p:cBhvr>
+                                        <p:cTn id="7" dur="500"/>
+                                        <p:tgtEl>
+                                          <p:spTgt spid="3">
+                                            <p:txEl>
+                                              <p:pRg st="0" end="0"/>
+                                            </p:txEl>
+                                          </p:spTgt>
+                                        </p:tgtEl>
+                                      </p:cBhvr>
+                                    </p:animEffect>
+                                  </p:childTnLst>
+                                </p:cTn>
+                              </p:par>
+                              <p:par>
+                                <p:cTn id="8" presetID="10" presetClass="entr" presetSubtype="0" fill="hold" grpId="0" nodeType="withEffect">
+                                  <p:stCondLst>
+                                    <p:cond delay="0"/>
+                                  </p:stCondLst>
+                                  <p:childTnLst>
+                                    <p:set>
+                                      <p:cBhvr>
+                                        <p:cTn id="9" dur="1" fill="hold">
+                                          <p:stCondLst>
+                                            <p:cond delay="0"/>
+                                          </p:stCondLst>
+                                        </p:cTn>
+                                        <p:tgtEl>
+                                          <p:spTgt spid="3">
+                                            <p:txEl>
+                                              <p:pRg st="1" end="1"/>
+                                            </p:txEl>
+                                          </p:spTgt>
+                                        </p:tgtEl>
+                                        <p:attrNameLst>
+                                          <p:attrName>style.visibility</p:attrName>
+                                        </p:attrNameLst>
+                                      </p:cBhvr>
+                                      <p:to>
+                                        <p:strVal val="visible"/>
+                                      </p:to>
+                                    </p:set>
+                                    <p:animEffect transition="in" filter="fade">
+                                      <p:cBhvr>
+                                        <p:cTn id="10" dur="500"/>
+                                        <p:tgtEl>
+                                          <p:spTgt spid="3">
+                                            <p:txEl>
+                                              <p:pRg st="1" end="1"/>
+                                            </p:txEl>
+                                          </p:spTgt>
+                                        </p:tgtEl>
+                                      </p:cBhvr>
+                                    </p:animEffect>
+                                  </p:childTnLst>
+                                </p:cTn>
+                              </p:par>
+                              <p:par>
+                                <p:cTn id="11" presetID="10" presetClass="entr" presetSubtype="0" fill="hold" grpId="0" nodeType="withEffect">
+                                  <p:stCondLst>
+                                    <p:cond delay="0"/>
+                                  </p:stCondLst>
+                                  <p:childTnLst>
+                                    <p:set>
+                                      <p:cBhvr>
+                                        <p:cTn id="12" dur="1" fill="hold">
+                                          <p:stCondLst>
+                                            <p:cond delay="0"/>
+                                          </p:stCondLst>
+                                        </p:cTn>
+                                        <p:tgtEl>
+                                          <p:spTgt spid="3">
+                                            <p:txEl>
+                                              <p:pRg st="2" end="2"/>
+                                            </p:txEl>
+                                          </p:spTgt>
+                                        </p:tgtEl>
+                                        <p:attrNameLst>
+                                          <p:attrName>style.visibility</p:attrName>
+                                        </p:attrNameLst>
+                                      </p:cBhvr>
+                                      <p:to>
+                                        <p:strVal val="visible"/>
+                                      </p:to>
+                                    </p:set>
+                                    <p:animEffect transition="in" filter="fade">
+                                      <p:cBhvr>
+                                        <p:cTn id="13" dur="500"/>
+                                        <p:tgtEl>
+                                          <p:spTgt spid="3">
+                                            <p:txEl>
+                                              <p:pRg st="2" end="2"/>
+                                            </p:txEl>
+                                          </p:spTgt>
+                                        </p:tgtEl>
+                                      </p:cBhvr>
+                                    </p:animEffect>
+                                  </p:childTnLst>
+                                </p:cTn>
+                              </p:par>
+                              <p:par>
+                                <p:cTn id="14" presetID="10" presetClass="entr" presetSubtype="0" fill="hold" grpId="0" nodeType="withEffect">
+                                  <p:stCondLst>
+                                    <p:cond delay="0"/>
+                                  </p:stCondLst>
+                                  <p:childTnLst>
+                                    <p:set>
+                                      <p:cBhvr>
+                                        <p:cTn id="15" dur="1" fill="hold">
+                                          <p:stCondLst>
+                                            <p:cond delay="0"/>
+                                          </p:stCondLst>
+                                        </p:cTn>
+                                        <p:tgtEl>
+                                          <p:spTgt spid="3">
+                                            <p:txEl>
+                                              <p:pRg st="3" end="3"/>
+                                            </p:txEl>
+                                          </p:spTgt>
+                                        </p:tgtEl>
+                                        <p:attrNameLst>
+                                          <p:attrName>style.visibility</p:attrName>
+                                        </p:attrNameLst>
+                                      </p:cBhvr>
+                                      <p:to>
+                                        <p:strVal val="visible"/>
+                                      </p:to>
+                                    </p:set>
+                                    <p:animEffect transition="in" filter="fade">
+                                      <p:cBhvr>
+                                        <p:cTn id="16" dur="500"/>
+                                        <p:tgtEl>
+                                          <p:spTgt spid="3">
+                                            <p:txEl>
+                                              <p:pRg st="3" end="3"/>
+                                            </p:txEl>
+                                          </p:spTgt>
+                                        </p:tgtEl>
+                                      </p:cBhvr>
+                                    </p:animEffect>
+                                  </p:childTnLst>
+                                </p:cTn>
+                              </p:par>
+                              <p:par>
+                                <p:cTn id="17" presetID="10" presetClass="entr" presetSubtype="0" fill="hold" grpId="0" nodeType="withEffect">
+                                  <p:stCondLst>
+                                    <p:cond delay="0"/>
+                                  </p:stCondLst>
+                                  <p:childTnLst>
+                                    <p:set>
+                                      <p:cBhvr>
+                                        <p:cTn id="18" dur="1" fill="hold">
+                                          <p:stCondLst>
+                                            <p:cond delay="0"/>
+                                          </p:stCondLst>
+                                        </p:cTn>
+                                        <p:tgtEl>
+                                          <p:spTgt spid="3">
+                                            <p:txEl>
+                                              <p:pRg st="5" end="5"/>
+                                            </p:txEl>
+                                          </p:spTgt>
+                                        </p:tgtEl>
+                                        <p:attrNameLst>
+                                          <p:attrName>style.visibility</p:attrName>
+                                        </p:attrNameLst>
+                                      </p:cBhvr>
+                                      <p:to>
+                                        <p:strVal val="visible"/>
+                                      </p:to>
+                                    </p:set>
+                                    <p:animEffect transition="in" filter="fade">
+                                      <p:cBhvr>
+                                        <p:cTn id="19" dur="500"/>
+                                        <p:tgtEl>
+                                          <p:spTgt spid="3">
+                                            <p:txEl>
+                                              <p:pRg st="5" end="5"/>
+                                            </p:txEl>
+                                          </p:spTgt>
+                                        </p:tgtEl>
+                                      </p:cBhvr>
+                                    </p:animEffect>
+                                  </p:childTnLst>
+                                </p:cTn>
+                              </p:par>
+                            </p:childTnLst>
+                          </p:cTn>
+                        </p:par>
+                      </p:childTnLst>
+                    </p:cTn>
+                  </p:par>
+                  <p:par>
+                    <p:cTn id="20" fill="hold">
+                      <p:stCondLst>
+                        <p:cond delay="indefinite"/>
+                      </p:stCondLst>
+                      <p:childTnLst>
+                        <p:par>
+                          <p:cTn id="21" fill="hold">
+                            <p:stCondLst>
+                              <p:cond delay="0"/>
+                            </p:stCondLst>
+                            <p:childTnLst>
+                              <p:par>
+                                <p:cTn id="22" presetID="10" presetClass="entr" presetSubtype="0" fill="hold" nodeType="clickEffect">
+                                  <p:stCondLst>
+                                    <p:cond delay="0"/>
+                                  </p:stCondLst>
+                                  <p:childTnLst>
+                                    <p:set>
+                                      <p:cBhvr>
+                                        <p:cTn id="23" dur="1" fill="hold">
+                                          <p:stCondLst>
+                                            <p:cond delay="0"/>
+                                          </p:stCondLst>
+                                        </p:cTn>
+                                        <p:tgtEl>
+                                          <p:spTgt spid="9"/>
+                                        </p:tgtEl>
+                                        <p:attrNameLst>
+                                          <p:attrName>style.visibility</p:attrName>
+                                        </p:attrNameLst>
+                                      </p:cBhvr>
+                                      <p:to>
+                                        <p:strVal val="visible"/>
+                                      </p:to>
+                                    </p:set>
+                                    <p:animEffect transition="in" filter="fade">
+                                      <p:cBhvr>
+                                        <p:cTn id="24" dur="500"/>
+                                        <p:tgtEl>
+                                          <p:spTgt spid="9"/>
+                                        </p:tgtEl>
+                                      </p:cBhvr>
+                                    </p:animEffect>
+                                  </p:childTnLst>
+                                </p:cTn>
+                              </p:par>
+                            </p:childTnLst>
+                          </p:cTn>
+                        </p:par>
+                      </p:childTnLst>
+                    </p:cTn>
+                  </p:par>
+                </p:childTnLst>
+              </p:cTn>
+              <p:prevCondLst>
+                <p:cond evt="onPrev" delay="0">
+                  <p:tgtEl>
+                    <p:sldTgt/>
+                  </p:tgtEl>
+                </p:cond>
+              </p:prevCondLst>
+              <p:nextCondLst>
+                <p:cond evt="onNext" delay="0">
+                  <p:tgtEl>
+                    <p:sldTgt/>
+                  </p:tgtEl>
+                </p:cond>
+              </p:nextCondLst>
+            </p:seq>
+          </p:childTnLst>
+        </p:cTn>
+      </p:par>
+    </p:tnLst>
+    <p:bldLst>
+      <p:bldP spid="3" grpId="0" uiExpand="1" build="p"/>
+    </p:bldLst>
+  </p:timing>
 </p:sld>
 </file>
 
@@ -18765,21 +20877,633 @@
           <a:p>
             <a:r>
               <a:rPr lang="fr-FR" sz="6000" dirty="0"/>
-              <a:t>Convention plutôt que configuration</a:t>
-            </a:r>
+              <a:t>Syntaxe </a:t>
+            </a:r>
+            <a:r>
+              <a:rPr lang="fr-FR" sz="6000" dirty="0" err="1"/>
+              <a:t>razor</a:t>
+            </a:r>
+            <a:endParaRPr lang="fr-FR" sz="6000" dirty="0"/>
           </a:p>
         </p:txBody>
       </p:sp>
     </p:spTree>
     <p:extLst>
       <p:ext uri="{BB962C8B-B14F-4D97-AF65-F5344CB8AC3E}">
-        <p14:creationId xmlns:p14="http://schemas.microsoft.com/office/powerpoint/2010/main" val="342950849"/>
+        <p14:creationId xmlns:p14="http://schemas.microsoft.com/office/powerpoint/2010/main" val="4221099147"/>
       </p:ext>
     </p:extLst>
   </p:cSld>
   <p:clrMapOvr>
     <a:masterClrMapping/>
   </p:clrMapOvr>
+</p:sld>
+</file>
+
+<file path=ppt/slides/slide29.xml><?xml version="1.0" encoding="utf-8"?>
+<p:sld xmlns:a="http://schemas.openxmlformats.org/drawingml/2006/main" xmlns:r="http://schemas.openxmlformats.org/officeDocument/2006/relationships" xmlns:p="http://schemas.openxmlformats.org/presentationml/2006/main">
+  <p:cSld>
+    <p:spTree>
+      <p:nvGrpSpPr>
+        <p:cNvPr id="1" name=""/>
+        <p:cNvGrpSpPr/>
+        <p:nvPr/>
+      </p:nvGrpSpPr>
+      <p:grpSpPr>
+        <a:xfrm>
+          <a:off x="0" y="0"/>
+          <a:ext cx="0" cy="0"/>
+          <a:chOff x="0" y="0"/>
+          <a:chExt cx="0" cy="0"/>
+        </a:xfrm>
+      </p:grpSpPr>
+      <p:sp>
+        <p:nvSpPr>
+          <p:cNvPr id="2" name="Titre 1">
+            <a:extLst>
+              <a:ext uri="{FF2B5EF4-FFF2-40B4-BE49-F238E27FC236}">
+                <a16:creationId xmlns:a16="http://schemas.microsoft.com/office/drawing/2014/main" id="{FB827C1C-0F3A-431C-A32A-718F083EF2BF}"/>
+              </a:ext>
+            </a:extLst>
+          </p:cNvPr>
+          <p:cNvSpPr>
+            <a:spLocks noGrp="1"/>
+          </p:cNvSpPr>
+          <p:nvPr>
+            <p:ph type="title"/>
+          </p:nvPr>
+        </p:nvSpPr>
+        <p:spPr>
+          <a:xfrm>
+            <a:off x="1023562" y="685800"/>
+            <a:ext cx="10493524" cy="947057"/>
+          </a:xfrm>
+        </p:spPr>
+        <p:txBody>
+          <a:bodyPr>
+            <a:normAutofit/>
+          </a:bodyPr>
+          <a:lstStyle/>
+          <a:p>
+            <a:r>
+              <a:rPr lang="fr-FR" dirty="0"/>
+              <a:t>Présentation</a:t>
+            </a:r>
+            <a:endParaRPr lang="fr-FR" sz="4400" dirty="0"/>
+          </a:p>
+        </p:txBody>
+      </p:sp>
+      <p:sp>
+        <p:nvSpPr>
+          <p:cNvPr id="3" name="Espace réservé du contenu 2">
+            <a:extLst>
+              <a:ext uri="{FF2B5EF4-FFF2-40B4-BE49-F238E27FC236}">
+                <a16:creationId xmlns:a16="http://schemas.microsoft.com/office/drawing/2014/main" id="{39787187-24FB-4A40-9DAC-0C87D14BE1FC}"/>
+              </a:ext>
+            </a:extLst>
+          </p:cNvPr>
+          <p:cNvSpPr>
+            <a:spLocks noGrp="1"/>
+          </p:cNvSpPr>
+          <p:nvPr>
+            <p:ph idx="1"/>
+          </p:nvPr>
+        </p:nvSpPr>
+        <p:spPr>
+          <a:xfrm>
+            <a:off x="1023560" y="1396279"/>
+            <a:ext cx="10493523" cy="2035542"/>
+          </a:xfrm>
+        </p:spPr>
+        <p:txBody>
+          <a:bodyPr>
+            <a:normAutofit/>
+          </a:bodyPr>
+          <a:lstStyle/>
+          <a:p>
+            <a:r>
+              <a:rPr lang="fr-FR" sz="1800" dirty="0"/>
+              <a:t>Syntaxe de création de pages web dynamiques, en C#,</a:t>
+            </a:r>
+          </a:p>
+          <a:p>
+            <a:r>
+              <a:rPr lang="fr-FR" sz="1800" dirty="0"/>
+              <a:t>Syntaxe de templating moderne.</a:t>
+            </a:r>
+          </a:p>
+          <a:p>
+            <a:r>
+              <a:rPr lang="fr-FR" sz="1800" dirty="0"/>
+              <a:t>Pour commencer une instruction, il faut utiliser le caractère « @ ».</a:t>
+            </a:r>
+          </a:p>
+          <a:p>
+            <a:r>
+              <a:rPr lang="fr-FR" sz="1800" dirty="0"/>
+              <a:t>Pour afficher un « @ » dans la page, il faut le doubler : « @@Test » affichera « @Test » en HTML.</a:t>
+            </a:r>
+          </a:p>
+          <a:p>
+            <a:r>
+              <a:rPr lang="fr-FR" sz="1800" dirty="0"/>
+              <a:t>Il existe certains attributs HTML spécifiques.</a:t>
+            </a:r>
+          </a:p>
+        </p:txBody>
+      </p:sp>
+      <p:pic>
+        <p:nvPicPr>
+          <p:cNvPr id="4" name="Image 3">
+            <a:extLst>
+              <a:ext uri="{FF2B5EF4-FFF2-40B4-BE49-F238E27FC236}">
+                <a16:creationId xmlns:a16="http://schemas.microsoft.com/office/drawing/2014/main" id="{0235B9C5-3107-47AC-B069-B67CB292ACA5}"/>
+              </a:ext>
+            </a:extLst>
+          </p:cNvPr>
+          <p:cNvPicPr>
+            <a:picLocks noChangeAspect="1"/>
+          </p:cNvPicPr>
+          <p:nvPr/>
+        </p:nvPicPr>
+        <p:blipFill>
+          <a:blip r:embed="rId2"/>
+          <a:stretch>
+            <a:fillRect/>
+          </a:stretch>
+        </p:blipFill>
+        <p:spPr>
+          <a:xfrm>
+            <a:off x="1023560" y="3576637"/>
+            <a:ext cx="9699395" cy="714808"/>
+          </a:xfrm>
+          <a:prstGeom prst="rect">
+            <a:avLst/>
+          </a:prstGeom>
+        </p:spPr>
+      </p:pic>
+      <p:pic>
+        <p:nvPicPr>
+          <p:cNvPr id="5" name="Image 4">
+            <a:extLst>
+              <a:ext uri="{FF2B5EF4-FFF2-40B4-BE49-F238E27FC236}">
+                <a16:creationId xmlns:a16="http://schemas.microsoft.com/office/drawing/2014/main" id="{7696E534-FD81-4654-8BC6-7C7A772B8876}"/>
+              </a:ext>
+            </a:extLst>
+          </p:cNvPr>
+          <p:cNvPicPr>
+            <a:picLocks noChangeAspect="1"/>
+          </p:cNvPicPr>
+          <p:nvPr/>
+        </p:nvPicPr>
+        <p:blipFill>
+          <a:blip r:embed="rId3"/>
+          <a:stretch>
+            <a:fillRect/>
+          </a:stretch>
+        </p:blipFill>
+        <p:spPr>
+          <a:xfrm>
+            <a:off x="1023560" y="4366346"/>
+            <a:ext cx="8829675" cy="638175"/>
+          </a:xfrm>
+          <a:prstGeom prst="rect">
+            <a:avLst/>
+          </a:prstGeom>
+        </p:spPr>
+      </p:pic>
+      <p:pic>
+        <p:nvPicPr>
+          <p:cNvPr id="6" name="Image 5">
+            <a:extLst>
+              <a:ext uri="{FF2B5EF4-FFF2-40B4-BE49-F238E27FC236}">
+                <a16:creationId xmlns:a16="http://schemas.microsoft.com/office/drawing/2014/main" id="{223F1B86-8B27-4D41-AEDC-9B8504EFB0DB}"/>
+              </a:ext>
+            </a:extLst>
+          </p:cNvPr>
+          <p:cNvPicPr>
+            <a:picLocks noChangeAspect="1"/>
+          </p:cNvPicPr>
+          <p:nvPr/>
+        </p:nvPicPr>
+        <p:blipFill>
+          <a:blip r:embed="rId4"/>
+          <a:stretch>
+            <a:fillRect/>
+          </a:stretch>
+        </p:blipFill>
+        <p:spPr>
+          <a:xfrm>
+            <a:off x="1051269" y="5067300"/>
+            <a:ext cx="2562225" cy="1295400"/>
+          </a:xfrm>
+          <a:prstGeom prst="rect">
+            <a:avLst/>
+          </a:prstGeom>
+        </p:spPr>
+      </p:pic>
+    </p:spTree>
+    <p:extLst>
+      <p:ext uri="{BB962C8B-B14F-4D97-AF65-F5344CB8AC3E}">
+        <p14:creationId xmlns:p14="http://schemas.microsoft.com/office/powerpoint/2010/main" val="2930532341"/>
+      </p:ext>
+    </p:extLst>
+  </p:cSld>
+  <p:clrMapOvr>
+    <a:masterClrMapping/>
+  </p:clrMapOvr>
+  <p:timing>
+    <p:tnLst>
+      <p:par>
+        <p:cTn id="1" dur="indefinite" restart="never" nodeType="tmRoot">
+          <p:childTnLst>
+            <p:seq concurrent="1" nextAc="seek">
+              <p:cTn id="2" dur="indefinite" nodeType="mainSeq">
+                <p:childTnLst>
+                  <p:par>
+                    <p:cTn id="3" fill="hold">
+                      <p:stCondLst>
+                        <p:cond delay="indefinite"/>
+                        <p:cond evt="onBegin" delay="0">
+                          <p:tn val="2"/>
+                        </p:cond>
+                      </p:stCondLst>
+                      <p:childTnLst>
+                        <p:par>
+                          <p:cTn id="4" fill="hold">
+                            <p:stCondLst>
+                              <p:cond delay="0"/>
+                            </p:stCondLst>
+                            <p:childTnLst>
+                              <p:par>
+                                <p:cTn id="5" presetID="10" presetClass="entr" presetSubtype="0" fill="hold" grpId="0" nodeType="withEffect">
+                                  <p:stCondLst>
+                                    <p:cond delay="0"/>
+                                  </p:stCondLst>
+                                  <p:childTnLst>
+                                    <p:set>
+                                      <p:cBhvr>
+                                        <p:cTn id="6" dur="1" fill="hold">
+                                          <p:stCondLst>
+                                            <p:cond delay="0"/>
+                                          </p:stCondLst>
+                                        </p:cTn>
+                                        <p:tgtEl>
+                                          <p:spTgt spid="3">
+                                            <p:txEl>
+                                              <p:pRg st="0" end="0"/>
+                                            </p:txEl>
+                                          </p:spTgt>
+                                        </p:tgtEl>
+                                        <p:attrNameLst>
+                                          <p:attrName>style.visibility</p:attrName>
+                                        </p:attrNameLst>
+                                      </p:cBhvr>
+                                      <p:to>
+                                        <p:strVal val="visible"/>
+                                      </p:to>
+                                    </p:set>
+                                    <p:animEffect transition="in" filter="fade">
+                                      <p:cBhvr>
+                                        <p:cTn id="7" dur="500"/>
+                                        <p:tgtEl>
+                                          <p:spTgt spid="3">
+                                            <p:txEl>
+                                              <p:pRg st="0" end="0"/>
+                                            </p:txEl>
+                                          </p:spTgt>
+                                        </p:tgtEl>
+                                      </p:cBhvr>
+                                    </p:animEffect>
+                                  </p:childTnLst>
+                                </p:cTn>
+                              </p:par>
+                              <p:par>
+                                <p:cTn id="8" presetID="10" presetClass="entr" presetSubtype="0" fill="hold" grpId="0" nodeType="withEffect">
+                                  <p:stCondLst>
+                                    <p:cond delay="0"/>
+                                  </p:stCondLst>
+                                  <p:childTnLst>
+                                    <p:set>
+                                      <p:cBhvr>
+                                        <p:cTn id="9" dur="1" fill="hold">
+                                          <p:stCondLst>
+                                            <p:cond delay="0"/>
+                                          </p:stCondLst>
+                                        </p:cTn>
+                                        <p:tgtEl>
+                                          <p:spTgt spid="3">
+                                            <p:txEl>
+                                              <p:pRg st="1" end="1"/>
+                                            </p:txEl>
+                                          </p:spTgt>
+                                        </p:tgtEl>
+                                        <p:attrNameLst>
+                                          <p:attrName>style.visibility</p:attrName>
+                                        </p:attrNameLst>
+                                      </p:cBhvr>
+                                      <p:to>
+                                        <p:strVal val="visible"/>
+                                      </p:to>
+                                    </p:set>
+                                    <p:animEffect transition="in" filter="fade">
+                                      <p:cBhvr>
+                                        <p:cTn id="10" dur="500"/>
+                                        <p:tgtEl>
+                                          <p:spTgt spid="3">
+                                            <p:txEl>
+                                              <p:pRg st="1" end="1"/>
+                                            </p:txEl>
+                                          </p:spTgt>
+                                        </p:tgtEl>
+                                      </p:cBhvr>
+                                    </p:animEffect>
+                                  </p:childTnLst>
+                                </p:cTn>
+                              </p:par>
+                              <p:par>
+                                <p:cTn id="11" presetID="10" presetClass="entr" presetSubtype="0" fill="hold" grpId="0" nodeType="withEffect">
+                                  <p:stCondLst>
+                                    <p:cond delay="0"/>
+                                  </p:stCondLst>
+                                  <p:childTnLst>
+                                    <p:set>
+                                      <p:cBhvr>
+                                        <p:cTn id="12" dur="1" fill="hold">
+                                          <p:stCondLst>
+                                            <p:cond delay="0"/>
+                                          </p:stCondLst>
+                                        </p:cTn>
+                                        <p:tgtEl>
+                                          <p:spTgt spid="3">
+                                            <p:txEl>
+                                              <p:pRg st="2" end="2"/>
+                                            </p:txEl>
+                                          </p:spTgt>
+                                        </p:tgtEl>
+                                        <p:attrNameLst>
+                                          <p:attrName>style.visibility</p:attrName>
+                                        </p:attrNameLst>
+                                      </p:cBhvr>
+                                      <p:to>
+                                        <p:strVal val="visible"/>
+                                      </p:to>
+                                    </p:set>
+                                    <p:animEffect transition="in" filter="fade">
+                                      <p:cBhvr>
+                                        <p:cTn id="13" dur="500"/>
+                                        <p:tgtEl>
+                                          <p:spTgt spid="3">
+                                            <p:txEl>
+                                              <p:pRg st="2" end="2"/>
+                                            </p:txEl>
+                                          </p:spTgt>
+                                        </p:tgtEl>
+                                      </p:cBhvr>
+                                    </p:animEffect>
+                                  </p:childTnLst>
+                                </p:cTn>
+                              </p:par>
+                              <p:par>
+                                <p:cTn id="14" presetID="10" presetClass="entr" presetSubtype="0" fill="hold" grpId="0" nodeType="withEffect">
+                                  <p:stCondLst>
+                                    <p:cond delay="0"/>
+                                  </p:stCondLst>
+                                  <p:childTnLst>
+                                    <p:set>
+                                      <p:cBhvr>
+                                        <p:cTn id="15" dur="1" fill="hold">
+                                          <p:stCondLst>
+                                            <p:cond delay="0"/>
+                                          </p:stCondLst>
+                                        </p:cTn>
+                                        <p:tgtEl>
+                                          <p:spTgt spid="3">
+                                            <p:txEl>
+                                              <p:pRg st="3" end="3"/>
+                                            </p:txEl>
+                                          </p:spTgt>
+                                        </p:tgtEl>
+                                        <p:attrNameLst>
+                                          <p:attrName>style.visibility</p:attrName>
+                                        </p:attrNameLst>
+                                      </p:cBhvr>
+                                      <p:to>
+                                        <p:strVal val="visible"/>
+                                      </p:to>
+                                    </p:set>
+                                    <p:animEffect transition="in" filter="fade">
+                                      <p:cBhvr>
+                                        <p:cTn id="16" dur="500"/>
+                                        <p:tgtEl>
+                                          <p:spTgt spid="3">
+                                            <p:txEl>
+                                              <p:pRg st="3" end="3"/>
+                                            </p:txEl>
+                                          </p:spTgt>
+                                        </p:tgtEl>
+                                      </p:cBhvr>
+                                    </p:animEffect>
+                                  </p:childTnLst>
+                                </p:cTn>
+                              </p:par>
+                              <p:par>
+                                <p:cTn id="17" presetID="10" presetClass="entr" presetSubtype="0" fill="hold" grpId="0" nodeType="withEffect">
+                                  <p:stCondLst>
+                                    <p:cond delay="0"/>
+                                  </p:stCondLst>
+                                  <p:childTnLst>
+                                    <p:set>
+                                      <p:cBhvr>
+                                        <p:cTn id="18" dur="1" fill="hold">
+                                          <p:stCondLst>
+                                            <p:cond delay="0"/>
+                                          </p:stCondLst>
+                                        </p:cTn>
+                                        <p:tgtEl>
+                                          <p:spTgt spid="3">
+                                            <p:txEl>
+                                              <p:pRg st="4" end="4"/>
+                                            </p:txEl>
+                                          </p:spTgt>
+                                        </p:tgtEl>
+                                        <p:attrNameLst>
+                                          <p:attrName>style.visibility</p:attrName>
+                                        </p:attrNameLst>
+                                      </p:cBhvr>
+                                      <p:to>
+                                        <p:strVal val="visible"/>
+                                      </p:to>
+                                    </p:set>
+                                    <p:animEffect transition="in" filter="fade">
+                                      <p:cBhvr>
+                                        <p:cTn id="19" dur="500"/>
+                                        <p:tgtEl>
+                                          <p:spTgt spid="3">
+                                            <p:txEl>
+                                              <p:pRg st="4" end="4"/>
+                                            </p:txEl>
+                                          </p:spTgt>
+                                        </p:tgtEl>
+                                      </p:cBhvr>
+                                    </p:animEffect>
+                                  </p:childTnLst>
+                                </p:cTn>
+                              </p:par>
+                            </p:childTnLst>
+                          </p:cTn>
+                        </p:par>
+                      </p:childTnLst>
+                    </p:cTn>
+                  </p:par>
+                  <p:par>
+                    <p:cTn id="20" fill="hold">
+                      <p:stCondLst>
+                        <p:cond delay="indefinite"/>
+                      </p:stCondLst>
+                      <p:childTnLst>
+                        <p:par>
+                          <p:cTn id="21" fill="hold">
+                            <p:stCondLst>
+                              <p:cond delay="0"/>
+                            </p:stCondLst>
+                            <p:childTnLst>
+                              <p:par>
+                                <p:cTn id="22" presetID="10" presetClass="entr" presetSubtype="0" fill="hold" nodeType="clickEffect">
+                                  <p:stCondLst>
+                                    <p:cond delay="0"/>
+                                  </p:stCondLst>
+                                  <p:childTnLst>
+                                    <p:set>
+                                      <p:cBhvr>
+                                        <p:cTn id="23" dur="1" fill="hold">
+                                          <p:stCondLst>
+                                            <p:cond delay="0"/>
+                                          </p:stCondLst>
+                                        </p:cTn>
+                                        <p:tgtEl>
+                                          <p:spTgt spid="4"/>
+                                        </p:tgtEl>
+                                        <p:attrNameLst>
+                                          <p:attrName>style.visibility</p:attrName>
+                                        </p:attrNameLst>
+                                      </p:cBhvr>
+                                      <p:to>
+                                        <p:strVal val="visible"/>
+                                      </p:to>
+                                    </p:set>
+                                    <p:animEffect transition="in" filter="fade">
+                                      <p:cBhvr>
+                                        <p:cTn id="24" dur="500"/>
+                                        <p:tgtEl>
+                                          <p:spTgt spid="4"/>
+                                        </p:tgtEl>
+                                      </p:cBhvr>
+                                    </p:animEffect>
+                                  </p:childTnLst>
+                                </p:cTn>
+                              </p:par>
+                              <p:par>
+                                <p:cTn id="25" presetID="10" presetClass="entr" presetSubtype="0" fill="hold" nodeType="withEffect">
+                                  <p:stCondLst>
+                                    <p:cond delay="0"/>
+                                  </p:stCondLst>
+                                  <p:childTnLst>
+                                    <p:set>
+                                      <p:cBhvr>
+                                        <p:cTn id="26" dur="1" fill="hold">
+                                          <p:stCondLst>
+                                            <p:cond delay="0"/>
+                                          </p:stCondLst>
+                                        </p:cTn>
+                                        <p:tgtEl>
+                                          <p:spTgt spid="5"/>
+                                        </p:tgtEl>
+                                        <p:attrNameLst>
+                                          <p:attrName>style.visibility</p:attrName>
+                                        </p:attrNameLst>
+                                      </p:cBhvr>
+                                      <p:to>
+                                        <p:strVal val="visible"/>
+                                      </p:to>
+                                    </p:set>
+                                    <p:animEffect transition="in" filter="fade">
+                                      <p:cBhvr>
+                                        <p:cTn id="27" dur="500"/>
+                                        <p:tgtEl>
+                                          <p:spTgt spid="5"/>
+                                        </p:tgtEl>
+                                      </p:cBhvr>
+                                    </p:animEffect>
+                                  </p:childTnLst>
+                                </p:cTn>
+                              </p:par>
+                              <p:par>
+                                <p:cTn id="28" presetID="10" presetClass="entr" presetSubtype="0" fill="hold" nodeType="withEffect">
+                                  <p:stCondLst>
+                                    <p:cond delay="0"/>
+                                  </p:stCondLst>
+                                  <p:childTnLst>
+                                    <p:set>
+                                      <p:cBhvr>
+                                        <p:cTn id="29" dur="1" fill="hold">
+                                          <p:stCondLst>
+                                            <p:cond delay="0"/>
+                                          </p:stCondLst>
+                                        </p:cTn>
+                                        <p:tgtEl>
+                                          <p:spTgt spid="6"/>
+                                        </p:tgtEl>
+                                        <p:attrNameLst>
+                                          <p:attrName>style.visibility</p:attrName>
+                                        </p:attrNameLst>
+                                      </p:cBhvr>
+                                      <p:to>
+                                        <p:strVal val="visible"/>
+                                      </p:to>
+                                    </p:set>
+                                    <p:animEffect transition="in" filter="fade">
+                                      <p:cBhvr>
+                                        <p:cTn id="30" dur="500"/>
+                                        <p:tgtEl>
+                                          <p:spTgt spid="6"/>
+                                        </p:tgtEl>
+                                      </p:cBhvr>
+                                    </p:animEffect>
+                                  </p:childTnLst>
+                                </p:cTn>
+                              </p:par>
+                            </p:childTnLst>
+                          </p:cTn>
+                        </p:par>
+                      </p:childTnLst>
+                    </p:cTn>
+                  </p:par>
+                </p:childTnLst>
+              </p:cTn>
+              <p:prevCondLst>
+                <p:cond evt="onPrev" delay="0">
+                  <p:tgtEl>
+                    <p:sldTgt/>
+                  </p:tgtEl>
+                </p:cond>
+              </p:prevCondLst>
+              <p:nextCondLst>
+                <p:cond evt="onNext" delay="0">
+                  <p:tgtEl>
+                    <p:sldTgt/>
+                  </p:tgtEl>
+                </p:cond>
+              </p:nextCondLst>
+            </p:seq>
+          </p:childTnLst>
+        </p:cTn>
+      </p:par>
+    </p:tnLst>
+    <p:bldLst>
+      <p:bldP spid="3" grpId="0" uiExpand="1" build="p"/>
+    </p:bldLst>
+  </p:timing>
 </p:sld>
 </file>
 
@@ -19569,6 +22293,2039 @@
       </p:par>
     </p:tnLst>
   </p:timing>
+</p:sld>
+</file>
+
+<file path=ppt/slides/slide30.xml><?xml version="1.0" encoding="utf-8"?>
+<p:sld xmlns:a="http://schemas.openxmlformats.org/drawingml/2006/main" xmlns:r="http://schemas.openxmlformats.org/officeDocument/2006/relationships" xmlns:p="http://schemas.openxmlformats.org/presentationml/2006/main">
+  <p:cSld>
+    <p:spTree>
+      <p:nvGrpSpPr>
+        <p:cNvPr id="1" name=""/>
+        <p:cNvGrpSpPr/>
+        <p:nvPr/>
+      </p:nvGrpSpPr>
+      <p:grpSpPr>
+        <a:xfrm>
+          <a:off x="0" y="0"/>
+          <a:ext cx="0" cy="0"/>
+          <a:chOff x="0" y="0"/>
+          <a:chExt cx="0" cy="0"/>
+        </a:xfrm>
+      </p:grpSpPr>
+      <p:sp>
+        <p:nvSpPr>
+          <p:cNvPr id="2" name="Titre 1">
+            <a:extLst>
+              <a:ext uri="{FF2B5EF4-FFF2-40B4-BE49-F238E27FC236}">
+                <a16:creationId xmlns:a16="http://schemas.microsoft.com/office/drawing/2014/main" id="{9C9018E5-536D-4459-8F66-50C173765663}"/>
+              </a:ext>
+            </a:extLst>
+          </p:cNvPr>
+          <p:cNvSpPr>
+            <a:spLocks noGrp="1"/>
+          </p:cNvSpPr>
+          <p:nvPr>
+            <p:ph type="ctrTitle"/>
+          </p:nvPr>
+        </p:nvSpPr>
+        <p:spPr>
+          <a:xfrm>
+            <a:off x="2509284" y="2721934"/>
+            <a:ext cx="7767073" cy="1164745"/>
+          </a:xfrm>
+        </p:spPr>
+        <p:txBody>
+          <a:bodyPr/>
+          <a:lstStyle/>
+          <a:p>
+            <a:r>
+              <a:rPr lang="fr-FR" sz="6000" dirty="0"/>
+              <a:t>Logique de composants</a:t>
+            </a:r>
+          </a:p>
+        </p:txBody>
+      </p:sp>
+    </p:spTree>
+    <p:extLst>
+      <p:ext uri="{BB962C8B-B14F-4D97-AF65-F5344CB8AC3E}">
+        <p14:creationId xmlns:p14="http://schemas.microsoft.com/office/powerpoint/2010/main" val="1760020557"/>
+      </p:ext>
+    </p:extLst>
+  </p:cSld>
+  <p:clrMapOvr>
+    <a:masterClrMapping/>
+  </p:clrMapOvr>
+</p:sld>
+</file>
+
+<file path=ppt/slides/slide31.xml><?xml version="1.0" encoding="utf-8"?>
+<p:sld xmlns:a="http://schemas.openxmlformats.org/drawingml/2006/main" xmlns:r="http://schemas.openxmlformats.org/officeDocument/2006/relationships" xmlns:p="http://schemas.openxmlformats.org/presentationml/2006/main">
+  <p:cSld>
+    <p:spTree>
+      <p:nvGrpSpPr>
+        <p:cNvPr id="1" name=""/>
+        <p:cNvGrpSpPr/>
+        <p:nvPr/>
+      </p:nvGrpSpPr>
+      <p:grpSpPr>
+        <a:xfrm>
+          <a:off x="0" y="0"/>
+          <a:ext cx="0" cy="0"/>
+          <a:chOff x="0" y="0"/>
+          <a:chExt cx="0" cy="0"/>
+        </a:xfrm>
+      </p:grpSpPr>
+      <p:sp>
+        <p:nvSpPr>
+          <p:cNvPr id="2" name="Titre 1">
+            <a:extLst>
+              <a:ext uri="{FF2B5EF4-FFF2-40B4-BE49-F238E27FC236}">
+                <a16:creationId xmlns:a16="http://schemas.microsoft.com/office/drawing/2014/main" id="{FB827C1C-0F3A-431C-A32A-718F083EF2BF}"/>
+              </a:ext>
+            </a:extLst>
+          </p:cNvPr>
+          <p:cNvSpPr>
+            <a:spLocks noGrp="1"/>
+          </p:cNvSpPr>
+          <p:nvPr>
+            <p:ph type="title"/>
+          </p:nvPr>
+        </p:nvSpPr>
+        <p:spPr>
+          <a:xfrm>
+            <a:off x="1023562" y="685800"/>
+            <a:ext cx="10493524" cy="947057"/>
+          </a:xfrm>
+        </p:spPr>
+        <p:txBody>
+          <a:bodyPr>
+            <a:normAutofit/>
+          </a:bodyPr>
+          <a:lstStyle/>
+          <a:p>
+            <a:r>
+              <a:rPr lang="fr-FR" dirty="0"/>
+              <a:t>Présentation</a:t>
+            </a:r>
+            <a:endParaRPr lang="fr-FR" sz="4400" dirty="0"/>
+          </a:p>
+        </p:txBody>
+      </p:sp>
+      <p:sp>
+        <p:nvSpPr>
+          <p:cNvPr id="3" name="Espace réservé du contenu 2">
+            <a:extLst>
+              <a:ext uri="{FF2B5EF4-FFF2-40B4-BE49-F238E27FC236}">
+                <a16:creationId xmlns:a16="http://schemas.microsoft.com/office/drawing/2014/main" id="{39787187-24FB-4A40-9DAC-0C87D14BE1FC}"/>
+              </a:ext>
+            </a:extLst>
+          </p:cNvPr>
+          <p:cNvSpPr>
+            <a:spLocks noGrp="1"/>
+          </p:cNvSpPr>
+          <p:nvPr>
+            <p:ph idx="1"/>
+          </p:nvPr>
+        </p:nvSpPr>
+        <p:spPr>
+          <a:xfrm>
+            <a:off x="1023560" y="1396278"/>
+            <a:ext cx="10493523" cy="2728913"/>
+          </a:xfrm>
+        </p:spPr>
+        <p:txBody>
+          <a:bodyPr>
+            <a:normAutofit/>
+          </a:bodyPr>
+          <a:lstStyle/>
+          <a:p>
+            <a:r>
+              <a:rPr lang="fr-FR" sz="1800" dirty="0"/>
+              <a:t>Possibilité de créer des composants de vues.</a:t>
+            </a:r>
+          </a:p>
+          <a:p>
+            <a:r>
+              <a:rPr lang="fr-FR" sz="1800" dirty="0"/>
+              <a:t>Même principe que les composants pouvant être créés avec les Framework JavaScript/</a:t>
+            </a:r>
+            <a:r>
+              <a:rPr lang="fr-FR" sz="1800" dirty="0" err="1"/>
+              <a:t>Typescript</a:t>
+            </a:r>
+            <a:r>
+              <a:rPr lang="fr-FR" sz="1800" dirty="0"/>
+              <a:t> (</a:t>
+            </a:r>
+            <a:r>
+              <a:rPr lang="fr-FR" sz="1800" dirty="0" err="1"/>
+              <a:t>Angular</a:t>
+            </a:r>
+            <a:r>
+              <a:rPr lang="fr-FR" sz="1800" dirty="0"/>
+              <a:t>, </a:t>
+            </a:r>
+            <a:r>
+              <a:rPr lang="fr-FR" sz="1800" dirty="0" err="1"/>
+              <a:t>React</a:t>
+            </a:r>
+            <a:r>
+              <a:rPr lang="fr-FR" sz="1800" dirty="0"/>
+              <a:t>, Vue…).</a:t>
+            </a:r>
+          </a:p>
+          <a:p>
+            <a:r>
+              <a:rPr lang="fr-FR" sz="1800" dirty="0"/>
+              <a:t>Interprétation des composants réalisés côté serveur, AVANT de renvoyer la page.</a:t>
+            </a:r>
+          </a:p>
+          <a:p>
+            <a:r>
+              <a:rPr lang="fr-FR" sz="1800" dirty="0"/>
+              <a:t>Performance élevée.</a:t>
+            </a:r>
+          </a:p>
+          <a:p>
+            <a:r>
+              <a:rPr lang="fr-FR" sz="1800" dirty="0"/>
+              <a:t>Mise en place simple.</a:t>
+            </a:r>
+          </a:p>
+          <a:p>
+            <a:r>
+              <a:rPr lang="fr-FR" sz="1800" dirty="0"/>
+              <a:t>Scalabilité et réutilisabilité du code</a:t>
+            </a:r>
+          </a:p>
+        </p:txBody>
+      </p:sp>
+      <p:pic>
+        <p:nvPicPr>
+          <p:cNvPr id="7" name="Image 6">
+            <a:extLst>
+              <a:ext uri="{FF2B5EF4-FFF2-40B4-BE49-F238E27FC236}">
+                <a16:creationId xmlns:a16="http://schemas.microsoft.com/office/drawing/2014/main" id="{297FBEB3-E520-4FE2-9A4F-FC08F5D66085}"/>
+              </a:ext>
+            </a:extLst>
+          </p:cNvPr>
+          <p:cNvPicPr>
+            <a:picLocks noChangeAspect="1"/>
+          </p:cNvPicPr>
+          <p:nvPr/>
+        </p:nvPicPr>
+        <p:blipFill>
+          <a:blip r:embed="rId2"/>
+          <a:stretch>
+            <a:fillRect/>
+          </a:stretch>
+        </p:blipFill>
+        <p:spPr>
+          <a:xfrm>
+            <a:off x="1023560" y="4517448"/>
+            <a:ext cx="4876800" cy="857250"/>
+          </a:xfrm>
+          <a:prstGeom prst="rect">
+            <a:avLst/>
+          </a:prstGeom>
+        </p:spPr>
+      </p:pic>
+    </p:spTree>
+    <p:extLst>
+      <p:ext uri="{BB962C8B-B14F-4D97-AF65-F5344CB8AC3E}">
+        <p14:creationId xmlns:p14="http://schemas.microsoft.com/office/powerpoint/2010/main" val="2750275744"/>
+      </p:ext>
+    </p:extLst>
+  </p:cSld>
+  <p:clrMapOvr>
+    <a:masterClrMapping/>
+  </p:clrMapOvr>
+  <p:timing>
+    <p:tnLst>
+      <p:par>
+        <p:cTn id="1" dur="indefinite" restart="never" nodeType="tmRoot">
+          <p:childTnLst>
+            <p:seq concurrent="1" nextAc="seek">
+              <p:cTn id="2" dur="indefinite" nodeType="mainSeq">
+                <p:childTnLst>
+                  <p:par>
+                    <p:cTn id="3" fill="hold">
+                      <p:stCondLst>
+                        <p:cond delay="indefinite"/>
+                        <p:cond evt="onBegin" delay="0">
+                          <p:tn val="2"/>
+                        </p:cond>
+                      </p:stCondLst>
+                      <p:childTnLst>
+                        <p:par>
+                          <p:cTn id="4" fill="hold">
+                            <p:stCondLst>
+                              <p:cond delay="0"/>
+                            </p:stCondLst>
+                            <p:childTnLst>
+                              <p:par>
+                                <p:cTn id="5" presetID="10" presetClass="entr" presetSubtype="0" fill="hold" grpId="0" nodeType="withEffect">
+                                  <p:stCondLst>
+                                    <p:cond delay="0"/>
+                                  </p:stCondLst>
+                                  <p:childTnLst>
+                                    <p:set>
+                                      <p:cBhvr>
+                                        <p:cTn id="6" dur="1" fill="hold">
+                                          <p:stCondLst>
+                                            <p:cond delay="0"/>
+                                          </p:stCondLst>
+                                        </p:cTn>
+                                        <p:tgtEl>
+                                          <p:spTgt spid="3">
+                                            <p:txEl>
+                                              <p:pRg st="0" end="0"/>
+                                            </p:txEl>
+                                          </p:spTgt>
+                                        </p:tgtEl>
+                                        <p:attrNameLst>
+                                          <p:attrName>style.visibility</p:attrName>
+                                        </p:attrNameLst>
+                                      </p:cBhvr>
+                                      <p:to>
+                                        <p:strVal val="visible"/>
+                                      </p:to>
+                                    </p:set>
+                                    <p:animEffect transition="in" filter="fade">
+                                      <p:cBhvr>
+                                        <p:cTn id="7" dur="500"/>
+                                        <p:tgtEl>
+                                          <p:spTgt spid="3">
+                                            <p:txEl>
+                                              <p:pRg st="0" end="0"/>
+                                            </p:txEl>
+                                          </p:spTgt>
+                                        </p:tgtEl>
+                                      </p:cBhvr>
+                                    </p:animEffect>
+                                  </p:childTnLst>
+                                </p:cTn>
+                              </p:par>
+                              <p:par>
+                                <p:cTn id="8" presetID="10" presetClass="entr" presetSubtype="0" fill="hold" grpId="0" nodeType="withEffect">
+                                  <p:stCondLst>
+                                    <p:cond delay="0"/>
+                                  </p:stCondLst>
+                                  <p:childTnLst>
+                                    <p:set>
+                                      <p:cBhvr>
+                                        <p:cTn id="9" dur="1" fill="hold">
+                                          <p:stCondLst>
+                                            <p:cond delay="0"/>
+                                          </p:stCondLst>
+                                        </p:cTn>
+                                        <p:tgtEl>
+                                          <p:spTgt spid="3">
+                                            <p:txEl>
+                                              <p:pRg st="1" end="1"/>
+                                            </p:txEl>
+                                          </p:spTgt>
+                                        </p:tgtEl>
+                                        <p:attrNameLst>
+                                          <p:attrName>style.visibility</p:attrName>
+                                        </p:attrNameLst>
+                                      </p:cBhvr>
+                                      <p:to>
+                                        <p:strVal val="visible"/>
+                                      </p:to>
+                                    </p:set>
+                                    <p:animEffect transition="in" filter="fade">
+                                      <p:cBhvr>
+                                        <p:cTn id="10" dur="500"/>
+                                        <p:tgtEl>
+                                          <p:spTgt spid="3">
+                                            <p:txEl>
+                                              <p:pRg st="1" end="1"/>
+                                            </p:txEl>
+                                          </p:spTgt>
+                                        </p:tgtEl>
+                                      </p:cBhvr>
+                                    </p:animEffect>
+                                  </p:childTnLst>
+                                </p:cTn>
+                              </p:par>
+                              <p:par>
+                                <p:cTn id="11" presetID="10" presetClass="entr" presetSubtype="0" fill="hold" grpId="0" nodeType="withEffect">
+                                  <p:stCondLst>
+                                    <p:cond delay="0"/>
+                                  </p:stCondLst>
+                                  <p:childTnLst>
+                                    <p:set>
+                                      <p:cBhvr>
+                                        <p:cTn id="12" dur="1" fill="hold">
+                                          <p:stCondLst>
+                                            <p:cond delay="0"/>
+                                          </p:stCondLst>
+                                        </p:cTn>
+                                        <p:tgtEl>
+                                          <p:spTgt spid="3">
+                                            <p:txEl>
+                                              <p:pRg st="2" end="2"/>
+                                            </p:txEl>
+                                          </p:spTgt>
+                                        </p:tgtEl>
+                                        <p:attrNameLst>
+                                          <p:attrName>style.visibility</p:attrName>
+                                        </p:attrNameLst>
+                                      </p:cBhvr>
+                                      <p:to>
+                                        <p:strVal val="visible"/>
+                                      </p:to>
+                                    </p:set>
+                                    <p:animEffect transition="in" filter="fade">
+                                      <p:cBhvr>
+                                        <p:cTn id="13" dur="500"/>
+                                        <p:tgtEl>
+                                          <p:spTgt spid="3">
+                                            <p:txEl>
+                                              <p:pRg st="2" end="2"/>
+                                            </p:txEl>
+                                          </p:spTgt>
+                                        </p:tgtEl>
+                                      </p:cBhvr>
+                                    </p:animEffect>
+                                  </p:childTnLst>
+                                </p:cTn>
+                              </p:par>
+                              <p:par>
+                                <p:cTn id="14" presetID="10" presetClass="entr" presetSubtype="0" fill="hold" grpId="0" nodeType="withEffect">
+                                  <p:stCondLst>
+                                    <p:cond delay="0"/>
+                                  </p:stCondLst>
+                                  <p:childTnLst>
+                                    <p:set>
+                                      <p:cBhvr>
+                                        <p:cTn id="15" dur="1" fill="hold">
+                                          <p:stCondLst>
+                                            <p:cond delay="0"/>
+                                          </p:stCondLst>
+                                        </p:cTn>
+                                        <p:tgtEl>
+                                          <p:spTgt spid="3">
+                                            <p:txEl>
+                                              <p:pRg st="3" end="3"/>
+                                            </p:txEl>
+                                          </p:spTgt>
+                                        </p:tgtEl>
+                                        <p:attrNameLst>
+                                          <p:attrName>style.visibility</p:attrName>
+                                        </p:attrNameLst>
+                                      </p:cBhvr>
+                                      <p:to>
+                                        <p:strVal val="visible"/>
+                                      </p:to>
+                                    </p:set>
+                                    <p:animEffect transition="in" filter="fade">
+                                      <p:cBhvr>
+                                        <p:cTn id="16" dur="500"/>
+                                        <p:tgtEl>
+                                          <p:spTgt spid="3">
+                                            <p:txEl>
+                                              <p:pRg st="3" end="3"/>
+                                            </p:txEl>
+                                          </p:spTgt>
+                                        </p:tgtEl>
+                                      </p:cBhvr>
+                                    </p:animEffect>
+                                  </p:childTnLst>
+                                </p:cTn>
+                              </p:par>
+                              <p:par>
+                                <p:cTn id="17" presetID="10" presetClass="entr" presetSubtype="0" fill="hold" grpId="0" nodeType="withEffect">
+                                  <p:stCondLst>
+                                    <p:cond delay="0"/>
+                                  </p:stCondLst>
+                                  <p:childTnLst>
+                                    <p:set>
+                                      <p:cBhvr>
+                                        <p:cTn id="18" dur="1" fill="hold">
+                                          <p:stCondLst>
+                                            <p:cond delay="0"/>
+                                          </p:stCondLst>
+                                        </p:cTn>
+                                        <p:tgtEl>
+                                          <p:spTgt spid="3">
+                                            <p:txEl>
+                                              <p:pRg st="4" end="4"/>
+                                            </p:txEl>
+                                          </p:spTgt>
+                                        </p:tgtEl>
+                                        <p:attrNameLst>
+                                          <p:attrName>style.visibility</p:attrName>
+                                        </p:attrNameLst>
+                                      </p:cBhvr>
+                                      <p:to>
+                                        <p:strVal val="visible"/>
+                                      </p:to>
+                                    </p:set>
+                                    <p:animEffect transition="in" filter="fade">
+                                      <p:cBhvr>
+                                        <p:cTn id="19" dur="500"/>
+                                        <p:tgtEl>
+                                          <p:spTgt spid="3">
+                                            <p:txEl>
+                                              <p:pRg st="4" end="4"/>
+                                            </p:txEl>
+                                          </p:spTgt>
+                                        </p:tgtEl>
+                                      </p:cBhvr>
+                                    </p:animEffect>
+                                  </p:childTnLst>
+                                </p:cTn>
+                              </p:par>
+                              <p:par>
+                                <p:cTn id="20" presetID="10" presetClass="entr" presetSubtype="0" fill="hold" grpId="0" nodeType="withEffect">
+                                  <p:stCondLst>
+                                    <p:cond delay="0"/>
+                                  </p:stCondLst>
+                                  <p:childTnLst>
+                                    <p:set>
+                                      <p:cBhvr>
+                                        <p:cTn id="21" dur="1" fill="hold">
+                                          <p:stCondLst>
+                                            <p:cond delay="0"/>
+                                          </p:stCondLst>
+                                        </p:cTn>
+                                        <p:tgtEl>
+                                          <p:spTgt spid="3">
+                                            <p:txEl>
+                                              <p:pRg st="5" end="5"/>
+                                            </p:txEl>
+                                          </p:spTgt>
+                                        </p:tgtEl>
+                                        <p:attrNameLst>
+                                          <p:attrName>style.visibility</p:attrName>
+                                        </p:attrNameLst>
+                                      </p:cBhvr>
+                                      <p:to>
+                                        <p:strVal val="visible"/>
+                                      </p:to>
+                                    </p:set>
+                                    <p:animEffect transition="in" filter="fade">
+                                      <p:cBhvr>
+                                        <p:cTn id="22" dur="500"/>
+                                        <p:tgtEl>
+                                          <p:spTgt spid="3">
+                                            <p:txEl>
+                                              <p:pRg st="5" end="5"/>
+                                            </p:txEl>
+                                          </p:spTgt>
+                                        </p:tgtEl>
+                                      </p:cBhvr>
+                                    </p:animEffect>
+                                  </p:childTnLst>
+                                </p:cTn>
+                              </p:par>
+                            </p:childTnLst>
+                          </p:cTn>
+                        </p:par>
+                      </p:childTnLst>
+                    </p:cTn>
+                  </p:par>
+                  <p:par>
+                    <p:cTn id="23" fill="hold">
+                      <p:stCondLst>
+                        <p:cond delay="indefinite"/>
+                      </p:stCondLst>
+                      <p:childTnLst>
+                        <p:par>
+                          <p:cTn id="24" fill="hold">
+                            <p:stCondLst>
+                              <p:cond delay="0"/>
+                            </p:stCondLst>
+                            <p:childTnLst>
+                              <p:par>
+                                <p:cTn id="25" presetID="10" presetClass="entr" presetSubtype="0" fill="hold" nodeType="clickEffect">
+                                  <p:stCondLst>
+                                    <p:cond delay="0"/>
+                                  </p:stCondLst>
+                                  <p:childTnLst>
+                                    <p:set>
+                                      <p:cBhvr>
+                                        <p:cTn id="26" dur="1" fill="hold">
+                                          <p:stCondLst>
+                                            <p:cond delay="0"/>
+                                          </p:stCondLst>
+                                        </p:cTn>
+                                        <p:tgtEl>
+                                          <p:spTgt spid="7"/>
+                                        </p:tgtEl>
+                                        <p:attrNameLst>
+                                          <p:attrName>style.visibility</p:attrName>
+                                        </p:attrNameLst>
+                                      </p:cBhvr>
+                                      <p:to>
+                                        <p:strVal val="visible"/>
+                                      </p:to>
+                                    </p:set>
+                                    <p:animEffect transition="in" filter="fade">
+                                      <p:cBhvr>
+                                        <p:cTn id="27" dur="500"/>
+                                        <p:tgtEl>
+                                          <p:spTgt spid="7"/>
+                                        </p:tgtEl>
+                                      </p:cBhvr>
+                                    </p:animEffect>
+                                  </p:childTnLst>
+                                </p:cTn>
+                              </p:par>
+                            </p:childTnLst>
+                          </p:cTn>
+                        </p:par>
+                      </p:childTnLst>
+                    </p:cTn>
+                  </p:par>
+                </p:childTnLst>
+              </p:cTn>
+              <p:prevCondLst>
+                <p:cond evt="onPrev" delay="0">
+                  <p:tgtEl>
+                    <p:sldTgt/>
+                  </p:tgtEl>
+                </p:cond>
+              </p:prevCondLst>
+              <p:nextCondLst>
+                <p:cond evt="onNext" delay="0">
+                  <p:tgtEl>
+                    <p:sldTgt/>
+                  </p:tgtEl>
+                </p:cond>
+              </p:nextCondLst>
+            </p:seq>
+          </p:childTnLst>
+        </p:cTn>
+      </p:par>
+    </p:tnLst>
+    <p:bldLst>
+      <p:bldP spid="3" grpId="0" uiExpand="1" build="p"/>
+    </p:bldLst>
+  </p:timing>
+</p:sld>
+</file>
+
+<file path=ppt/slides/slide32.xml><?xml version="1.0" encoding="utf-8"?>
+<p:sld xmlns:a="http://schemas.openxmlformats.org/drawingml/2006/main" xmlns:r="http://schemas.openxmlformats.org/officeDocument/2006/relationships" xmlns:p="http://schemas.openxmlformats.org/presentationml/2006/main">
+  <p:cSld>
+    <p:spTree>
+      <p:nvGrpSpPr>
+        <p:cNvPr id="1" name=""/>
+        <p:cNvGrpSpPr/>
+        <p:nvPr/>
+      </p:nvGrpSpPr>
+      <p:grpSpPr>
+        <a:xfrm>
+          <a:off x="0" y="0"/>
+          <a:ext cx="0" cy="0"/>
+          <a:chOff x="0" y="0"/>
+          <a:chExt cx="0" cy="0"/>
+        </a:xfrm>
+      </p:grpSpPr>
+      <p:sp>
+        <p:nvSpPr>
+          <p:cNvPr id="2" name="Titre 1">
+            <a:extLst>
+              <a:ext uri="{FF2B5EF4-FFF2-40B4-BE49-F238E27FC236}">
+                <a16:creationId xmlns:a16="http://schemas.microsoft.com/office/drawing/2014/main" id="{FB827C1C-0F3A-431C-A32A-718F083EF2BF}"/>
+              </a:ext>
+            </a:extLst>
+          </p:cNvPr>
+          <p:cNvSpPr>
+            <a:spLocks noGrp="1"/>
+          </p:cNvSpPr>
+          <p:nvPr>
+            <p:ph type="title"/>
+          </p:nvPr>
+        </p:nvSpPr>
+        <p:spPr>
+          <a:xfrm>
+            <a:off x="1023562" y="685800"/>
+            <a:ext cx="10493524" cy="947057"/>
+          </a:xfrm>
+        </p:spPr>
+        <p:txBody>
+          <a:bodyPr>
+            <a:normAutofit/>
+          </a:bodyPr>
+          <a:lstStyle/>
+          <a:p>
+            <a:r>
+              <a:rPr lang="fr-FR" dirty="0"/>
+              <a:t>Création d’un composant</a:t>
+            </a:r>
+            <a:endParaRPr lang="fr-FR" sz="4400" dirty="0"/>
+          </a:p>
+        </p:txBody>
+      </p:sp>
+      <p:sp>
+        <p:nvSpPr>
+          <p:cNvPr id="3" name="Espace réservé du contenu 2">
+            <a:extLst>
+              <a:ext uri="{FF2B5EF4-FFF2-40B4-BE49-F238E27FC236}">
+                <a16:creationId xmlns:a16="http://schemas.microsoft.com/office/drawing/2014/main" id="{39787187-24FB-4A40-9DAC-0C87D14BE1FC}"/>
+              </a:ext>
+            </a:extLst>
+          </p:cNvPr>
+          <p:cNvSpPr>
+            <a:spLocks noGrp="1"/>
+          </p:cNvSpPr>
+          <p:nvPr>
+            <p:ph idx="1"/>
+          </p:nvPr>
+        </p:nvSpPr>
+        <p:spPr>
+          <a:xfrm>
+            <a:off x="1023564" y="1531359"/>
+            <a:ext cx="6302028" cy="2728913"/>
+          </a:xfrm>
+        </p:spPr>
+        <p:txBody>
+          <a:bodyPr>
+            <a:normAutofit/>
+          </a:bodyPr>
+          <a:lstStyle/>
+          <a:p>
+            <a:r>
+              <a:rPr lang="fr-FR" sz="1800" dirty="0"/>
+              <a:t>Un composant contient une vue, et un fichier de code C#.</a:t>
+            </a:r>
+          </a:p>
+          <a:p>
+            <a:r>
+              <a:rPr lang="fr-FR" sz="1800" dirty="0"/>
+              <a:t>La vue permet de définir le code HTML à afficher.</a:t>
+            </a:r>
+          </a:p>
+          <a:p>
+            <a:r>
+              <a:rPr lang="fr-FR" sz="1800" dirty="0"/>
+              <a:t>Le fichier C# permet de définir l’appel à la vue, et éventuellement les paramètres à lui passer.</a:t>
+            </a:r>
+          </a:p>
+        </p:txBody>
+      </p:sp>
+      <p:pic>
+        <p:nvPicPr>
+          <p:cNvPr id="4" name="Image 3">
+            <a:extLst>
+              <a:ext uri="{FF2B5EF4-FFF2-40B4-BE49-F238E27FC236}">
+                <a16:creationId xmlns:a16="http://schemas.microsoft.com/office/drawing/2014/main" id="{B3A95339-1B76-4712-B2A3-DB2CCF7A800F}"/>
+              </a:ext>
+            </a:extLst>
+          </p:cNvPr>
+          <p:cNvPicPr>
+            <a:picLocks noChangeAspect="1"/>
+          </p:cNvPicPr>
+          <p:nvPr/>
+        </p:nvPicPr>
+        <p:blipFill>
+          <a:blip r:embed="rId2"/>
+          <a:stretch>
+            <a:fillRect/>
+          </a:stretch>
+        </p:blipFill>
+        <p:spPr>
+          <a:xfrm>
+            <a:off x="7708712" y="1270907"/>
+            <a:ext cx="3086100" cy="723900"/>
+          </a:xfrm>
+          <a:prstGeom prst="rect">
+            <a:avLst/>
+          </a:prstGeom>
+        </p:spPr>
+      </p:pic>
+      <p:pic>
+        <p:nvPicPr>
+          <p:cNvPr id="5" name="Image 4">
+            <a:extLst>
+              <a:ext uri="{FF2B5EF4-FFF2-40B4-BE49-F238E27FC236}">
+                <a16:creationId xmlns:a16="http://schemas.microsoft.com/office/drawing/2014/main" id="{1EE987AD-7629-4D9E-9741-38C6914EDBD1}"/>
+              </a:ext>
+            </a:extLst>
+          </p:cNvPr>
+          <p:cNvPicPr>
+            <a:picLocks noChangeAspect="1"/>
+          </p:cNvPicPr>
+          <p:nvPr/>
+        </p:nvPicPr>
+        <p:blipFill>
+          <a:blip r:embed="rId3"/>
+          <a:stretch>
+            <a:fillRect/>
+          </a:stretch>
+        </p:blipFill>
+        <p:spPr>
+          <a:xfrm>
+            <a:off x="6697436" y="2106385"/>
+            <a:ext cx="4819650" cy="1724025"/>
+          </a:xfrm>
+          <a:prstGeom prst="rect">
+            <a:avLst/>
+          </a:prstGeom>
+        </p:spPr>
+      </p:pic>
+      <p:pic>
+        <p:nvPicPr>
+          <p:cNvPr id="6" name="Image 5">
+            <a:extLst>
+              <a:ext uri="{FF2B5EF4-FFF2-40B4-BE49-F238E27FC236}">
+                <a16:creationId xmlns:a16="http://schemas.microsoft.com/office/drawing/2014/main" id="{89AC8DD7-B1D0-46D2-B1D8-A42864406C0F}"/>
+              </a:ext>
+            </a:extLst>
+          </p:cNvPr>
+          <p:cNvPicPr>
+            <a:picLocks noChangeAspect="1"/>
+          </p:cNvPicPr>
+          <p:nvPr/>
+        </p:nvPicPr>
+        <p:blipFill>
+          <a:blip r:embed="rId4"/>
+          <a:stretch>
+            <a:fillRect/>
+          </a:stretch>
+        </p:blipFill>
+        <p:spPr>
+          <a:xfrm>
+            <a:off x="1038841" y="3941989"/>
+            <a:ext cx="9505950" cy="2705100"/>
+          </a:xfrm>
+          <a:prstGeom prst="rect">
+            <a:avLst/>
+          </a:prstGeom>
+        </p:spPr>
+      </p:pic>
+    </p:spTree>
+    <p:extLst>
+      <p:ext uri="{BB962C8B-B14F-4D97-AF65-F5344CB8AC3E}">
+        <p14:creationId xmlns:p14="http://schemas.microsoft.com/office/powerpoint/2010/main" val="2711100723"/>
+      </p:ext>
+    </p:extLst>
+  </p:cSld>
+  <p:clrMapOvr>
+    <a:masterClrMapping/>
+  </p:clrMapOvr>
+  <p:timing>
+    <p:tnLst>
+      <p:par>
+        <p:cTn id="1" dur="indefinite" restart="never" nodeType="tmRoot">
+          <p:childTnLst>
+            <p:seq concurrent="1" nextAc="seek">
+              <p:cTn id="2" dur="indefinite" nodeType="mainSeq">
+                <p:childTnLst>
+                  <p:par>
+                    <p:cTn id="3" fill="hold">
+                      <p:stCondLst>
+                        <p:cond delay="indefinite"/>
+                        <p:cond evt="onBegin" delay="0">
+                          <p:tn val="2"/>
+                        </p:cond>
+                      </p:stCondLst>
+                      <p:childTnLst>
+                        <p:par>
+                          <p:cTn id="4" fill="hold">
+                            <p:stCondLst>
+                              <p:cond delay="0"/>
+                            </p:stCondLst>
+                            <p:childTnLst>
+                              <p:par>
+                                <p:cTn id="5" presetID="10" presetClass="entr" presetSubtype="0" fill="hold" grpId="0" nodeType="withEffect">
+                                  <p:stCondLst>
+                                    <p:cond delay="0"/>
+                                  </p:stCondLst>
+                                  <p:childTnLst>
+                                    <p:set>
+                                      <p:cBhvr>
+                                        <p:cTn id="6" dur="1" fill="hold">
+                                          <p:stCondLst>
+                                            <p:cond delay="0"/>
+                                          </p:stCondLst>
+                                        </p:cTn>
+                                        <p:tgtEl>
+                                          <p:spTgt spid="3">
+                                            <p:txEl>
+                                              <p:pRg st="0" end="0"/>
+                                            </p:txEl>
+                                          </p:spTgt>
+                                        </p:tgtEl>
+                                        <p:attrNameLst>
+                                          <p:attrName>style.visibility</p:attrName>
+                                        </p:attrNameLst>
+                                      </p:cBhvr>
+                                      <p:to>
+                                        <p:strVal val="visible"/>
+                                      </p:to>
+                                    </p:set>
+                                    <p:animEffect transition="in" filter="fade">
+                                      <p:cBhvr>
+                                        <p:cTn id="7" dur="500"/>
+                                        <p:tgtEl>
+                                          <p:spTgt spid="3">
+                                            <p:txEl>
+                                              <p:pRg st="0" end="0"/>
+                                            </p:txEl>
+                                          </p:spTgt>
+                                        </p:tgtEl>
+                                      </p:cBhvr>
+                                    </p:animEffect>
+                                  </p:childTnLst>
+                                </p:cTn>
+                              </p:par>
+                              <p:par>
+                                <p:cTn id="8" presetID="10" presetClass="entr" presetSubtype="0" fill="hold" nodeType="withEffect">
+                                  <p:stCondLst>
+                                    <p:cond delay="0"/>
+                                  </p:stCondLst>
+                                  <p:childTnLst>
+                                    <p:set>
+                                      <p:cBhvr>
+                                        <p:cTn id="9" dur="1" fill="hold">
+                                          <p:stCondLst>
+                                            <p:cond delay="0"/>
+                                          </p:stCondLst>
+                                        </p:cTn>
+                                        <p:tgtEl>
+                                          <p:spTgt spid="4"/>
+                                        </p:tgtEl>
+                                        <p:attrNameLst>
+                                          <p:attrName>style.visibility</p:attrName>
+                                        </p:attrNameLst>
+                                      </p:cBhvr>
+                                      <p:to>
+                                        <p:strVal val="visible"/>
+                                      </p:to>
+                                    </p:set>
+                                    <p:animEffect transition="in" filter="fade">
+                                      <p:cBhvr>
+                                        <p:cTn id="10" dur="500"/>
+                                        <p:tgtEl>
+                                          <p:spTgt spid="4"/>
+                                        </p:tgtEl>
+                                      </p:cBhvr>
+                                    </p:animEffect>
+                                  </p:childTnLst>
+                                </p:cTn>
+                              </p:par>
+                            </p:childTnLst>
+                          </p:cTn>
+                        </p:par>
+                      </p:childTnLst>
+                    </p:cTn>
+                  </p:par>
+                  <p:par>
+                    <p:cTn id="11" fill="hold">
+                      <p:stCondLst>
+                        <p:cond delay="indefinite"/>
+                      </p:stCondLst>
+                      <p:childTnLst>
+                        <p:par>
+                          <p:cTn id="12" fill="hold">
+                            <p:stCondLst>
+                              <p:cond delay="0"/>
+                            </p:stCondLst>
+                            <p:childTnLst>
+                              <p:par>
+                                <p:cTn id="13" presetID="10" presetClass="entr" presetSubtype="0" fill="hold" grpId="0" nodeType="clickEffect">
+                                  <p:stCondLst>
+                                    <p:cond delay="0"/>
+                                  </p:stCondLst>
+                                  <p:childTnLst>
+                                    <p:set>
+                                      <p:cBhvr>
+                                        <p:cTn id="14" dur="1" fill="hold">
+                                          <p:stCondLst>
+                                            <p:cond delay="0"/>
+                                          </p:stCondLst>
+                                        </p:cTn>
+                                        <p:tgtEl>
+                                          <p:spTgt spid="3">
+                                            <p:txEl>
+                                              <p:pRg st="1" end="1"/>
+                                            </p:txEl>
+                                          </p:spTgt>
+                                        </p:tgtEl>
+                                        <p:attrNameLst>
+                                          <p:attrName>style.visibility</p:attrName>
+                                        </p:attrNameLst>
+                                      </p:cBhvr>
+                                      <p:to>
+                                        <p:strVal val="visible"/>
+                                      </p:to>
+                                    </p:set>
+                                    <p:animEffect transition="in" filter="fade">
+                                      <p:cBhvr>
+                                        <p:cTn id="15" dur="500"/>
+                                        <p:tgtEl>
+                                          <p:spTgt spid="3">
+                                            <p:txEl>
+                                              <p:pRg st="1" end="1"/>
+                                            </p:txEl>
+                                          </p:spTgt>
+                                        </p:tgtEl>
+                                      </p:cBhvr>
+                                    </p:animEffect>
+                                  </p:childTnLst>
+                                </p:cTn>
+                              </p:par>
+                              <p:par>
+                                <p:cTn id="16" presetID="10" presetClass="entr" presetSubtype="0" fill="hold" nodeType="withEffect">
+                                  <p:stCondLst>
+                                    <p:cond delay="0"/>
+                                  </p:stCondLst>
+                                  <p:childTnLst>
+                                    <p:set>
+                                      <p:cBhvr>
+                                        <p:cTn id="17" dur="1" fill="hold">
+                                          <p:stCondLst>
+                                            <p:cond delay="0"/>
+                                          </p:stCondLst>
+                                        </p:cTn>
+                                        <p:tgtEl>
+                                          <p:spTgt spid="6"/>
+                                        </p:tgtEl>
+                                        <p:attrNameLst>
+                                          <p:attrName>style.visibility</p:attrName>
+                                        </p:attrNameLst>
+                                      </p:cBhvr>
+                                      <p:to>
+                                        <p:strVal val="visible"/>
+                                      </p:to>
+                                    </p:set>
+                                    <p:animEffect transition="in" filter="fade">
+                                      <p:cBhvr>
+                                        <p:cTn id="18" dur="500"/>
+                                        <p:tgtEl>
+                                          <p:spTgt spid="6"/>
+                                        </p:tgtEl>
+                                      </p:cBhvr>
+                                    </p:animEffect>
+                                  </p:childTnLst>
+                                </p:cTn>
+                              </p:par>
+                            </p:childTnLst>
+                          </p:cTn>
+                        </p:par>
+                      </p:childTnLst>
+                    </p:cTn>
+                  </p:par>
+                  <p:par>
+                    <p:cTn id="19" fill="hold">
+                      <p:stCondLst>
+                        <p:cond delay="indefinite"/>
+                      </p:stCondLst>
+                      <p:childTnLst>
+                        <p:par>
+                          <p:cTn id="20" fill="hold">
+                            <p:stCondLst>
+                              <p:cond delay="0"/>
+                            </p:stCondLst>
+                            <p:childTnLst>
+                              <p:par>
+                                <p:cTn id="21" presetID="10" presetClass="entr" presetSubtype="0" fill="hold" grpId="0" nodeType="clickEffect">
+                                  <p:stCondLst>
+                                    <p:cond delay="0"/>
+                                  </p:stCondLst>
+                                  <p:childTnLst>
+                                    <p:set>
+                                      <p:cBhvr>
+                                        <p:cTn id="22" dur="1" fill="hold">
+                                          <p:stCondLst>
+                                            <p:cond delay="0"/>
+                                          </p:stCondLst>
+                                        </p:cTn>
+                                        <p:tgtEl>
+                                          <p:spTgt spid="3">
+                                            <p:txEl>
+                                              <p:pRg st="2" end="2"/>
+                                            </p:txEl>
+                                          </p:spTgt>
+                                        </p:tgtEl>
+                                        <p:attrNameLst>
+                                          <p:attrName>style.visibility</p:attrName>
+                                        </p:attrNameLst>
+                                      </p:cBhvr>
+                                      <p:to>
+                                        <p:strVal val="visible"/>
+                                      </p:to>
+                                    </p:set>
+                                    <p:animEffect transition="in" filter="fade">
+                                      <p:cBhvr>
+                                        <p:cTn id="23" dur="500"/>
+                                        <p:tgtEl>
+                                          <p:spTgt spid="3">
+                                            <p:txEl>
+                                              <p:pRg st="2" end="2"/>
+                                            </p:txEl>
+                                          </p:spTgt>
+                                        </p:tgtEl>
+                                      </p:cBhvr>
+                                    </p:animEffect>
+                                  </p:childTnLst>
+                                </p:cTn>
+                              </p:par>
+                              <p:par>
+                                <p:cTn id="24" presetID="10" presetClass="entr" presetSubtype="0" fill="hold" nodeType="withEffect">
+                                  <p:stCondLst>
+                                    <p:cond delay="0"/>
+                                  </p:stCondLst>
+                                  <p:childTnLst>
+                                    <p:set>
+                                      <p:cBhvr>
+                                        <p:cTn id="25" dur="1" fill="hold">
+                                          <p:stCondLst>
+                                            <p:cond delay="0"/>
+                                          </p:stCondLst>
+                                        </p:cTn>
+                                        <p:tgtEl>
+                                          <p:spTgt spid="5"/>
+                                        </p:tgtEl>
+                                        <p:attrNameLst>
+                                          <p:attrName>style.visibility</p:attrName>
+                                        </p:attrNameLst>
+                                      </p:cBhvr>
+                                      <p:to>
+                                        <p:strVal val="visible"/>
+                                      </p:to>
+                                    </p:set>
+                                    <p:animEffect transition="in" filter="fade">
+                                      <p:cBhvr>
+                                        <p:cTn id="26" dur="500"/>
+                                        <p:tgtEl>
+                                          <p:spTgt spid="5"/>
+                                        </p:tgtEl>
+                                      </p:cBhvr>
+                                    </p:animEffect>
+                                  </p:childTnLst>
+                                </p:cTn>
+                              </p:par>
+                            </p:childTnLst>
+                          </p:cTn>
+                        </p:par>
+                      </p:childTnLst>
+                    </p:cTn>
+                  </p:par>
+                </p:childTnLst>
+              </p:cTn>
+              <p:prevCondLst>
+                <p:cond evt="onPrev" delay="0">
+                  <p:tgtEl>
+                    <p:sldTgt/>
+                  </p:tgtEl>
+                </p:cond>
+              </p:prevCondLst>
+              <p:nextCondLst>
+                <p:cond evt="onNext" delay="0">
+                  <p:tgtEl>
+                    <p:sldTgt/>
+                  </p:tgtEl>
+                </p:cond>
+              </p:nextCondLst>
+            </p:seq>
+          </p:childTnLst>
+        </p:cTn>
+      </p:par>
+    </p:tnLst>
+    <p:bldLst>
+      <p:bldP spid="3" grpId="0" uiExpand="1" build="p"/>
+    </p:bldLst>
+  </p:timing>
+</p:sld>
+</file>
+
+<file path=ppt/slides/slide33.xml><?xml version="1.0" encoding="utf-8"?>
+<p:sld xmlns:a="http://schemas.openxmlformats.org/drawingml/2006/main" xmlns:r="http://schemas.openxmlformats.org/officeDocument/2006/relationships" xmlns:p="http://schemas.openxmlformats.org/presentationml/2006/main">
+  <p:cSld>
+    <p:spTree>
+      <p:nvGrpSpPr>
+        <p:cNvPr id="1" name=""/>
+        <p:cNvGrpSpPr/>
+        <p:nvPr/>
+      </p:nvGrpSpPr>
+      <p:grpSpPr>
+        <a:xfrm>
+          <a:off x="0" y="0"/>
+          <a:ext cx="0" cy="0"/>
+          <a:chOff x="0" y="0"/>
+          <a:chExt cx="0" cy="0"/>
+        </a:xfrm>
+      </p:grpSpPr>
+      <p:sp>
+        <p:nvSpPr>
+          <p:cNvPr id="2" name="Titre 1">
+            <a:extLst>
+              <a:ext uri="{FF2B5EF4-FFF2-40B4-BE49-F238E27FC236}">
+                <a16:creationId xmlns:a16="http://schemas.microsoft.com/office/drawing/2014/main" id="{9C9018E5-536D-4459-8F66-50C173765663}"/>
+              </a:ext>
+            </a:extLst>
+          </p:cNvPr>
+          <p:cNvSpPr>
+            <a:spLocks noGrp="1"/>
+          </p:cNvSpPr>
+          <p:nvPr>
+            <p:ph type="ctrTitle"/>
+          </p:nvPr>
+        </p:nvSpPr>
+        <p:spPr>
+          <a:xfrm>
+            <a:off x="2509284" y="2721934"/>
+            <a:ext cx="7767073" cy="1164745"/>
+          </a:xfrm>
+        </p:spPr>
+        <p:txBody>
+          <a:bodyPr/>
+          <a:lstStyle/>
+          <a:p>
+            <a:r>
+              <a:rPr lang="fr-FR" sz="6000" dirty="0"/>
+              <a:t>Convention plutôt que configuration</a:t>
+            </a:r>
+          </a:p>
+        </p:txBody>
+      </p:sp>
+    </p:spTree>
+    <p:extLst>
+      <p:ext uri="{BB962C8B-B14F-4D97-AF65-F5344CB8AC3E}">
+        <p14:creationId xmlns:p14="http://schemas.microsoft.com/office/powerpoint/2010/main" val="342950849"/>
+      </p:ext>
+    </p:extLst>
+  </p:cSld>
+  <p:clrMapOvr>
+    <a:masterClrMapping/>
+  </p:clrMapOvr>
+</p:sld>
+</file>
+
+<file path=ppt/slides/slide34.xml><?xml version="1.0" encoding="utf-8"?>
+<p:sld xmlns:a="http://schemas.openxmlformats.org/drawingml/2006/main" xmlns:r="http://schemas.openxmlformats.org/officeDocument/2006/relationships" xmlns:p="http://schemas.openxmlformats.org/presentationml/2006/main">
+  <p:cSld>
+    <p:bg>
+      <p:bgPr>
+        <a:solidFill>
+          <a:schemeClr val="bg2"/>
+        </a:solidFill>
+        <a:effectLst/>
+      </p:bgPr>
+    </p:bg>
+    <p:spTree>
+      <p:nvGrpSpPr>
+        <p:cNvPr id="1" name=""/>
+        <p:cNvGrpSpPr/>
+        <p:nvPr/>
+      </p:nvGrpSpPr>
+      <p:grpSpPr>
+        <a:xfrm>
+          <a:off x="0" y="0"/>
+          <a:ext cx="0" cy="0"/>
+          <a:chOff x="0" y="0"/>
+          <a:chExt cx="0" cy="0"/>
+        </a:xfrm>
+      </p:grpSpPr>
+      <p:sp>
+        <p:nvSpPr>
+          <p:cNvPr id="2" name="Titre 1">
+            <a:extLst>
+              <a:ext uri="{FF2B5EF4-FFF2-40B4-BE49-F238E27FC236}">
+                <a16:creationId xmlns:a16="http://schemas.microsoft.com/office/drawing/2014/main" id="{FB827C1C-0F3A-431C-A32A-718F083EF2BF}"/>
+              </a:ext>
+            </a:extLst>
+          </p:cNvPr>
+          <p:cNvSpPr>
+            <a:spLocks noGrp="1"/>
+          </p:cNvSpPr>
+          <p:nvPr>
+            <p:ph type="title"/>
+          </p:nvPr>
+        </p:nvSpPr>
+        <p:spPr>
+          <a:xfrm>
+            <a:off x="1390650" y="685800"/>
+            <a:ext cx="9886950" cy="1485900"/>
+          </a:xfrm>
+        </p:spPr>
+        <p:txBody>
+          <a:bodyPr>
+            <a:normAutofit/>
+          </a:bodyPr>
+          <a:lstStyle/>
+          <a:p>
+            <a:r>
+              <a:rPr lang="fr-FR" sz="4400" dirty="0"/>
+              <a:t>Simplicité d’utilisation</a:t>
+            </a:r>
+          </a:p>
+        </p:txBody>
+      </p:sp>
+      <p:sp>
+        <p:nvSpPr>
+          <p:cNvPr id="3" name="Espace réservé du contenu 2">
+            <a:extLst>
+              <a:ext uri="{FF2B5EF4-FFF2-40B4-BE49-F238E27FC236}">
+                <a16:creationId xmlns:a16="http://schemas.microsoft.com/office/drawing/2014/main" id="{39787187-24FB-4A40-9DAC-0C87D14BE1FC}"/>
+              </a:ext>
+            </a:extLst>
+          </p:cNvPr>
+          <p:cNvSpPr>
+            <a:spLocks noGrp="1"/>
+          </p:cNvSpPr>
+          <p:nvPr>
+            <p:ph idx="1"/>
+          </p:nvPr>
+        </p:nvSpPr>
+        <p:spPr>
+          <a:xfrm>
+            <a:off x="1390649" y="1537855"/>
+            <a:ext cx="6176776" cy="4329545"/>
+          </a:xfrm>
+        </p:spPr>
+        <p:txBody>
+          <a:bodyPr>
+            <a:normAutofit/>
+          </a:bodyPr>
+          <a:lstStyle/>
+          <a:p>
+            <a:r>
+              <a:rPr lang="fr-FR" sz="1400" dirty="0"/>
+              <a:t>Plutôt qu’avoir de nombreux fichiers de configurations, le C# utilise plutôt une convention.</a:t>
+            </a:r>
+          </a:p>
+          <a:p>
+            <a:r>
+              <a:rPr lang="fr-FR" sz="1400" dirty="0"/>
+              <a:t>Cela évite au développeur, en début de projet, de définir tous les paramètres nécessaires.</a:t>
+            </a:r>
+          </a:p>
+          <a:p>
+            <a:r>
+              <a:rPr lang="fr-FR" sz="1400" dirty="0"/>
+              <a:t>Les vues doivent se trouver dans le dossier « </a:t>
+            </a:r>
+            <a:r>
+              <a:rPr lang="fr-FR" sz="1400" dirty="0" err="1"/>
+              <a:t>Views</a:t>
+            </a:r>
+            <a:r>
+              <a:rPr lang="fr-FR" sz="1400" dirty="0"/>
+              <a:t> », et dans le sous dossier du nom du </a:t>
+            </a:r>
+            <a:r>
+              <a:rPr lang="fr-FR" sz="1400" dirty="0" err="1"/>
+              <a:t>controller</a:t>
+            </a:r>
+            <a:r>
+              <a:rPr lang="fr-FR" sz="1400" dirty="0"/>
+              <a:t>.</a:t>
+            </a:r>
+          </a:p>
+          <a:p>
+            <a:r>
+              <a:rPr lang="fr-FR" sz="1400" dirty="0"/>
+              <a:t>Les composants sont censés être dans le dossier « </a:t>
+            </a:r>
+            <a:r>
+              <a:rPr lang="fr-FR" sz="1400" dirty="0" err="1"/>
+              <a:t>Shared</a:t>
+            </a:r>
+            <a:r>
+              <a:rPr lang="fr-FR" sz="1400" dirty="0"/>
+              <a:t> ».</a:t>
+            </a:r>
+          </a:p>
+          <a:p>
+            <a:r>
+              <a:rPr lang="fr-FR" sz="1400" dirty="0"/>
+              <a:t>Les Controllers se trouvent dans le dossier « Controllers ».</a:t>
+            </a:r>
+          </a:p>
+          <a:p>
+            <a:r>
+              <a:rPr lang="fr-FR" sz="1400" dirty="0"/>
+              <a:t>Autre point intéressant, nous ne sommes pas obligés de donner le nom de la vue dans le Controller !</a:t>
+            </a:r>
+          </a:p>
+          <a:p>
+            <a:pPr lvl="1"/>
+            <a:r>
+              <a:rPr lang="fr-FR" sz="1400" dirty="0"/>
+              <a:t>Grâce à la convention, le Framework connait l’emplacement du fichier !</a:t>
+            </a:r>
+          </a:p>
+          <a:p>
+            <a:pPr lvl="1"/>
+            <a:r>
+              <a:rPr lang="fr-FR" sz="1400" dirty="0"/>
+              <a:t>Exemple : Un </a:t>
+            </a:r>
+            <a:r>
+              <a:rPr lang="fr-FR" sz="1400" dirty="0" err="1"/>
+              <a:t>controller</a:t>
+            </a:r>
+            <a:r>
+              <a:rPr lang="fr-FR" sz="1400" dirty="0"/>
+              <a:t> « </a:t>
+            </a:r>
+            <a:r>
+              <a:rPr lang="fr-FR" sz="1400" dirty="0" err="1"/>
+              <a:t>HomeController</a:t>
+            </a:r>
+            <a:r>
+              <a:rPr lang="fr-FR" sz="1400" dirty="0"/>
+              <a:t> » contient une méthode « </a:t>
+            </a:r>
+            <a:r>
+              <a:rPr lang="fr-FR" sz="1400" dirty="0" err="1"/>
+              <a:t>Privacy</a:t>
+            </a:r>
+            <a:r>
+              <a:rPr lang="fr-FR" sz="1400" dirty="0"/>
+              <a:t> », permettant de renvoyer vers la page du même nom. Celle doit alors se trouver dans « </a:t>
+            </a:r>
+            <a:r>
+              <a:rPr lang="fr-FR" sz="1400" dirty="0" err="1"/>
+              <a:t>Views</a:t>
+            </a:r>
+            <a:r>
+              <a:rPr lang="fr-FR" sz="1400" dirty="0"/>
+              <a:t>/Home/</a:t>
+            </a:r>
+            <a:r>
+              <a:rPr lang="fr-FR" sz="1400" dirty="0" err="1"/>
+              <a:t>Privacy.cshtml</a:t>
+            </a:r>
+            <a:r>
+              <a:rPr lang="fr-FR" sz="1400" dirty="0"/>
+              <a:t> »</a:t>
+            </a:r>
+          </a:p>
+        </p:txBody>
+      </p:sp>
+      <p:pic>
+        <p:nvPicPr>
+          <p:cNvPr id="5" name="Image 4">
+            <a:extLst>
+              <a:ext uri="{FF2B5EF4-FFF2-40B4-BE49-F238E27FC236}">
+                <a16:creationId xmlns:a16="http://schemas.microsoft.com/office/drawing/2014/main" id="{9DEA0B6F-76DE-4488-ADFE-BB1C81E84E5B}"/>
+              </a:ext>
+            </a:extLst>
+          </p:cNvPr>
+          <p:cNvPicPr>
+            <a:picLocks noChangeAspect="1"/>
+          </p:cNvPicPr>
+          <p:nvPr/>
+        </p:nvPicPr>
+        <p:blipFill>
+          <a:blip r:embed="rId2"/>
+          <a:stretch>
+            <a:fillRect/>
+          </a:stretch>
+        </p:blipFill>
+        <p:spPr>
+          <a:xfrm>
+            <a:off x="8066105" y="1964412"/>
+            <a:ext cx="3211495" cy="1640503"/>
+          </a:xfrm>
+          <a:prstGeom prst="rect">
+            <a:avLst/>
+          </a:prstGeom>
+        </p:spPr>
+      </p:pic>
+      <p:pic>
+        <p:nvPicPr>
+          <p:cNvPr id="4" name="Image 3" descr="Une image contenant tenant, écran, alimentation, pièce&#10;&#10;Description générée automatiquement">
+            <a:extLst>
+              <a:ext uri="{FF2B5EF4-FFF2-40B4-BE49-F238E27FC236}">
+                <a16:creationId xmlns:a16="http://schemas.microsoft.com/office/drawing/2014/main" id="{864B503F-97B7-48F0-9056-6152619341BD}"/>
+              </a:ext>
+            </a:extLst>
+          </p:cNvPr>
+          <p:cNvPicPr>
+            <a:picLocks noChangeAspect="1"/>
+          </p:cNvPicPr>
+          <p:nvPr/>
+        </p:nvPicPr>
+        <p:blipFill>
+          <a:blip r:embed="rId3"/>
+          <a:stretch>
+            <a:fillRect/>
+          </a:stretch>
+        </p:blipFill>
+        <p:spPr>
+          <a:xfrm>
+            <a:off x="8066105" y="3951913"/>
+            <a:ext cx="3211495" cy="1293049"/>
+          </a:xfrm>
+          <a:prstGeom prst="rect">
+            <a:avLst/>
+          </a:prstGeom>
+        </p:spPr>
+      </p:pic>
+    </p:spTree>
+    <p:extLst>
+      <p:ext uri="{BB962C8B-B14F-4D97-AF65-F5344CB8AC3E}">
+        <p14:creationId xmlns:p14="http://schemas.microsoft.com/office/powerpoint/2010/main" val="752153947"/>
+      </p:ext>
+    </p:extLst>
+  </p:cSld>
+  <p:clrMapOvr>
+    <a:masterClrMapping/>
+  </p:clrMapOvr>
+  <p:timing>
+    <p:tnLst>
+      <p:par>
+        <p:cTn id="1" dur="indefinite" restart="never" nodeType="tmRoot">
+          <p:childTnLst>
+            <p:seq concurrent="1" nextAc="seek">
+              <p:cTn id="2" dur="indefinite" nodeType="mainSeq">
+                <p:childTnLst>
+                  <p:par>
+                    <p:cTn id="3" fill="hold">
+                      <p:stCondLst>
+                        <p:cond delay="indefinite"/>
+                        <p:cond evt="onBegin" delay="0">
+                          <p:tn val="2"/>
+                        </p:cond>
+                      </p:stCondLst>
+                      <p:childTnLst>
+                        <p:par>
+                          <p:cTn id="4" fill="hold">
+                            <p:stCondLst>
+                              <p:cond delay="0"/>
+                            </p:stCondLst>
+                            <p:childTnLst>
+                              <p:par>
+                                <p:cTn id="5" presetID="10" presetClass="entr" presetSubtype="0" fill="hold" grpId="0" nodeType="withEffect">
+                                  <p:stCondLst>
+                                    <p:cond delay="0"/>
+                                  </p:stCondLst>
+                                  <p:childTnLst>
+                                    <p:set>
+                                      <p:cBhvr>
+                                        <p:cTn id="6" dur="1" fill="hold">
+                                          <p:stCondLst>
+                                            <p:cond delay="0"/>
+                                          </p:stCondLst>
+                                        </p:cTn>
+                                        <p:tgtEl>
+                                          <p:spTgt spid="3">
+                                            <p:txEl>
+                                              <p:pRg st="0" end="0"/>
+                                            </p:txEl>
+                                          </p:spTgt>
+                                        </p:tgtEl>
+                                        <p:attrNameLst>
+                                          <p:attrName>style.visibility</p:attrName>
+                                        </p:attrNameLst>
+                                      </p:cBhvr>
+                                      <p:to>
+                                        <p:strVal val="visible"/>
+                                      </p:to>
+                                    </p:set>
+                                    <p:animEffect transition="in" filter="fade">
+                                      <p:cBhvr>
+                                        <p:cTn id="7" dur="500"/>
+                                        <p:tgtEl>
+                                          <p:spTgt spid="3">
+                                            <p:txEl>
+                                              <p:pRg st="0" end="0"/>
+                                            </p:txEl>
+                                          </p:spTgt>
+                                        </p:tgtEl>
+                                      </p:cBhvr>
+                                    </p:animEffect>
+                                  </p:childTnLst>
+                                </p:cTn>
+                              </p:par>
+                              <p:par>
+                                <p:cTn id="8" presetID="10" presetClass="entr" presetSubtype="0" fill="hold" grpId="0" nodeType="withEffect">
+                                  <p:stCondLst>
+                                    <p:cond delay="0"/>
+                                  </p:stCondLst>
+                                  <p:childTnLst>
+                                    <p:set>
+                                      <p:cBhvr>
+                                        <p:cTn id="9" dur="1" fill="hold">
+                                          <p:stCondLst>
+                                            <p:cond delay="0"/>
+                                          </p:stCondLst>
+                                        </p:cTn>
+                                        <p:tgtEl>
+                                          <p:spTgt spid="3">
+                                            <p:txEl>
+                                              <p:pRg st="1" end="1"/>
+                                            </p:txEl>
+                                          </p:spTgt>
+                                        </p:tgtEl>
+                                        <p:attrNameLst>
+                                          <p:attrName>style.visibility</p:attrName>
+                                        </p:attrNameLst>
+                                      </p:cBhvr>
+                                      <p:to>
+                                        <p:strVal val="visible"/>
+                                      </p:to>
+                                    </p:set>
+                                    <p:animEffect transition="in" filter="fade">
+                                      <p:cBhvr>
+                                        <p:cTn id="10" dur="500"/>
+                                        <p:tgtEl>
+                                          <p:spTgt spid="3">
+                                            <p:txEl>
+                                              <p:pRg st="1" end="1"/>
+                                            </p:txEl>
+                                          </p:spTgt>
+                                        </p:tgtEl>
+                                      </p:cBhvr>
+                                    </p:animEffect>
+                                  </p:childTnLst>
+                                </p:cTn>
+                              </p:par>
+                              <p:par>
+                                <p:cTn id="11" presetID="10" presetClass="entr" presetSubtype="0" fill="hold" grpId="0" nodeType="withEffect">
+                                  <p:stCondLst>
+                                    <p:cond delay="0"/>
+                                  </p:stCondLst>
+                                  <p:childTnLst>
+                                    <p:set>
+                                      <p:cBhvr>
+                                        <p:cTn id="12" dur="1" fill="hold">
+                                          <p:stCondLst>
+                                            <p:cond delay="0"/>
+                                          </p:stCondLst>
+                                        </p:cTn>
+                                        <p:tgtEl>
+                                          <p:spTgt spid="3">
+                                            <p:txEl>
+                                              <p:pRg st="2" end="2"/>
+                                            </p:txEl>
+                                          </p:spTgt>
+                                        </p:tgtEl>
+                                        <p:attrNameLst>
+                                          <p:attrName>style.visibility</p:attrName>
+                                        </p:attrNameLst>
+                                      </p:cBhvr>
+                                      <p:to>
+                                        <p:strVal val="visible"/>
+                                      </p:to>
+                                    </p:set>
+                                    <p:animEffect transition="in" filter="fade">
+                                      <p:cBhvr>
+                                        <p:cTn id="13" dur="500"/>
+                                        <p:tgtEl>
+                                          <p:spTgt spid="3">
+                                            <p:txEl>
+                                              <p:pRg st="2" end="2"/>
+                                            </p:txEl>
+                                          </p:spTgt>
+                                        </p:tgtEl>
+                                      </p:cBhvr>
+                                    </p:animEffect>
+                                  </p:childTnLst>
+                                </p:cTn>
+                              </p:par>
+                              <p:par>
+                                <p:cTn id="14" presetID="10" presetClass="entr" presetSubtype="0" fill="hold" grpId="0" nodeType="withEffect">
+                                  <p:stCondLst>
+                                    <p:cond delay="0"/>
+                                  </p:stCondLst>
+                                  <p:childTnLst>
+                                    <p:set>
+                                      <p:cBhvr>
+                                        <p:cTn id="15" dur="1" fill="hold">
+                                          <p:stCondLst>
+                                            <p:cond delay="0"/>
+                                          </p:stCondLst>
+                                        </p:cTn>
+                                        <p:tgtEl>
+                                          <p:spTgt spid="3">
+                                            <p:txEl>
+                                              <p:pRg st="3" end="3"/>
+                                            </p:txEl>
+                                          </p:spTgt>
+                                        </p:tgtEl>
+                                        <p:attrNameLst>
+                                          <p:attrName>style.visibility</p:attrName>
+                                        </p:attrNameLst>
+                                      </p:cBhvr>
+                                      <p:to>
+                                        <p:strVal val="visible"/>
+                                      </p:to>
+                                    </p:set>
+                                    <p:animEffect transition="in" filter="fade">
+                                      <p:cBhvr>
+                                        <p:cTn id="16" dur="500"/>
+                                        <p:tgtEl>
+                                          <p:spTgt spid="3">
+                                            <p:txEl>
+                                              <p:pRg st="3" end="3"/>
+                                            </p:txEl>
+                                          </p:spTgt>
+                                        </p:tgtEl>
+                                      </p:cBhvr>
+                                    </p:animEffect>
+                                  </p:childTnLst>
+                                </p:cTn>
+                              </p:par>
+                              <p:par>
+                                <p:cTn id="17" presetID="10" presetClass="entr" presetSubtype="0" fill="hold" grpId="0" nodeType="withEffect">
+                                  <p:stCondLst>
+                                    <p:cond delay="0"/>
+                                  </p:stCondLst>
+                                  <p:childTnLst>
+                                    <p:set>
+                                      <p:cBhvr>
+                                        <p:cTn id="18" dur="1" fill="hold">
+                                          <p:stCondLst>
+                                            <p:cond delay="0"/>
+                                          </p:stCondLst>
+                                        </p:cTn>
+                                        <p:tgtEl>
+                                          <p:spTgt spid="3">
+                                            <p:txEl>
+                                              <p:pRg st="4" end="4"/>
+                                            </p:txEl>
+                                          </p:spTgt>
+                                        </p:tgtEl>
+                                        <p:attrNameLst>
+                                          <p:attrName>style.visibility</p:attrName>
+                                        </p:attrNameLst>
+                                      </p:cBhvr>
+                                      <p:to>
+                                        <p:strVal val="visible"/>
+                                      </p:to>
+                                    </p:set>
+                                    <p:animEffect transition="in" filter="fade">
+                                      <p:cBhvr>
+                                        <p:cTn id="19" dur="500"/>
+                                        <p:tgtEl>
+                                          <p:spTgt spid="3">
+                                            <p:txEl>
+                                              <p:pRg st="4" end="4"/>
+                                            </p:txEl>
+                                          </p:spTgt>
+                                        </p:tgtEl>
+                                      </p:cBhvr>
+                                    </p:animEffect>
+                                  </p:childTnLst>
+                                </p:cTn>
+                              </p:par>
+                            </p:childTnLst>
+                          </p:cTn>
+                        </p:par>
+                      </p:childTnLst>
+                    </p:cTn>
+                  </p:par>
+                  <p:par>
+                    <p:cTn id="20" fill="hold">
+                      <p:stCondLst>
+                        <p:cond delay="indefinite"/>
+                      </p:stCondLst>
+                      <p:childTnLst>
+                        <p:par>
+                          <p:cTn id="21" fill="hold">
+                            <p:stCondLst>
+                              <p:cond delay="0"/>
+                            </p:stCondLst>
+                            <p:childTnLst>
+                              <p:par>
+                                <p:cTn id="22" presetID="10" presetClass="entr" presetSubtype="0" fill="hold" grpId="0" nodeType="clickEffect">
+                                  <p:stCondLst>
+                                    <p:cond delay="0"/>
+                                  </p:stCondLst>
+                                  <p:childTnLst>
+                                    <p:set>
+                                      <p:cBhvr>
+                                        <p:cTn id="23" dur="1" fill="hold">
+                                          <p:stCondLst>
+                                            <p:cond delay="0"/>
+                                          </p:stCondLst>
+                                        </p:cTn>
+                                        <p:tgtEl>
+                                          <p:spTgt spid="3">
+                                            <p:txEl>
+                                              <p:pRg st="5" end="5"/>
+                                            </p:txEl>
+                                          </p:spTgt>
+                                        </p:tgtEl>
+                                        <p:attrNameLst>
+                                          <p:attrName>style.visibility</p:attrName>
+                                        </p:attrNameLst>
+                                      </p:cBhvr>
+                                      <p:to>
+                                        <p:strVal val="visible"/>
+                                      </p:to>
+                                    </p:set>
+                                    <p:animEffect transition="in" filter="fade">
+                                      <p:cBhvr>
+                                        <p:cTn id="24" dur="500"/>
+                                        <p:tgtEl>
+                                          <p:spTgt spid="3">
+                                            <p:txEl>
+                                              <p:pRg st="5" end="5"/>
+                                            </p:txEl>
+                                          </p:spTgt>
+                                        </p:tgtEl>
+                                      </p:cBhvr>
+                                    </p:animEffect>
+                                  </p:childTnLst>
+                                </p:cTn>
+                              </p:par>
+                              <p:par>
+                                <p:cTn id="25" presetID="10" presetClass="entr" presetSubtype="0" fill="hold" grpId="0" nodeType="withEffect">
+                                  <p:stCondLst>
+                                    <p:cond delay="0"/>
+                                  </p:stCondLst>
+                                  <p:childTnLst>
+                                    <p:set>
+                                      <p:cBhvr>
+                                        <p:cTn id="26" dur="1" fill="hold">
+                                          <p:stCondLst>
+                                            <p:cond delay="0"/>
+                                          </p:stCondLst>
+                                        </p:cTn>
+                                        <p:tgtEl>
+                                          <p:spTgt spid="3">
+                                            <p:txEl>
+                                              <p:pRg st="6" end="6"/>
+                                            </p:txEl>
+                                          </p:spTgt>
+                                        </p:tgtEl>
+                                        <p:attrNameLst>
+                                          <p:attrName>style.visibility</p:attrName>
+                                        </p:attrNameLst>
+                                      </p:cBhvr>
+                                      <p:to>
+                                        <p:strVal val="visible"/>
+                                      </p:to>
+                                    </p:set>
+                                    <p:animEffect transition="in" filter="fade">
+                                      <p:cBhvr>
+                                        <p:cTn id="27" dur="500"/>
+                                        <p:tgtEl>
+                                          <p:spTgt spid="3">
+                                            <p:txEl>
+                                              <p:pRg st="6" end="6"/>
+                                            </p:txEl>
+                                          </p:spTgt>
+                                        </p:tgtEl>
+                                      </p:cBhvr>
+                                    </p:animEffect>
+                                  </p:childTnLst>
+                                </p:cTn>
+                              </p:par>
+                              <p:par>
+                                <p:cTn id="28" presetID="10" presetClass="entr" presetSubtype="0" fill="hold" grpId="0" nodeType="withEffect">
+                                  <p:stCondLst>
+                                    <p:cond delay="0"/>
+                                  </p:stCondLst>
+                                  <p:childTnLst>
+                                    <p:set>
+                                      <p:cBhvr>
+                                        <p:cTn id="29" dur="1" fill="hold">
+                                          <p:stCondLst>
+                                            <p:cond delay="0"/>
+                                          </p:stCondLst>
+                                        </p:cTn>
+                                        <p:tgtEl>
+                                          <p:spTgt spid="3">
+                                            <p:txEl>
+                                              <p:pRg st="7" end="7"/>
+                                            </p:txEl>
+                                          </p:spTgt>
+                                        </p:tgtEl>
+                                        <p:attrNameLst>
+                                          <p:attrName>style.visibility</p:attrName>
+                                        </p:attrNameLst>
+                                      </p:cBhvr>
+                                      <p:to>
+                                        <p:strVal val="visible"/>
+                                      </p:to>
+                                    </p:set>
+                                    <p:animEffect transition="in" filter="fade">
+                                      <p:cBhvr>
+                                        <p:cTn id="30" dur="500"/>
+                                        <p:tgtEl>
+                                          <p:spTgt spid="3">
+                                            <p:txEl>
+                                              <p:pRg st="7" end="7"/>
+                                            </p:txEl>
+                                          </p:spTgt>
+                                        </p:tgtEl>
+                                      </p:cBhvr>
+                                    </p:animEffect>
+                                  </p:childTnLst>
+                                </p:cTn>
+                              </p:par>
+                              <p:par>
+                                <p:cTn id="31" presetID="10" presetClass="entr" presetSubtype="0" fill="hold" nodeType="withEffect">
+                                  <p:stCondLst>
+                                    <p:cond delay="0"/>
+                                  </p:stCondLst>
+                                  <p:childTnLst>
+                                    <p:set>
+                                      <p:cBhvr>
+                                        <p:cTn id="32" dur="1" fill="hold">
+                                          <p:stCondLst>
+                                            <p:cond delay="0"/>
+                                          </p:stCondLst>
+                                        </p:cTn>
+                                        <p:tgtEl>
+                                          <p:spTgt spid="5"/>
+                                        </p:tgtEl>
+                                        <p:attrNameLst>
+                                          <p:attrName>style.visibility</p:attrName>
+                                        </p:attrNameLst>
+                                      </p:cBhvr>
+                                      <p:to>
+                                        <p:strVal val="visible"/>
+                                      </p:to>
+                                    </p:set>
+                                    <p:animEffect transition="in" filter="fade">
+                                      <p:cBhvr>
+                                        <p:cTn id="33" dur="500"/>
+                                        <p:tgtEl>
+                                          <p:spTgt spid="5"/>
+                                        </p:tgtEl>
+                                      </p:cBhvr>
+                                    </p:animEffect>
+                                  </p:childTnLst>
+                                </p:cTn>
+                              </p:par>
+                              <p:par>
+                                <p:cTn id="34" presetID="10" presetClass="entr" presetSubtype="0" fill="hold" nodeType="withEffect">
+                                  <p:stCondLst>
+                                    <p:cond delay="0"/>
+                                  </p:stCondLst>
+                                  <p:childTnLst>
+                                    <p:set>
+                                      <p:cBhvr>
+                                        <p:cTn id="35" dur="1" fill="hold">
+                                          <p:stCondLst>
+                                            <p:cond delay="0"/>
+                                          </p:stCondLst>
+                                        </p:cTn>
+                                        <p:tgtEl>
+                                          <p:spTgt spid="4"/>
+                                        </p:tgtEl>
+                                        <p:attrNameLst>
+                                          <p:attrName>style.visibility</p:attrName>
+                                        </p:attrNameLst>
+                                      </p:cBhvr>
+                                      <p:to>
+                                        <p:strVal val="visible"/>
+                                      </p:to>
+                                    </p:set>
+                                    <p:animEffect transition="in" filter="fade">
+                                      <p:cBhvr>
+                                        <p:cTn id="36" dur="500"/>
+                                        <p:tgtEl>
+                                          <p:spTgt spid="4"/>
+                                        </p:tgtEl>
+                                      </p:cBhvr>
+                                    </p:animEffect>
+                                  </p:childTnLst>
+                                </p:cTn>
+                              </p:par>
+                            </p:childTnLst>
+                          </p:cTn>
+                        </p:par>
+                      </p:childTnLst>
+                    </p:cTn>
+                  </p:par>
+                </p:childTnLst>
+              </p:cTn>
+              <p:prevCondLst>
+                <p:cond evt="onPrev" delay="0">
+                  <p:tgtEl>
+                    <p:sldTgt/>
+                  </p:tgtEl>
+                </p:cond>
+              </p:prevCondLst>
+              <p:nextCondLst>
+                <p:cond evt="onNext" delay="0">
+                  <p:tgtEl>
+                    <p:sldTgt/>
+                  </p:tgtEl>
+                </p:cond>
+              </p:nextCondLst>
+            </p:seq>
+          </p:childTnLst>
+        </p:cTn>
+      </p:par>
+    </p:tnLst>
+    <p:bldLst>
+      <p:bldP spid="3" grpId="0" uiExpand="1" build="p"/>
+    </p:bldLst>
+  </p:timing>
+</p:sld>
+</file>
+
+<file path=ppt/slides/slide35.xml><?xml version="1.0" encoding="utf-8"?>
+<p:sld xmlns:a="http://schemas.openxmlformats.org/drawingml/2006/main" xmlns:r="http://schemas.openxmlformats.org/officeDocument/2006/relationships" xmlns:p="http://schemas.openxmlformats.org/presentationml/2006/main">
+  <p:cSld>
+    <p:spTree>
+      <p:nvGrpSpPr>
+        <p:cNvPr id="1" name=""/>
+        <p:cNvGrpSpPr/>
+        <p:nvPr/>
+      </p:nvGrpSpPr>
+      <p:grpSpPr>
+        <a:xfrm>
+          <a:off x="0" y="0"/>
+          <a:ext cx="0" cy="0"/>
+          <a:chOff x="0" y="0"/>
+          <a:chExt cx="0" cy="0"/>
+        </a:xfrm>
+      </p:grpSpPr>
+      <p:sp>
+        <p:nvSpPr>
+          <p:cNvPr id="2" name="Titre 1">
+            <a:extLst>
+              <a:ext uri="{FF2B5EF4-FFF2-40B4-BE49-F238E27FC236}">
+                <a16:creationId xmlns:a16="http://schemas.microsoft.com/office/drawing/2014/main" id="{9C9018E5-536D-4459-8F66-50C173765663}"/>
+              </a:ext>
+            </a:extLst>
+          </p:cNvPr>
+          <p:cNvSpPr>
+            <a:spLocks noGrp="1"/>
+          </p:cNvSpPr>
+          <p:nvPr>
+            <p:ph type="ctrTitle"/>
+          </p:nvPr>
+        </p:nvSpPr>
+        <p:spPr>
+          <a:xfrm>
+            <a:off x="2509284" y="2721934"/>
+            <a:ext cx="7767073" cy="1164745"/>
+          </a:xfrm>
+        </p:spPr>
+        <p:txBody>
+          <a:bodyPr/>
+          <a:lstStyle/>
+          <a:p>
+            <a:r>
+              <a:rPr lang="fr-FR" sz="6000" dirty="0"/>
+              <a:t>Entity </a:t>
+            </a:r>
+            <a:r>
+              <a:rPr lang="fr-FR" sz="6000" dirty="0" err="1"/>
+              <a:t>framework</a:t>
+            </a:r>
+            <a:endParaRPr lang="fr-FR" sz="6000" dirty="0"/>
+          </a:p>
+        </p:txBody>
+      </p:sp>
+    </p:spTree>
+    <p:extLst>
+      <p:ext uri="{BB962C8B-B14F-4D97-AF65-F5344CB8AC3E}">
+        <p14:creationId xmlns:p14="http://schemas.microsoft.com/office/powerpoint/2010/main" val="1675989257"/>
+      </p:ext>
+    </p:extLst>
+  </p:cSld>
+  <p:clrMapOvr>
+    <a:masterClrMapping/>
+  </p:clrMapOvr>
 </p:sld>
 </file>
 
